--- a/2020-10-16 - NDC Sydney - The Background on Background Tasks in .NET Core/The Background on Background Tasks.pptx
+++ b/2020-10-16 - NDC Sydney - The Background on Background Tasks in .NET Core/The Background on Background Tasks.pptx
@@ -22696,7 +22696,7 @@
           <a:p>
             <a:r>
               <a:rPr lang="en-US" dirty="0"/>
-              <a:t>Supports continuations</a:t>
+              <a:t>Allows for continuations</a:t>
             </a:r>
           </a:p>
           <a:p>
@@ -23946,14 +23946,31 @@
           <a:lstStyle/>
           <a:p>
             <a:r>
-              <a:rPr lang="en-US" dirty="0">
-                <a:hlinkClick r:id="rId3"/>
-              </a:rPr>
-              <a:t>https://docs.hangfire.io/en/latest/background-methods/calling-methods-in-background.html</a:t>
-            </a:r>
-            <a:endParaRPr lang="en-US" dirty="0"/>
-          </a:p>
-          <a:p>
+              <a:rPr lang="en-US" dirty="0"/>
+              <a:t>Serializes method call and all arguments</a:t>
+            </a:r>
+          </a:p>
+          <a:p>
+            <a:r>
+              <a:rPr lang="en-US" dirty="0"/>
+              <a:t>Creates background job based on that information</a:t>
+            </a:r>
+          </a:p>
+          <a:p>
+            <a:r>
+              <a:rPr lang="en-US" dirty="0"/>
+              <a:t>Saves job to persistent storage</a:t>
+            </a:r>
+          </a:p>
+          <a:p>
+            <a:r>
+              <a:rPr lang="en-US" dirty="0"/>
+              <a:t>Starts background job </a:t>
+            </a:r>
+            <a:r>
+              <a:rPr lang="en-US"/>
+              <a:t>if immediate</a:t>
+            </a:r>
             <a:endParaRPr lang="en-US" dirty="0"/>
           </a:p>
         </p:txBody>
@@ -24211,7 +24228,7 @@
               <a:avLst/>
             </a:prstGeom>
             <a:blipFill dpi="0" rotWithShape="1">
-              <a:blip r:embed="rId4">
+              <a:blip r:embed="rId3">
                 <a:alphaModFix amt="50000"/>
               </a:blip>
               <a:srcRect/>
@@ -24314,6 +24331,189 @@
                                           <p:spTgt spid="3">
                                             <p:txEl>
                                               <p:pRg st="0" end="0"/>
+                                            </p:txEl>
+                                          </p:spTgt>
+                                        </p:tgtEl>
+                                      </p:cBhvr>
+                                    </p:animEffect>
+                                  </p:childTnLst>
+                                </p:cTn>
+                              </p:par>
+                            </p:childTnLst>
+                          </p:cTn>
+                        </p:par>
+                      </p:childTnLst>
+                    </p:cTn>
+                  </p:par>
+                  <p:par>
+                    <p:cTn id="8" fill="hold">
+                      <p:stCondLst>
+                        <p:cond delay="indefinite"/>
+                      </p:stCondLst>
+                      <p:childTnLst>
+                        <p:par>
+                          <p:cTn id="9" fill="hold">
+                            <p:stCondLst>
+                              <p:cond delay="0"/>
+                            </p:stCondLst>
+                            <p:childTnLst>
+                              <p:par>
+                                <p:cTn id="10" presetID="10" presetClass="entr" presetSubtype="0" fill="hold" grpId="0" nodeType="clickEffect">
+                                  <p:stCondLst>
+                                    <p:cond delay="0"/>
+                                  </p:stCondLst>
+                                  <p:childTnLst>
+                                    <p:set>
+                                      <p:cBhvr>
+                                        <p:cTn id="11" dur="1" fill="hold">
+                                          <p:stCondLst>
+                                            <p:cond delay="0"/>
+                                          </p:stCondLst>
+                                        </p:cTn>
+                                        <p:tgtEl>
+                                          <p:spTgt spid="3">
+                                            <p:txEl>
+                                              <p:pRg st="1" end="1"/>
+                                            </p:txEl>
+                                          </p:spTgt>
+                                        </p:tgtEl>
+                                        <p:attrNameLst>
+                                          <p:attrName>style.visibility</p:attrName>
+                                        </p:attrNameLst>
+                                      </p:cBhvr>
+                                      <p:to>
+                                        <p:strVal val="visible"/>
+                                      </p:to>
+                                    </p:set>
+                                    <p:animEffect transition="in" filter="fade">
+                                      <p:cBhvr>
+                                        <p:cTn id="12" dur="500"/>
+                                        <p:tgtEl>
+                                          <p:spTgt spid="3">
+                                            <p:txEl>
+                                              <p:pRg st="1" end="1"/>
+                                            </p:txEl>
+                                          </p:spTgt>
+                                        </p:tgtEl>
+                                      </p:cBhvr>
+                                    </p:animEffect>
+                                  </p:childTnLst>
+                                </p:cTn>
+                              </p:par>
+                            </p:childTnLst>
+                          </p:cTn>
+                        </p:par>
+                      </p:childTnLst>
+                    </p:cTn>
+                  </p:par>
+                  <p:par>
+                    <p:cTn id="13" fill="hold">
+                      <p:stCondLst>
+                        <p:cond delay="indefinite"/>
+                      </p:stCondLst>
+                      <p:childTnLst>
+                        <p:par>
+                          <p:cTn id="14" fill="hold">
+                            <p:stCondLst>
+                              <p:cond delay="0"/>
+                            </p:stCondLst>
+                            <p:childTnLst>
+                              <p:par>
+                                <p:cTn id="15" presetID="10" presetClass="entr" presetSubtype="0" fill="hold" grpId="0" nodeType="clickEffect">
+                                  <p:stCondLst>
+                                    <p:cond delay="0"/>
+                                  </p:stCondLst>
+                                  <p:childTnLst>
+                                    <p:set>
+                                      <p:cBhvr>
+                                        <p:cTn id="16" dur="1" fill="hold">
+                                          <p:stCondLst>
+                                            <p:cond delay="0"/>
+                                          </p:stCondLst>
+                                        </p:cTn>
+                                        <p:tgtEl>
+                                          <p:spTgt spid="3">
+                                            <p:txEl>
+                                              <p:pRg st="2" end="2"/>
+                                            </p:txEl>
+                                          </p:spTgt>
+                                        </p:tgtEl>
+                                        <p:attrNameLst>
+                                          <p:attrName>style.visibility</p:attrName>
+                                        </p:attrNameLst>
+                                      </p:cBhvr>
+                                      <p:to>
+                                        <p:strVal val="visible"/>
+                                      </p:to>
+                                    </p:set>
+                                    <p:animEffect transition="in" filter="fade">
+                                      <p:cBhvr>
+                                        <p:cTn id="17" dur="500"/>
+                                        <p:tgtEl>
+                                          <p:spTgt spid="3">
+                                            <p:txEl>
+                                              <p:pRg st="2" end="2"/>
+                                            </p:txEl>
+                                          </p:spTgt>
+                                        </p:tgtEl>
+                                      </p:cBhvr>
+                                    </p:animEffect>
+                                  </p:childTnLst>
+                                </p:cTn>
+                              </p:par>
+                            </p:childTnLst>
+                          </p:cTn>
+                        </p:par>
+                      </p:childTnLst>
+                    </p:cTn>
+                  </p:par>
+                  <p:par>
+                    <p:cTn id="18" fill="hold">
+                      <p:stCondLst>
+                        <p:cond delay="indefinite"/>
+                      </p:stCondLst>
+                      <p:childTnLst>
+                        <p:par>
+                          <p:cTn id="19" fill="hold">
+                            <p:stCondLst>
+                              <p:cond delay="0"/>
+                            </p:stCondLst>
+                            <p:childTnLst>
+                              <p:par>
+                                <p:cTn id="20" presetID="10" presetClass="entr" presetSubtype="0" fill="hold" grpId="0" nodeType="clickEffect">
+                                  <p:stCondLst>
+                                    <p:cond delay="0"/>
+                                  </p:stCondLst>
+                                  <p:childTnLst>
+                                    <p:set>
+                                      <p:cBhvr>
+                                        <p:cTn id="21" dur="1" fill="hold">
+                                          <p:stCondLst>
+                                            <p:cond delay="0"/>
+                                          </p:stCondLst>
+                                        </p:cTn>
+                                        <p:tgtEl>
+                                          <p:spTgt spid="3">
+                                            <p:txEl>
+                                              <p:pRg st="3" end="3"/>
+                                            </p:txEl>
+                                          </p:spTgt>
+                                        </p:tgtEl>
+                                        <p:attrNameLst>
+                                          <p:attrName>style.visibility</p:attrName>
+                                        </p:attrNameLst>
+                                      </p:cBhvr>
+                                      <p:to>
+                                        <p:strVal val="visible"/>
+                                      </p:to>
+                                    </p:set>
+                                    <p:animEffect transition="in" filter="fade">
+                                      <p:cBhvr>
+                                        <p:cTn id="22" dur="500"/>
+                                        <p:tgtEl>
+                                          <p:spTgt spid="3">
+                                            <p:txEl>
+                                              <p:pRg st="3" end="3"/>
                                             </p:txEl>
                                           </p:spTgt>
                                         </p:tgtEl>

--- a/2020-10-16 - NDC Sydney - The Background on Background Tasks in .NET Core/The Background on Background Tasks.pptx
+++ b/2020-10-16 - NDC Sydney - The Background on Background Tasks in .NET Core/The Background on Background Tasks.pptx
@@ -5,51 +5,50 @@
     <p:sldMasterId id="2147483690" r:id="rId1"/>
   </p:sldMasterIdLst>
   <p:notesMasterIdLst>
-    <p:notesMasterId r:id="rId44"/>
+    <p:notesMasterId r:id="rId43"/>
   </p:notesMasterIdLst>
   <p:sldIdLst>
     <p:sldId id="257" r:id="rId2"/>
     <p:sldId id="285" r:id="rId3"/>
     <p:sldId id="326" r:id="rId4"/>
     <p:sldId id="369" r:id="rId5"/>
-    <p:sldId id="322" r:id="rId6"/>
-    <p:sldId id="327" r:id="rId7"/>
-    <p:sldId id="328" r:id="rId8"/>
-    <p:sldId id="329" r:id="rId9"/>
-    <p:sldId id="338" r:id="rId10"/>
-    <p:sldId id="345" r:id="rId11"/>
-    <p:sldId id="330" r:id="rId12"/>
-    <p:sldId id="343" r:id="rId13"/>
-    <p:sldId id="342" r:id="rId14"/>
-    <p:sldId id="370" r:id="rId15"/>
-    <p:sldId id="371" r:id="rId16"/>
-    <p:sldId id="340" r:id="rId17"/>
-    <p:sldId id="341" r:id="rId18"/>
-    <p:sldId id="346" r:id="rId19"/>
-    <p:sldId id="347" r:id="rId20"/>
-    <p:sldId id="354" r:id="rId21"/>
-    <p:sldId id="351" r:id="rId22"/>
-    <p:sldId id="352" r:id="rId23"/>
-    <p:sldId id="349" r:id="rId24"/>
-    <p:sldId id="350" r:id="rId25"/>
-    <p:sldId id="353" r:id="rId26"/>
-    <p:sldId id="355" r:id="rId27"/>
-    <p:sldId id="356" r:id="rId28"/>
-    <p:sldId id="357" r:id="rId29"/>
-    <p:sldId id="360" r:id="rId30"/>
-    <p:sldId id="358" r:id="rId31"/>
-    <p:sldId id="359" r:id="rId32"/>
-    <p:sldId id="361" r:id="rId33"/>
-    <p:sldId id="362" r:id="rId34"/>
-    <p:sldId id="363" r:id="rId35"/>
-    <p:sldId id="364" r:id="rId36"/>
-    <p:sldId id="366" r:id="rId37"/>
-    <p:sldId id="367" r:id="rId38"/>
-    <p:sldId id="334" r:id="rId39"/>
-    <p:sldId id="368" r:id="rId40"/>
-    <p:sldId id="336" r:id="rId41"/>
-    <p:sldId id="266" r:id="rId42"/>
-    <p:sldId id="337" r:id="rId43"/>
+    <p:sldId id="327" r:id="rId6"/>
+    <p:sldId id="328" r:id="rId7"/>
+    <p:sldId id="329" r:id="rId8"/>
+    <p:sldId id="338" r:id="rId9"/>
+    <p:sldId id="345" r:id="rId10"/>
+    <p:sldId id="330" r:id="rId11"/>
+    <p:sldId id="343" r:id="rId12"/>
+    <p:sldId id="342" r:id="rId13"/>
+    <p:sldId id="370" r:id="rId14"/>
+    <p:sldId id="371" r:id="rId15"/>
+    <p:sldId id="340" r:id="rId16"/>
+    <p:sldId id="341" r:id="rId17"/>
+    <p:sldId id="346" r:id="rId18"/>
+    <p:sldId id="347" r:id="rId19"/>
+    <p:sldId id="354" r:id="rId20"/>
+    <p:sldId id="351" r:id="rId21"/>
+    <p:sldId id="352" r:id="rId22"/>
+    <p:sldId id="349" r:id="rId23"/>
+    <p:sldId id="350" r:id="rId24"/>
+    <p:sldId id="353" r:id="rId25"/>
+    <p:sldId id="355" r:id="rId26"/>
+    <p:sldId id="356" r:id="rId27"/>
+    <p:sldId id="357" r:id="rId28"/>
+    <p:sldId id="360" r:id="rId29"/>
+    <p:sldId id="358" r:id="rId30"/>
+    <p:sldId id="359" r:id="rId31"/>
+    <p:sldId id="361" r:id="rId32"/>
+    <p:sldId id="362" r:id="rId33"/>
+    <p:sldId id="363" r:id="rId34"/>
+    <p:sldId id="364" r:id="rId35"/>
+    <p:sldId id="366" r:id="rId36"/>
+    <p:sldId id="367" r:id="rId37"/>
+    <p:sldId id="334" r:id="rId38"/>
+    <p:sldId id="368" r:id="rId39"/>
+    <p:sldId id="336" r:id="rId40"/>
+    <p:sldId id="266" r:id="rId41"/>
+    <p:sldId id="337" r:id="rId42"/>
   </p:sldIdLst>
   <p:sldSz cx="12192000" cy="6858000"/>
   <p:notesSz cx="6858000" cy="9144000"/>
@@ -549,7 +548,22 @@
           <a:bodyPr/>
           <a:lstStyle/>
           <a:p>
-            <a:endParaRPr lang="en-US" dirty="0"/>
+            <a:r>
+              <a:rPr lang="en-US" dirty="0"/>
+              <a:t>Pre-check:</a:t>
+            </a:r>
+          </a:p>
+          <a:p>
+            <a:r>
+              <a:rPr lang="en-US" dirty="0"/>
+              <a:t>docker-compose down &amp;&amp; docker-compose up</a:t>
+            </a:r>
+          </a:p>
+          <a:p>
+            <a:r>
+              <a:rPr lang="en-US" dirty="0"/>
+              <a:t>Solution Open</a:t>
+            </a:r>
           </a:p>
         </p:txBody>
       </p:sp>
@@ -644,7 +658,7 @@
             <a:spLocks noGrp="1"/>
           </p:cNvSpPr>
           <p:nvPr>
-            <p:ph type="sldNum" sz="quarter" idx="5"/>
+            <p:ph type="sldNum" sz="quarter" idx="10"/>
           </p:nvPr>
         </p:nvSpPr>
         <p:spPr/>
@@ -652,7 +666,7 @@
           <a:bodyPr/>
           <a:lstStyle/>
           <a:p>
-            <a:fld id="{EC074461-D808-4EBD-B8B3-953FBFCC6ED3}" type="slidenum">
+            <a:fld id="{2B57EC6A-F5A4-441D-B3C5-D1EF8312AF7C}" type="slidenum">
               <a:rPr lang="en-US" smtClean="0"/>
               <a:t>10</a:t>
             </a:fld>
@@ -663,7 +677,7 @@
     </p:spTree>
     <p:extLst>
       <p:ext uri="{BB962C8B-B14F-4D97-AF65-F5344CB8AC3E}">
-        <p14:creationId xmlns:p14="http://schemas.microsoft.com/office/powerpoint/2010/main" val="3721149582"/>
+        <p14:creationId xmlns:p14="http://schemas.microsoft.com/office/powerpoint/2010/main" val="2206107397"/>
       </p:ext>
     </p:extLst>
   </p:cSld>
@@ -717,7 +731,49 @@
           <a:bodyPr/>
           <a:lstStyle/>
           <a:p>
+            <a:r>
+              <a:rPr lang="en-US" dirty="0"/>
+              <a:t>Show what’s involved with an </a:t>
+            </a:r>
+            <a:r>
+              <a:rPr lang="en-US" dirty="0" err="1"/>
+              <a:t>IHostedService</a:t>
+            </a:r>
             <a:endParaRPr lang="en-US" dirty="0"/>
+          </a:p>
+          <a:p>
+            <a:pPr marL="171450" indent="-171450">
+              <a:buFontTx/>
+              <a:buChar char="-"/>
+            </a:pPr>
+            <a:r>
+              <a:rPr lang="en-US" dirty="0" err="1"/>
+              <a:t>StartAsync</a:t>
+            </a:r>
+            <a:endParaRPr lang="en-US" dirty="0"/>
+          </a:p>
+          <a:p>
+            <a:pPr marL="171450" indent="-171450">
+              <a:buFontTx/>
+              <a:buChar char="-"/>
+            </a:pPr>
+            <a:r>
+              <a:rPr lang="en-US" dirty="0" err="1"/>
+              <a:t>StopAsync</a:t>
+            </a:r>
+            <a:endParaRPr lang="en-US" dirty="0"/>
+          </a:p>
+          <a:p>
+            <a:r>
+              <a:rPr lang="en-US" dirty="0"/>
+              <a:t>Show registering</a:t>
+            </a:r>
+          </a:p>
+          <a:p>
+            <a:r>
+              <a:rPr lang="en-US" dirty="0"/>
+              <a:t>Show what happens when you return the Task or await it</a:t>
+            </a:r>
           </a:p>
         </p:txBody>
       </p:sp>
@@ -728,7 +784,7 @@
             <a:spLocks noGrp="1"/>
           </p:cNvSpPr>
           <p:nvPr>
-            <p:ph type="sldNum" sz="quarter" idx="10"/>
+            <p:ph type="sldNum" sz="quarter" idx="5"/>
           </p:nvPr>
         </p:nvSpPr>
         <p:spPr/>
@@ -736,7 +792,7 @@
           <a:bodyPr/>
           <a:lstStyle/>
           <a:p>
-            <a:fld id="{2B57EC6A-F5A4-441D-B3C5-D1EF8312AF7C}" type="slidenum">
+            <a:fld id="{EC074461-D808-4EBD-B8B3-953FBFCC6ED3}" type="slidenum">
               <a:rPr lang="en-US" smtClean="0"/>
               <a:t>11</a:t>
             </a:fld>
@@ -747,7 +803,7 @@
     </p:spTree>
     <p:extLst>
       <p:ext uri="{BB962C8B-B14F-4D97-AF65-F5344CB8AC3E}">
-        <p14:creationId xmlns:p14="http://schemas.microsoft.com/office/powerpoint/2010/main" val="2206107397"/>
+        <p14:creationId xmlns:p14="http://schemas.microsoft.com/office/powerpoint/2010/main" val="4281603847"/>
       </p:ext>
     </p:extLst>
   </p:cSld>
@@ -801,49 +857,7 @@
           <a:bodyPr/>
           <a:lstStyle/>
           <a:p>
-            <a:r>
-              <a:rPr lang="en-US" dirty="0"/>
-              <a:t>Show what’s involved with an </a:t>
-            </a:r>
-            <a:r>
-              <a:rPr lang="en-US" dirty="0" err="1"/>
-              <a:t>IHostedService</a:t>
-            </a:r>
             <a:endParaRPr lang="en-US" dirty="0"/>
-          </a:p>
-          <a:p>
-            <a:pPr marL="171450" indent="-171450">
-              <a:buFontTx/>
-              <a:buChar char="-"/>
-            </a:pPr>
-            <a:r>
-              <a:rPr lang="en-US" dirty="0" err="1"/>
-              <a:t>StartAsync</a:t>
-            </a:r>
-            <a:endParaRPr lang="en-US" dirty="0"/>
-          </a:p>
-          <a:p>
-            <a:pPr marL="171450" indent="-171450">
-              <a:buFontTx/>
-              <a:buChar char="-"/>
-            </a:pPr>
-            <a:r>
-              <a:rPr lang="en-US" dirty="0" err="1"/>
-              <a:t>StopAsync</a:t>
-            </a:r>
-            <a:endParaRPr lang="en-US" dirty="0"/>
-          </a:p>
-          <a:p>
-            <a:r>
-              <a:rPr lang="en-US" dirty="0"/>
-              <a:t>Show registering</a:t>
-            </a:r>
-          </a:p>
-          <a:p>
-            <a:r>
-              <a:rPr lang="en-US" dirty="0"/>
-              <a:t>Show what happens when you return the Task or await it</a:t>
-            </a:r>
           </a:p>
         </p:txBody>
       </p:sp>
@@ -854,7 +868,7 @@
             <a:spLocks noGrp="1"/>
           </p:cNvSpPr>
           <p:nvPr>
-            <p:ph type="sldNum" sz="quarter" idx="5"/>
+            <p:ph type="sldNum" sz="quarter" idx="10"/>
           </p:nvPr>
         </p:nvSpPr>
         <p:spPr/>
@@ -862,7 +876,7 @@
           <a:bodyPr/>
           <a:lstStyle/>
           <a:p>
-            <a:fld id="{EC074461-D808-4EBD-B8B3-953FBFCC6ED3}" type="slidenum">
+            <a:fld id="{2B57EC6A-F5A4-441D-B3C5-D1EF8312AF7C}" type="slidenum">
               <a:rPr lang="en-US" smtClean="0"/>
               <a:t>12</a:t>
             </a:fld>
@@ -873,7 +887,7 @@
     </p:spTree>
     <p:extLst>
       <p:ext uri="{BB962C8B-B14F-4D97-AF65-F5344CB8AC3E}">
-        <p14:creationId xmlns:p14="http://schemas.microsoft.com/office/powerpoint/2010/main" val="4281603847"/>
+        <p14:creationId xmlns:p14="http://schemas.microsoft.com/office/powerpoint/2010/main" val="1142826064"/>
       </p:ext>
     </p:extLst>
   </p:cSld>
@@ -957,7 +971,7 @@
     </p:spTree>
     <p:extLst>
       <p:ext uri="{BB962C8B-B14F-4D97-AF65-F5344CB8AC3E}">
-        <p14:creationId xmlns:p14="http://schemas.microsoft.com/office/powerpoint/2010/main" val="1142826064"/>
+        <p14:creationId xmlns:p14="http://schemas.microsoft.com/office/powerpoint/2010/main" val="1767118286"/>
       </p:ext>
     </p:extLst>
   </p:cSld>
@@ -1041,7 +1055,7 @@
     </p:spTree>
     <p:extLst>
       <p:ext uri="{BB962C8B-B14F-4D97-AF65-F5344CB8AC3E}">
-        <p14:creationId xmlns:p14="http://schemas.microsoft.com/office/powerpoint/2010/main" val="1767118286"/>
+        <p14:creationId xmlns:p14="http://schemas.microsoft.com/office/powerpoint/2010/main" val="2345616407"/>
       </p:ext>
     </p:extLst>
   </p:cSld>
@@ -1095,7 +1109,22 @@
           <a:bodyPr/>
           <a:lstStyle/>
           <a:p>
-            <a:endParaRPr lang="en-US" dirty="0"/>
+            <a:r>
+              <a:rPr lang="en-US" dirty="0" err="1"/>
+              <a:t>BackgroundService</a:t>
+            </a:r>
+            <a:r>
+              <a:rPr lang="en-US" dirty="0"/>
+              <a:t> which we’ll talk about later solves some of the basic starting and stopping problems people have, and you can even override each if you need to customize it.  But if you’re not going to use the base implementations at all, then you will probably just be better off implementing the </a:t>
+            </a:r>
+            <a:r>
+              <a:rPr lang="en-US" dirty="0" err="1"/>
+              <a:t>IHostedService</a:t>
+            </a:r>
+            <a:r>
+              <a:rPr lang="en-US" dirty="0"/>
+              <a:t> directly.</a:t>
+            </a:r>
           </a:p>
         </p:txBody>
       </p:sp>
@@ -1125,7 +1154,7 @@
     </p:spTree>
     <p:extLst>
       <p:ext uri="{BB962C8B-B14F-4D97-AF65-F5344CB8AC3E}">
-        <p14:creationId xmlns:p14="http://schemas.microsoft.com/office/powerpoint/2010/main" val="2345616407"/>
+        <p14:creationId xmlns:p14="http://schemas.microsoft.com/office/powerpoint/2010/main" val="484559395"/>
       </p:ext>
     </p:extLst>
   </p:cSld>
@@ -1179,22 +1208,7 @@
           <a:bodyPr/>
           <a:lstStyle/>
           <a:p>
-            <a:r>
-              <a:rPr lang="en-US" dirty="0" err="1"/>
-              <a:t>BackgroundService</a:t>
-            </a:r>
-            <a:r>
-              <a:rPr lang="en-US" dirty="0"/>
-              <a:t> which we’ll talk about later solves some of the basic starting and stopping problems people have, and you can even override each if you need to customize it.  But if you’re not going to use the base implementations at all, then you will probably just be better off implementing the </a:t>
-            </a:r>
-            <a:r>
-              <a:rPr lang="en-US" dirty="0" err="1"/>
-              <a:t>IHostedService</a:t>
-            </a:r>
-            <a:r>
-              <a:rPr lang="en-US" dirty="0"/>
-              <a:t> directly.</a:t>
-            </a:r>
+            <a:endParaRPr lang="en-US" dirty="0"/>
           </a:p>
         </p:txBody>
       </p:sp>
@@ -1224,7 +1238,7 @@
     </p:spTree>
     <p:extLst>
       <p:ext uri="{BB962C8B-B14F-4D97-AF65-F5344CB8AC3E}">
-        <p14:creationId xmlns:p14="http://schemas.microsoft.com/office/powerpoint/2010/main" val="484559395"/>
+        <p14:creationId xmlns:p14="http://schemas.microsoft.com/office/powerpoint/2010/main" val="3320416119"/>
       </p:ext>
     </p:extLst>
   </p:cSld>
@@ -1289,7 +1303,7 @@
             <a:spLocks noGrp="1"/>
           </p:cNvSpPr>
           <p:nvPr>
-            <p:ph type="sldNum" sz="quarter" idx="10"/>
+            <p:ph type="sldNum" sz="quarter" idx="5"/>
           </p:nvPr>
         </p:nvSpPr>
         <p:spPr/>
@@ -1297,7 +1311,7 @@
           <a:bodyPr/>
           <a:lstStyle/>
           <a:p>
-            <a:fld id="{2B57EC6A-F5A4-441D-B3C5-D1EF8312AF7C}" type="slidenum">
+            <a:fld id="{EC074461-D808-4EBD-B8B3-953FBFCC6ED3}" type="slidenum">
               <a:rPr lang="en-US" smtClean="0"/>
               <a:t>17</a:t>
             </a:fld>
@@ -1308,7 +1322,7 @@
     </p:spTree>
     <p:extLst>
       <p:ext uri="{BB962C8B-B14F-4D97-AF65-F5344CB8AC3E}">
-        <p14:creationId xmlns:p14="http://schemas.microsoft.com/office/powerpoint/2010/main" val="3320416119"/>
+        <p14:creationId xmlns:p14="http://schemas.microsoft.com/office/powerpoint/2010/main" val="3823327500"/>
       </p:ext>
     </p:extLst>
   </p:cSld>
@@ -1373,7 +1387,7 @@
             <a:spLocks noGrp="1"/>
           </p:cNvSpPr>
           <p:nvPr>
-            <p:ph type="sldNum" sz="quarter" idx="5"/>
+            <p:ph type="sldNum" sz="quarter" idx="10"/>
           </p:nvPr>
         </p:nvSpPr>
         <p:spPr/>
@@ -1381,7 +1395,7 @@
           <a:bodyPr/>
           <a:lstStyle/>
           <a:p>
-            <a:fld id="{EC074461-D808-4EBD-B8B3-953FBFCC6ED3}" type="slidenum">
+            <a:fld id="{2B57EC6A-F5A4-441D-B3C5-D1EF8312AF7C}" type="slidenum">
               <a:rPr lang="en-US" smtClean="0"/>
               <a:t>18</a:t>
             </a:fld>
@@ -1392,7 +1406,7 @@
     </p:spTree>
     <p:extLst>
       <p:ext uri="{BB962C8B-B14F-4D97-AF65-F5344CB8AC3E}">
-        <p14:creationId xmlns:p14="http://schemas.microsoft.com/office/powerpoint/2010/main" val="3823327500"/>
+        <p14:creationId xmlns:p14="http://schemas.microsoft.com/office/powerpoint/2010/main" val="1198521871"/>
       </p:ext>
     </p:extLst>
   </p:cSld>
@@ -1446,7 +1460,61 @@
           <a:bodyPr/>
           <a:lstStyle/>
           <a:p>
+            <a:r>
+              <a:rPr lang="en-US" dirty="0"/>
+              <a:t>Show what’s involved with a </a:t>
+            </a:r>
+            <a:r>
+              <a:rPr lang="en-US" dirty="0" err="1"/>
+              <a:t>BackgroundService</a:t>
+            </a:r>
             <a:endParaRPr lang="en-US" dirty="0"/>
+          </a:p>
+          <a:p>
+            <a:pPr marL="171450" indent="-171450">
+              <a:buFontTx/>
+              <a:buChar char="-"/>
+            </a:pPr>
+            <a:r>
+              <a:rPr lang="en-US" dirty="0"/>
+              <a:t>Execute Async</a:t>
+            </a:r>
+          </a:p>
+          <a:p>
+            <a:pPr marL="171450" indent="-171450">
+              <a:buFontTx/>
+              <a:buChar char="-"/>
+            </a:pPr>
+            <a:r>
+              <a:rPr lang="en-US" dirty="0"/>
+              <a:t>Override </a:t>
+            </a:r>
+            <a:r>
+              <a:rPr lang="en-US" dirty="0" err="1"/>
+              <a:t>StartAsync</a:t>
+            </a:r>
+            <a:endParaRPr lang="en-US" dirty="0"/>
+          </a:p>
+          <a:p>
+            <a:pPr marL="171450" indent="-171450">
+              <a:buFontTx/>
+              <a:buChar char="-"/>
+            </a:pPr>
+            <a:r>
+              <a:rPr lang="en-US" dirty="0"/>
+              <a:t>Override </a:t>
+            </a:r>
+            <a:r>
+              <a:rPr lang="en-US" dirty="0" err="1"/>
+              <a:t>StopAsync</a:t>
+            </a:r>
+            <a:endParaRPr lang="en-US" dirty="0"/>
+          </a:p>
+          <a:p>
+            <a:r>
+              <a:rPr lang="en-US" dirty="0"/>
+              <a:t>Show registering with DI</a:t>
+            </a:r>
           </a:p>
         </p:txBody>
       </p:sp>
@@ -1457,7 +1525,7 @@
             <a:spLocks noGrp="1"/>
           </p:cNvSpPr>
           <p:nvPr>
-            <p:ph type="sldNum" sz="quarter" idx="10"/>
+            <p:ph type="sldNum" sz="quarter" idx="5"/>
           </p:nvPr>
         </p:nvSpPr>
         <p:spPr/>
@@ -1465,7 +1533,7 @@
           <a:bodyPr/>
           <a:lstStyle/>
           <a:p>
-            <a:fld id="{2B57EC6A-F5A4-441D-B3C5-D1EF8312AF7C}" type="slidenum">
+            <a:fld id="{EC074461-D808-4EBD-B8B3-953FBFCC6ED3}" type="slidenum">
               <a:rPr lang="en-US" smtClean="0"/>
               <a:t>19</a:t>
             </a:fld>
@@ -1476,7 +1544,7 @@
     </p:spTree>
     <p:extLst>
       <p:ext uri="{BB962C8B-B14F-4D97-AF65-F5344CB8AC3E}">
-        <p14:creationId xmlns:p14="http://schemas.microsoft.com/office/powerpoint/2010/main" val="1198521871"/>
+        <p14:creationId xmlns:p14="http://schemas.microsoft.com/office/powerpoint/2010/main" val="3874723333"/>
       </p:ext>
     </p:extLst>
   </p:cSld>
@@ -1614,61 +1682,7 @@
           <a:bodyPr/>
           <a:lstStyle/>
           <a:p>
-            <a:r>
-              <a:rPr lang="en-US" dirty="0"/>
-              <a:t>Show what’s involved with a </a:t>
-            </a:r>
-            <a:r>
-              <a:rPr lang="en-US" dirty="0" err="1"/>
-              <a:t>BackgroundService</a:t>
-            </a:r>
             <a:endParaRPr lang="en-US" dirty="0"/>
-          </a:p>
-          <a:p>
-            <a:pPr marL="171450" indent="-171450">
-              <a:buFontTx/>
-              <a:buChar char="-"/>
-            </a:pPr>
-            <a:r>
-              <a:rPr lang="en-US" dirty="0"/>
-              <a:t>Execute Async</a:t>
-            </a:r>
-          </a:p>
-          <a:p>
-            <a:pPr marL="171450" indent="-171450">
-              <a:buFontTx/>
-              <a:buChar char="-"/>
-            </a:pPr>
-            <a:r>
-              <a:rPr lang="en-US" dirty="0"/>
-              <a:t>Override </a:t>
-            </a:r>
-            <a:r>
-              <a:rPr lang="en-US" dirty="0" err="1"/>
-              <a:t>StartAsync</a:t>
-            </a:r>
-            <a:endParaRPr lang="en-US" dirty="0"/>
-          </a:p>
-          <a:p>
-            <a:pPr marL="171450" indent="-171450">
-              <a:buFontTx/>
-              <a:buChar char="-"/>
-            </a:pPr>
-            <a:r>
-              <a:rPr lang="en-US" dirty="0"/>
-              <a:t>Override </a:t>
-            </a:r>
-            <a:r>
-              <a:rPr lang="en-US" dirty="0" err="1"/>
-              <a:t>StopAsync</a:t>
-            </a:r>
-            <a:endParaRPr lang="en-US" dirty="0"/>
-          </a:p>
-          <a:p>
-            <a:r>
-              <a:rPr lang="en-US" dirty="0"/>
-              <a:t>Show registering with DI</a:t>
-            </a:r>
           </a:p>
         </p:txBody>
       </p:sp>
@@ -1679,7 +1693,7 @@
             <a:spLocks noGrp="1"/>
           </p:cNvSpPr>
           <p:nvPr>
-            <p:ph type="sldNum" sz="quarter" idx="5"/>
+            <p:ph type="sldNum" sz="quarter" idx="10"/>
           </p:nvPr>
         </p:nvSpPr>
         <p:spPr/>
@@ -1687,7 +1701,7 @@
           <a:bodyPr/>
           <a:lstStyle/>
           <a:p>
-            <a:fld id="{EC074461-D808-4EBD-B8B3-953FBFCC6ED3}" type="slidenum">
+            <a:fld id="{2B57EC6A-F5A4-441D-B3C5-D1EF8312AF7C}" type="slidenum">
               <a:rPr lang="en-US" smtClean="0"/>
               <a:t>20</a:t>
             </a:fld>
@@ -1698,7 +1712,7 @@
     </p:spTree>
     <p:extLst>
       <p:ext uri="{BB962C8B-B14F-4D97-AF65-F5344CB8AC3E}">
-        <p14:creationId xmlns:p14="http://schemas.microsoft.com/office/powerpoint/2010/main" val="3874723333"/>
+        <p14:creationId xmlns:p14="http://schemas.microsoft.com/office/powerpoint/2010/main" val="1571677922"/>
       </p:ext>
     </p:extLst>
   </p:cSld>
@@ -1782,7 +1796,7 @@
     </p:spTree>
     <p:extLst>
       <p:ext uri="{BB962C8B-B14F-4D97-AF65-F5344CB8AC3E}">
-        <p14:creationId xmlns:p14="http://schemas.microsoft.com/office/powerpoint/2010/main" val="1571677922"/>
+        <p14:creationId xmlns:p14="http://schemas.microsoft.com/office/powerpoint/2010/main" val="3813322436"/>
       </p:ext>
     </p:extLst>
   </p:cSld>
@@ -1866,7 +1880,7 @@
     </p:spTree>
     <p:extLst>
       <p:ext uri="{BB962C8B-B14F-4D97-AF65-F5344CB8AC3E}">
-        <p14:creationId xmlns:p14="http://schemas.microsoft.com/office/powerpoint/2010/main" val="3813322436"/>
+        <p14:creationId xmlns:p14="http://schemas.microsoft.com/office/powerpoint/2010/main" val="4130208389"/>
       </p:ext>
     </p:extLst>
   </p:cSld>
@@ -1920,7 +1934,130 @@
           <a:bodyPr/>
           <a:lstStyle/>
           <a:p>
+            <a:r>
+              <a:rPr lang="en-US" dirty="0"/>
+              <a:t>So when do I not use </a:t>
+            </a:r>
+            <a:r>
+              <a:rPr lang="en-US" dirty="0" err="1"/>
+              <a:t>BackgroundServices</a:t>
+            </a:r>
+            <a:r>
+              <a:rPr lang="en-US" dirty="0"/>
+              <a:t>?</a:t>
+            </a:r>
+          </a:p>
+          <a:p>
             <a:endParaRPr lang="en-US" dirty="0"/>
+          </a:p>
+          <a:p>
+            <a:pPr marL="171450" indent="-171450">
+              <a:buFontTx/>
+              <a:buChar char="-"/>
+            </a:pPr>
+            <a:r>
+              <a:rPr lang="en-US" dirty="0"/>
+              <a:t>Just like with an </a:t>
+            </a:r>
+            <a:r>
+              <a:rPr lang="en-US" dirty="0" err="1"/>
+              <a:t>IHostedService</a:t>
+            </a:r>
+            <a:r>
+              <a:rPr lang="en-US" dirty="0"/>
+              <a:t>, a </a:t>
+            </a:r>
+            <a:r>
+              <a:rPr lang="en-US" dirty="0" err="1"/>
+              <a:t>BackgroundService</a:t>
+            </a:r>
+            <a:r>
+              <a:rPr lang="en-US" dirty="0"/>
+              <a:t> can be hosted inside the same process as the rest of your ASP.NET Core Application.  Whether you’re doing server-rendered HTML like Razor Pages or MVC, or if your ASP.NET Core app is simply an API.  If you choose to do this, this you assume the risk of co-locating that with your application.  The </a:t>
+            </a:r>
+            <a:r>
+              <a:rPr lang="en-US" dirty="0" err="1"/>
+              <a:t>BackgroundService</a:t>
+            </a:r>
+            <a:r>
+              <a:rPr lang="en-US" dirty="0"/>
+              <a:t> will share the same CPU, Memory, Network, etc. as the rest of the application.  Sometimes this is perfectly fine, and other times this will cause a “noisy neighbor” situation, where when your </a:t>
+            </a:r>
+            <a:r>
+              <a:rPr lang="en-US" dirty="0" err="1"/>
+              <a:t>BackgroundService</a:t>
+            </a:r>
+            <a:r>
+              <a:rPr lang="en-US" dirty="0"/>
+              <a:t> triggers, it will degrade the performance of your WebApp or API. </a:t>
+            </a:r>
+          </a:p>
+          <a:p>
+            <a:pPr marL="171450" indent="-171450">
+              <a:buFontTx/>
+              <a:buChar char="-"/>
+            </a:pPr>
+            <a:r>
+              <a:rPr lang="en-US" dirty="0"/>
+              <a:t>Now what I just said may seem like I’m advocating for separating all </a:t>
+            </a:r>
+            <a:r>
+              <a:rPr lang="en-US" dirty="0" err="1"/>
+              <a:t>BackgroundServices</a:t>
+            </a:r>
+            <a:r>
+              <a:rPr lang="en-US" dirty="0"/>
+              <a:t> from the rest of your application.  That is absolutely NOT what I’m advocating for.  Like all things with software It Depends.  I’ve definitely kept </a:t>
+            </a:r>
+            <a:r>
+              <a:rPr lang="en-US" dirty="0" err="1"/>
+              <a:t>BackgroundServices</a:t>
+            </a:r>
+            <a:r>
+              <a:rPr lang="en-US" dirty="0"/>
+              <a:t> in the same application as the other parts of my app, and I’ve also definitely moved some of them into another process.  What it comes down to is, does the inconvenience of having multiple </a:t>
+            </a:r>
+            <a:r>
+              <a:rPr lang="en-US" dirty="0" err="1"/>
+              <a:t>deployables</a:t>
+            </a:r>
+            <a:r>
+              <a:rPr lang="en-US" dirty="0"/>
+              <a:t> to operate outweigh the impact to the rest of your application.  As always the first rule of Distributed Software is…. Don’t, if you can help it.</a:t>
+            </a:r>
+          </a:p>
+          <a:p>
+            <a:pPr marL="171450" indent="-171450">
+              <a:buFontTx/>
+              <a:buChar char="-"/>
+            </a:pPr>
+            <a:endParaRPr lang="en-US" dirty="0"/>
+          </a:p>
+          <a:p>
+            <a:pPr marL="171450" indent="-171450">
+              <a:buFontTx/>
+              <a:buChar char="-"/>
+            </a:pPr>
+            <a:r>
+              <a:rPr lang="en-US" dirty="0"/>
+              <a:t>Another reason for not using a </a:t>
+            </a:r>
+            <a:r>
+              <a:rPr lang="en-US" dirty="0" err="1"/>
+              <a:t>BackgroundService</a:t>
+            </a:r>
+            <a:r>
+              <a:rPr lang="en-US" dirty="0"/>
+              <a:t> would be is you have some sort of auto-scaler set up that automatically scales out and adds more instances of your application running.  This means your application will have multiples of the same </a:t>
+            </a:r>
+            <a:r>
+              <a:rPr lang="en-US" dirty="0" err="1"/>
+              <a:t>BackgroundService</a:t>
+            </a:r>
+            <a:r>
+              <a:rPr lang="en-US" dirty="0"/>
+              <a:t> running at the same time.  Depending on what your code is doing, if you don’t have some sort of locking mechanism, guarantee of only-once delivery from your queue, or some idempotent check to ensure you only process a single message one.</a:t>
+            </a:r>
           </a:p>
         </p:txBody>
       </p:sp>
@@ -1950,7 +2087,7 @@
     </p:spTree>
     <p:extLst>
       <p:ext uri="{BB962C8B-B14F-4D97-AF65-F5344CB8AC3E}">
-        <p14:creationId xmlns:p14="http://schemas.microsoft.com/office/powerpoint/2010/main" val="4130208389"/>
+        <p14:creationId xmlns:p14="http://schemas.microsoft.com/office/powerpoint/2010/main" val="3285655285"/>
       </p:ext>
     </p:extLst>
   </p:cSld>
@@ -2004,130 +2141,7 @@
           <a:bodyPr/>
           <a:lstStyle/>
           <a:p>
-            <a:r>
-              <a:rPr lang="en-US" dirty="0"/>
-              <a:t>So when do I not use </a:t>
-            </a:r>
-            <a:r>
-              <a:rPr lang="en-US" dirty="0" err="1"/>
-              <a:t>BackgroundServices</a:t>
-            </a:r>
-            <a:r>
-              <a:rPr lang="en-US" dirty="0"/>
-              <a:t>?</a:t>
-            </a:r>
-          </a:p>
-          <a:p>
             <a:endParaRPr lang="en-US" dirty="0"/>
-          </a:p>
-          <a:p>
-            <a:pPr marL="171450" indent="-171450">
-              <a:buFontTx/>
-              <a:buChar char="-"/>
-            </a:pPr>
-            <a:r>
-              <a:rPr lang="en-US" dirty="0"/>
-              <a:t>Just like with an </a:t>
-            </a:r>
-            <a:r>
-              <a:rPr lang="en-US" dirty="0" err="1"/>
-              <a:t>IHostedService</a:t>
-            </a:r>
-            <a:r>
-              <a:rPr lang="en-US" dirty="0"/>
-              <a:t>, a </a:t>
-            </a:r>
-            <a:r>
-              <a:rPr lang="en-US" dirty="0" err="1"/>
-              <a:t>BackgroundService</a:t>
-            </a:r>
-            <a:r>
-              <a:rPr lang="en-US" dirty="0"/>
-              <a:t> can be hosted inside the same process as the rest of your ASP.NET Core Application.  Whether you’re doing server-rendered HTML like Razor Pages or MVC, or if your ASP.NET Core app is simply an API.  If you choose to do this, this you assume the risk of co-locating that with your application.  The </a:t>
-            </a:r>
-            <a:r>
-              <a:rPr lang="en-US" dirty="0" err="1"/>
-              <a:t>BackgroundService</a:t>
-            </a:r>
-            <a:r>
-              <a:rPr lang="en-US" dirty="0"/>
-              <a:t> will share the same CPU, Memory, Network, etc. as the rest of the application.  Sometimes this is perfectly fine, and other times this will cause a “noisy neighbor” situation, where when your </a:t>
-            </a:r>
-            <a:r>
-              <a:rPr lang="en-US" dirty="0" err="1"/>
-              <a:t>BackgroundService</a:t>
-            </a:r>
-            <a:r>
-              <a:rPr lang="en-US" dirty="0"/>
-              <a:t> triggers, it will degrade the performance of your WebApp or API. </a:t>
-            </a:r>
-          </a:p>
-          <a:p>
-            <a:pPr marL="171450" indent="-171450">
-              <a:buFontTx/>
-              <a:buChar char="-"/>
-            </a:pPr>
-            <a:r>
-              <a:rPr lang="en-US" dirty="0"/>
-              <a:t>Now what I just said may seem like I’m advocating for separating all </a:t>
-            </a:r>
-            <a:r>
-              <a:rPr lang="en-US" dirty="0" err="1"/>
-              <a:t>BackgroundServices</a:t>
-            </a:r>
-            <a:r>
-              <a:rPr lang="en-US" dirty="0"/>
-              <a:t> from the rest of your application.  That is absolutely NOT what I’m advocating for.  Like all things with software It Depends.  I’ve definitely kept </a:t>
-            </a:r>
-            <a:r>
-              <a:rPr lang="en-US" dirty="0" err="1"/>
-              <a:t>BackgroundServices</a:t>
-            </a:r>
-            <a:r>
-              <a:rPr lang="en-US" dirty="0"/>
-              <a:t> in the same application as the other parts of my app, and I’ve also definitely moved some of them into another process.  What it comes down to is, does the inconvenience of having multiple </a:t>
-            </a:r>
-            <a:r>
-              <a:rPr lang="en-US" dirty="0" err="1"/>
-              <a:t>deployables</a:t>
-            </a:r>
-            <a:r>
-              <a:rPr lang="en-US" dirty="0"/>
-              <a:t> to operate outweigh the impact to the rest of your application.  As always the first rule of Distributed Software is…. Don’t, if you can help it.</a:t>
-            </a:r>
-          </a:p>
-          <a:p>
-            <a:pPr marL="171450" indent="-171450">
-              <a:buFontTx/>
-              <a:buChar char="-"/>
-            </a:pPr>
-            <a:endParaRPr lang="en-US" dirty="0"/>
-          </a:p>
-          <a:p>
-            <a:pPr marL="171450" indent="-171450">
-              <a:buFontTx/>
-              <a:buChar char="-"/>
-            </a:pPr>
-            <a:r>
-              <a:rPr lang="en-US" dirty="0"/>
-              <a:t>Another reason for not using a </a:t>
-            </a:r>
-            <a:r>
-              <a:rPr lang="en-US" dirty="0" err="1"/>
-              <a:t>BackgroundService</a:t>
-            </a:r>
-            <a:r>
-              <a:rPr lang="en-US" dirty="0"/>
-              <a:t> would be is you have some sort of auto-scaler set up that automatically scales out and adds more instances of your application running.  This means your application will have multiples of the same </a:t>
-            </a:r>
-            <a:r>
-              <a:rPr lang="en-US" dirty="0" err="1"/>
-              <a:t>BackgroundService</a:t>
-            </a:r>
-            <a:r>
-              <a:rPr lang="en-US" dirty="0"/>
-              <a:t> running at the same time.  Depending on what your code is doing, if you don’t have some sort of locking mechanism, guarantee of only-once delivery from your queue, or some idempotent check to ensure you only process a single message one.</a:t>
-            </a:r>
           </a:p>
         </p:txBody>
       </p:sp>
@@ -2138,7 +2152,7 @@
             <a:spLocks noGrp="1"/>
           </p:cNvSpPr>
           <p:nvPr>
-            <p:ph type="sldNum" sz="quarter" idx="10"/>
+            <p:ph type="sldNum" sz="quarter" idx="5"/>
           </p:nvPr>
         </p:nvSpPr>
         <p:spPr/>
@@ -2146,7 +2160,7 @@
           <a:bodyPr/>
           <a:lstStyle/>
           <a:p>
-            <a:fld id="{2B57EC6A-F5A4-441D-B3C5-D1EF8312AF7C}" type="slidenum">
+            <a:fld id="{EC074461-D808-4EBD-B8B3-953FBFCC6ED3}" type="slidenum">
               <a:rPr lang="en-US" smtClean="0"/>
               <a:t>24</a:t>
             </a:fld>
@@ -2157,7 +2171,7 @@
     </p:spTree>
     <p:extLst>
       <p:ext uri="{BB962C8B-B14F-4D97-AF65-F5344CB8AC3E}">
-        <p14:creationId xmlns:p14="http://schemas.microsoft.com/office/powerpoint/2010/main" val="3285655285"/>
+        <p14:creationId xmlns:p14="http://schemas.microsoft.com/office/powerpoint/2010/main" val="3573173645"/>
       </p:ext>
     </p:extLst>
   </p:cSld>
@@ -2211,7 +2225,165 @@
           <a:bodyPr/>
           <a:lstStyle/>
           <a:p>
+            <a:r>
+              <a:rPr lang="en-US" dirty="0"/>
+              <a:t>Essentially all the </a:t>
+            </a:r>
+            <a:r>
+              <a:rPr lang="en-US" dirty="0" err="1"/>
+              <a:t>WorkerService</a:t>
+            </a:r>
+            <a:r>
+              <a:rPr lang="en-US" dirty="0"/>
+              <a:t> is, is a console app with a few pre-configured options.</a:t>
+            </a:r>
+          </a:p>
+          <a:p>
             <a:endParaRPr lang="en-US" dirty="0"/>
+          </a:p>
+          <a:p>
+            <a:r>
+              <a:rPr lang="en-US" dirty="0"/>
+              <a:t>The </a:t>
+            </a:r>
+            <a:r>
+              <a:rPr lang="en-US" dirty="0" err="1"/>
+              <a:t>WorkerService</a:t>
+            </a:r>
+            <a:r>
+              <a:rPr lang="en-US" dirty="0"/>
+              <a:t>  allows you to boot up a generic </a:t>
+            </a:r>
+            <a:r>
+              <a:rPr lang="en-US" dirty="0" err="1"/>
+              <a:t>IHost</a:t>
+            </a:r>
+            <a:r>
+              <a:rPr lang="en-US" dirty="0"/>
+              <a:t> using the say </a:t>
+            </a:r>
+            <a:r>
+              <a:rPr lang="en-US" dirty="0" err="1"/>
+              <a:t>CreateDefaultBuilder</a:t>
+            </a:r>
+            <a:r>
+              <a:rPr lang="en-US" dirty="0"/>
+              <a:t> that you know from ASP.NET Core.  This means that you have the same configuration that you know and love from ASP.NET Core such as Configuration using </a:t>
+            </a:r>
+            <a:r>
+              <a:rPr lang="en-US" dirty="0" err="1"/>
+              <a:t>Ioptions</a:t>
+            </a:r>
+            <a:r>
+              <a:rPr lang="en-US" dirty="0"/>
+              <a:t> and </a:t>
+            </a:r>
+            <a:r>
+              <a:rPr lang="en-US" dirty="0" err="1"/>
+              <a:t>appsettings.json</a:t>
+            </a:r>
+            <a:r>
+              <a:rPr lang="en-US" dirty="0"/>
+              <a:t> files, environment variables, user secrets, etc.  It also gives you Dependency Injection using </a:t>
+            </a:r>
+            <a:r>
+              <a:rPr lang="en-US" dirty="0" err="1"/>
+              <a:t>Microsoft.Extensions.DependencyInjection</a:t>
+            </a:r>
+            <a:r>
+              <a:rPr lang="en-US" dirty="0"/>
+              <a:t> and the </a:t>
+            </a:r>
+            <a:r>
+              <a:rPr lang="en-US" dirty="0" err="1"/>
+              <a:t>ServiceProvider</a:t>
+            </a:r>
+            <a:r>
+              <a:rPr lang="en-US" dirty="0"/>
+              <a:t> you know from ASP.NET Core.  It also gives you the same </a:t>
+            </a:r>
+            <a:r>
+              <a:rPr lang="en-US" dirty="0" err="1"/>
+              <a:t>ILogger</a:t>
+            </a:r>
+            <a:r>
+              <a:rPr lang="en-US" dirty="0"/>
+              <a:t> interface you’re likely already familiar with from ASP.NET Core.  All of that is wired up for you out of the box in the </a:t>
+            </a:r>
+            <a:r>
+              <a:rPr lang="en-US" dirty="0" err="1"/>
+              <a:t>WorkerService</a:t>
+            </a:r>
+            <a:r>
+              <a:rPr lang="en-US" dirty="0"/>
+              <a:t> with just a few lines.</a:t>
+            </a:r>
+          </a:p>
+          <a:p>
+            <a:endParaRPr lang="en-US" dirty="0"/>
+          </a:p>
+          <a:p>
+            <a:r>
+              <a:rPr lang="en-US" dirty="0"/>
+              <a:t>On top of that, it also creates you a Worker class that implements the </a:t>
+            </a:r>
+            <a:r>
+              <a:rPr lang="en-US" dirty="0" err="1"/>
+              <a:t>BackgroundService</a:t>
+            </a:r>
+            <a:r>
+              <a:rPr lang="en-US" dirty="0"/>
+              <a:t> base class and is already hooked up as a </a:t>
+            </a:r>
+            <a:r>
+              <a:rPr lang="en-US" dirty="0" err="1"/>
+              <a:t>HostedService</a:t>
+            </a:r>
+            <a:r>
+              <a:rPr lang="en-US" dirty="0"/>
+              <a:t> within the Dependency Injection container.  All you have to do from this point is plugin your custom code.</a:t>
+            </a:r>
+          </a:p>
+          <a:p>
+            <a:endParaRPr lang="en-US" dirty="0"/>
+          </a:p>
+          <a:p>
+            <a:r>
+              <a:rPr lang="en-US" dirty="0"/>
+              <a:t>After you plugin your custom code, you will need to figure out how you want to host this </a:t>
+            </a:r>
+            <a:r>
+              <a:rPr lang="en-US" dirty="0" err="1"/>
+              <a:t>WorkerService</a:t>
+            </a:r>
+            <a:r>
+              <a:rPr lang="en-US" dirty="0"/>
+              <a:t>.  Do you want it to be a console app that gets triggered by some sort of cloud, enterprise scheduler, Kubernetes </a:t>
+            </a:r>
+            <a:r>
+              <a:rPr lang="en-US" dirty="0" err="1"/>
+              <a:t>cron</a:t>
+            </a:r>
+            <a:r>
+              <a:rPr lang="en-US" dirty="0"/>
+              <a:t> jobs, or Windows scheduled tasks.  If you don’t want it to be a console app, you can also hook up </a:t>
+            </a:r>
+            <a:r>
+              <a:rPr lang="en-US" dirty="0" err="1"/>
+              <a:t>WorkerServices</a:t>
+            </a:r>
+            <a:r>
+              <a:rPr lang="en-US" dirty="0"/>
+              <a:t> as Windows Services if you’re running on Windows or the starting a daemon in Linux using something like </a:t>
+            </a:r>
+            <a:r>
+              <a:rPr lang="en-US" dirty="0" err="1"/>
+              <a:t>systemd</a:t>
+            </a:r>
+            <a:r>
+              <a:rPr lang="en-US" dirty="0"/>
+              <a:t>.</a:t>
+            </a:r>
           </a:p>
         </p:txBody>
       </p:sp>
@@ -2222,7 +2394,7 @@
             <a:spLocks noGrp="1"/>
           </p:cNvSpPr>
           <p:nvPr>
-            <p:ph type="sldNum" sz="quarter" idx="5"/>
+            <p:ph type="sldNum" sz="quarter" idx="10"/>
           </p:nvPr>
         </p:nvSpPr>
         <p:spPr/>
@@ -2230,7 +2402,7 @@
           <a:bodyPr/>
           <a:lstStyle/>
           <a:p>
-            <a:fld id="{EC074461-D808-4EBD-B8B3-953FBFCC6ED3}" type="slidenum">
+            <a:fld id="{2B57EC6A-F5A4-441D-B3C5-D1EF8312AF7C}" type="slidenum">
               <a:rPr lang="en-US" smtClean="0"/>
               <a:t>25</a:t>
             </a:fld>
@@ -2241,7 +2413,7 @@
     </p:spTree>
     <p:extLst>
       <p:ext uri="{BB962C8B-B14F-4D97-AF65-F5344CB8AC3E}">
-        <p14:creationId xmlns:p14="http://schemas.microsoft.com/office/powerpoint/2010/main" val="3573173645"/>
+        <p14:creationId xmlns:p14="http://schemas.microsoft.com/office/powerpoint/2010/main" val="3391602314"/>
       </p:ext>
     </p:extLst>
   </p:cSld>
@@ -2297,162 +2469,13 @@
           <a:p>
             <a:r>
               <a:rPr lang="en-US" dirty="0"/>
-              <a:t>Essentially all the </a:t>
-            </a:r>
-            <a:r>
-              <a:rPr lang="en-US" dirty="0" err="1"/>
-              <a:t>WorkerService</a:t>
-            </a:r>
+              <a:t>Show creating</a:t>
+            </a:r>
+          </a:p>
+          <a:p>
             <a:r>
               <a:rPr lang="en-US" dirty="0"/>
-              <a:t> is, is a console app with a few pre-configured options.</a:t>
-            </a:r>
-          </a:p>
-          <a:p>
-            <a:endParaRPr lang="en-US" dirty="0"/>
-          </a:p>
-          <a:p>
-            <a:r>
-              <a:rPr lang="en-US" dirty="0"/>
-              <a:t>The </a:t>
-            </a:r>
-            <a:r>
-              <a:rPr lang="en-US" dirty="0" err="1"/>
-              <a:t>WorkerService</a:t>
-            </a:r>
-            <a:r>
-              <a:rPr lang="en-US" dirty="0"/>
-              <a:t>  allows you to boot up a generic </a:t>
-            </a:r>
-            <a:r>
-              <a:rPr lang="en-US" dirty="0" err="1"/>
-              <a:t>IHost</a:t>
-            </a:r>
-            <a:r>
-              <a:rPr lang="en-US" dirty="0"/>
-              <a:t> using the say </a:t>
-            </a:r>
-            <a:r>
-              <a:rPr lang="en-US" dirty="0" err="1"/>
-              <a:t>CreateDefaultBuilder</a:t>
-            </a:r>
-            <a:r>
-              <a:rPr lang="en-US" dirty="0"/>
-              <a:t> that you know from ASP.NET Core.  This means that you have the same configuration that you know and love from ASP.NET Core such as Configuration using </a:t>
-            </a:r>
-            <a:r>
-              <a:rPr lang="en-US" dirty="0" err="1"/>
-              <a:t>Ioptions</a:t>
-            </a:r>
-            <a:r>
-              <a:rPr lang="en-US" dirty="0"/>
-              <a:t> and </a:t>
-            </a:r>
-            <a:r>
-              <a:rPr lang="en-US" dirty="0" err="1"/>
-              <a:t>appsettings.json</a:t>
-            </a:r>
-            <a:r>
-              <a:rPr lang="en-US" dirty="0"/>
-              <a:t> files, environment variables, user secrets, etc.  It also gives you Dependency Injection using </a:t>
-            </a:r>
-            <a:r>
-              <a:rPr lang="en-US" dirty="0" err="1"/>
-              <a:t>Microsoft.Extensions.DependencyInjection</a:t>
-            </a:r>
-            <a:r>
-              <a:rPr lang="en-US" dirty="0"/>
-              <a:t> and the </a:t>
-            </a:r>
-            <a:r>
-              <a:rPr lang="en-US" dirty="0" err="1"/>
-              <a:t>ServiceProvider</a:t>
-            </a:r>
-            <a:r>
-              <a:rPr lang="en-US" dirty="0"/>
-              <a:t> you know from ASP.NET Core.  It also gives you the same </a:t>
-            </a:r>
-            <a:r>
-              <a:rPr lang="en-US" dirty="0" err="1"/>
-              <a:t>ILogger</a:t>
-            </a:r>
-            <a:r>
-              <a:rPr lang="en-US" dirty="0"/>
-              <a:t> interface you’re likely already familiar with from ASP.NET Core.  All of that is wired up for you out of the box in the </a:t>
-            </a:r>
-            <a:r>
-              <a:rPr lang="en-US" dirty="0" err="1"/>
-              <a:t>WorkerService</a:t>
-            </a:r>
-            <a:r>
-              <a:rPr lang="en-US" dirty="0"/>
-              <a:t> with just a few lines.</a:t>
-            </a:r>
-          </a:p>
-          <a:p>
-            <a:endParaRPr lang="en-US" dirty="0"/>
-          </a:p>
-          <a:p>
-            <a:r>
-              <a:rPr lang="en-US" dirty="0"/>
-              <a:t>On top of that, it also creates you a Worker class that implements the </a:t>
-            </a:r>
-            <a:r>
-              <a:rPr lang="en-US" dirty="0" err="1"/>
-              <a:t>BackgroundService</a:t>
-            </a:r>
-            <a:r>
-              <a:rPr lang="en-US" dirty="0"/>
-              <a:t> base class and is already hooked up as a </a:t>
-            </a:r>
-            <a:r>
-              <a:rPr lang="en-US" dirty="0" err="1"/>
-              <a:t>HostedService</a:t>
-            </a:r>
-            <a:r>
-              <a:rPr lang="en-US" dirty="0"/>
-              <a:t> within the Dependency Injection container.  All you have to do from this point is plugin your custom code.</a:t>
-            </a:r>
-          </a:p>
-          <a:p>
-            <a:endParaRPr lang="en-US" dirty="0"/>
-          </a:p>
-          <a:p>
-            <a:r>
-              <a:rPr lang="en-US" dirty="0"/>
-              <a:t>After you plugin your custom code, you will need to figure out how you want to host this </a:t>
-            </a:r>
-            <a:r>
-              <a:rPr lang="en-US" dirty="0" err="1"/>
-              <a:t>WorkerService</a:t>
-            </a:r>
-            <a:r>
-              <a:rPr lang="en-US" dirty="0"/>
-              <a:t>.  Do you want it to be a console app that gets triggered by some sort of cloud, enterprise scheduler, Kubernetes </a:t>
-            </a:r>
-            <a:r>
-              <a:rPr lang="en-US" dirty="0" err="1"/>
-              <a:t>cron</a:t>
-            </a:r>
-            <a:r>
-              <a:rPr lang="en-US" dirty="0"/>
-              <a:t> jobs, or Windows scheduled tasks.  If you don’t want it to be a console app, you can also hook up </a:t>
-            </a:r>
-            <a:r>
-              <a:rPr lang="en-US" dirty="0" err="1"/>
-              <a:t>WorkerServices</a:t>
-            </a:r>
-            <a:r>
-              <a:rPr lang="en-US" dirty="0"/>
-              <a:t> as Windows Services if you’re running on Windows or the starting a daemon in Linux using something like </a:t>
-            </a:r>
-            <a:r>
-              <a:rPr lang="en-US" dirty="0" err="1"/>
-              <a:t>systemd</a:t>
-            </a:r>
-            <a:r>
-              <a:rPr lang="en-US" dirty="0"/>
-              <a:t>.</a:t>
+              <a:t>Show registering</a:t>
             </a:r>
           </a:p>
         </p:txBody>
@@ -2464,7 +2487,7 @@
             <a:spLocks noGrp="1"/>
           </p:cNvSpPr>
           <p:nvPr>
-            <p:ph type="sldNum" sz="quarter" idx="10"/>
+            <p:ph type="sldNum" sz="quarter" idx="5"/>
           </p:nvPr>
         </p:nvSpPr>
         <p:spPr/>
@@ -2472,7 +2495,7 @@
           <a:bodyPr/>
           <a:lstStyle/>
           <a:p>
-            <a:fld id="{2B57EC6A-F5A4-441D-B3C5-D1EF8312AF7C}" type="slidenum">
+            <a:fld id="{EC074461-D808-4EBD-B8B3-953FBFCC6ED3}" type="slidenum">
               <a:rPr lang="en-US" smtClean="0"/>
               <a:t>26</a:t>
             </a:fld>
@@ -2483,7 +2506,7 @@
     </p:spTree>
     <p:extLst>
       <p:ext uri="{BB962C8B-B14F-4D97-AF65-F5344CB8AC3E}">
-        <p14:creationId xmlns:p14="http://schemas.microsoft.com/office/powerpoint/2010/main" val="3391602314"/>
+        <p14:creationId xmlns:p14="http://schemas.microsoft.com/office/powerpoint/2010/main" val="2827246621"/>
       </p:ext>
     </p:extLst>
   </p:cSld>
@@ -2537,16 +2560,7 @@
           <a:bodyPr/>
           <a:lstStyle/>
           <a:p>
-            <a:r>
-              <a:rPr lang="en-US" dirty="0"/>
-              <a:t>Show creating</a:t>
-            </a:r>
-          </a:p>
-          <a:p>
-            <a:r>
-              <a:rPr lang="en-US" dirty="0"/>
-              <a:t>Show registering</a:t>
-            </a:r>
+            <a:endParaRPr lang="en-US" dirty="0"/>
           </a:p>
         </p:txBody>
       </p:sp>
@@ -2557,7 +2571,7 @@
             <a:spLocks noGrp="1"/>
           </p:cNvSpPr>
           <p:nvPr>
-            <p:ph type="sldNum" sz="quarter" idx="5"/>
+            <p:ph type="sldNum" sz="quarter" idx="10"/>
           </p:nvPr>
         </p:nvSpPr>
         <p:spPr/>
@@ -2565,7 +2579,7 @@
           <a:bodyPr/>
           <a:lstStyle/>
           <a:p>
-            <a:fld id="{EC074461-D808-4EBD-B8B3-953FBFCC6ED3}" type="slidenum">
+            <a:fld id="{2B57EC6A-F5A4-441D-B3C5-D1EF8312AF7C}" type="slidenum">
               <a:rPr lang="en-US" smtClean="0"/>
               <a:t>27</a:t>
             </a:fld>
@@ -2576,7 +2590,7 @@
     </p:spTree>
     <p:extLst>
       <p:ext uri="{BB962C8B-B14F-4D97-AF65-F5344CB8AC3E}">
-        <p14:creationId xmlns:p14="http://schemas.microsoft.com/office/powerpoint/2010/main" val="2827246621"/>
+        <p14:creationId xmlns:p14="http://schemas.microsoft.com/office/powerpoint/2010/main" val="3977597734"/>
       </p:ext>
     </p:extLst>
   </p:cSld>
@@ -2660,7 +2674,7 @@
     </p:spTree>
     <p:extLst>
       <p:ext uri="{BB962C8B-B14F-4D97-AF65-F5344CB8AC3E}">
-        <p14:creationId xmlns:p14="http://schemas.microsoft.com/office/powerpoint/2010/main" val="3977597734"/>
+        <p14:creationId xmlns:p14="http://schemas.microsoft.com/office/powerpoint/2010/main" val="2665946431"/>
       </p:ext>
     </p:extLst>
   </p:cSld>
@@ -2744,7 +2758,7 @@
     </p:spTree>
     <p:extLst>
       <p:ext uri="{BB962C8B-B14F-4D97-AF65-F5344CB8AC3E}">
-        <p14:creationId xmlns:p14="http://schemas.microsoft.com/office/powerpoint/2010/main" val="2665946431"/>
+        <p14:creationId xmlns:p14="http://schemas.microsoft.com/office/powerpoint/2010/main" val="3107524284"/>
       </p:ext>
     </p:extLst>
   </p:cSld>
@@ -2912,7 +2926,7 @@
     </p:spTree>
     <p:extLst>
       <p:ext uri="{BB962C8B-B14F-4D97-AF65-F5344CB8AC3E}">
-        <p14:creationId xmlns:p14="http://schemas.microsoft.com/office/powerpoint/2010/main" val="3107524284"/>
+        <p14:creationId xmlns:p14="http://schemas.microsoft.com/office/powerpoint/2010/main" val="4061430189"/>
       </p:ext>
     </p:extLst>
   </p:cSld>
@@ -2977,7 +2991,7 @@
             <a:spLocks noGrp="1"/>
           </p:cNvSpPr>
           <p:nvPr>
-            <p:ph type="sldNum" sz="quarter" idx="10"/>
+            <p:ph type="sldNum" sz="quarter" idx="5"/>
           </p:nvPr>
         </p:nvSpPr>
         <p:spPr/>
@@ -2985,7 +2999,7 @@
           <a:bodyPr/>
           <a:lstStyle/>
           <a:p>
-            <a:fld id="{2B57EC6A-F5A4-441D-B3C5-D1EF8312AF7C}" type="slidenum">
+            <a:fld id="{EC074461-D808-4EBD-B8B3-953FBFCC6ED3}" type="slidenum">
               <a:rPr lang="en-US" smtClean="0"/>
               <a:t>31</a:t>
             </a:fld>
@@ -2996,7 +3010,7 @@
     </p:spTree>
     <p:extLst>
       <p:ext uri="{BB962C8B-B14F-4D97-AF65-F5344CB8AC3E}">
-        <p14:creationId xmlns:p14="http://schemas.microsoft.com/office/powerpoint/2010/main" val="4061430189"/>
+        <p14:creationId xmlns:p14="http://schemas.microsoft.com/office/powerpoint/2010/main" val="2512745703"/>
       </p:ext>
     </p:extLst>
   </p:cSld>
@@ -3061,7 +3075,7 @@
             <a:spLocks noGrp="1"/>
           </p:cNvSpPr>
           <p:nvPr>
-            <p:ph type="sldNum" sz="quarter" idx="5"/>
+            <p:ph type="sldNum" sz="quarter" idx="10"/>
           </p:nvPr>
         </p:nvSpPr>
         <p:spPr/>
@@ -3069,7 +3083,7 @@
           <a:bodyPr/>
           <a:lstStyle/>
           <a:p>
-            <a:fld id="{EC074461-D808-4EBD-B8B3-953FBFCC6ED3}" type="slidenum">
+            <a:fld id="{2B57EC6A-F5A4-441D-B3C5-D1EF8312AF7C}" type="slidenum">
               <a:rPr lang="en-US" smtClean="0"/>
               <a:t>32</a:t>
             </a:fld>
@@ -3080,7 +3094,7 @@
     </p:spTree>
     <p:extLst>
       <p:ext uri="{BB962C8B-B14F-4D97-AF65-F5344CB8AC3E}">
-        <p14:creationId xmlns:p14="http://schemas.microsoft.com/office/powerpoint/2010/main" val="2512745703"/>
+        <p14:creationId xmlns:p14="http://schemas.microsoft.com/office/powerpoint/2010/main" val="3627319805"/>
       </p:ext>
     </p:extLst>
   </p:cSld>
@@ -3134,7 +3148,93 @@
           <a:bodyPr/>
           <a:lstStyle/>
           <a:p>
+            <a:r>
+              <a:rPr lang="en-US" dirty="0"/>
+              <a:t>You need 3 packages:</a:t>
+            </a:r>
+          </a:p>
+          <a:p>
+            <a:pPr marL="171450" indent="-171450">
+              <a:buFontTx/>
+              <a:buChar char="-"/>
+            </a:pPr>
+            <a:r>
+              <a:rPr lang="en-US" dirty="0" err="1"/>
+              <a:t>Hangfire.Core</a:t>
+            </a:r>
             <a:endParaRPr lang="en-US" dirty="0"/>
+          </a:p>
+          <a:p>
+            <a:pPr marL="171450" indent="-171450">
+              <a:buFontTx/>
+              <a:buChar char="-"/>
+            </a:pPr>
+            <a:r>
+              <a:rPr lang="en-US" dirty="0" err="1"/>
+              <a:t>Hangfire.AspNetCore</a:t>
+            </a:r>
+            <a:endParaRPr lang="en-US" dirty="0"/>
+          </a:p>
+          <a:p>
+            <a:pPr marL="171450" indent="-171450">
+              <a:buFontTx/>
+              <a:buChar char="-"/>
+            </a:pPr>
+            <a:r>
+              <a:rPr lang="en-US" dirty="0" err="1"/>
+              <a:t>Hangfire.SqlServer</a:t>
+            </a:r>
+            <a:r>
+              <a:rPr lang="en-US" dirty="0"/>
+              <a:t> (or Redis or MSMQ)</a:t>
+            </a:r>
+          </a:p>
+          <a:p>
+            <a:pPr marL="171450" indent="-171450">
+              <a:buFontTx/>
+              <a:buChar char="-"/>
+            </a:pPr>
+            <a:endParaRPr lang="en-US" dirty="0"/>
+          </a:p>
+          <a:p>
+            <a:pPr marL="171450" indent="-171450">
+              <a:buFontTx/>
+              <a:buChar char="-"/>
+            </a:pPr>
+            <a:r>
+              <a:rPr lang="en-US" dirty="0"/>
+              <a:t>Show Startup</a:t>
+            </a:r>
+          </a:p>
+          <a:p>
+            <a:pPr marL="171450" indent="-171450">
+              <a:buFontTx/>
+              <a:buChar char="-"/>
+            </a:pPr>
+            <a:r>
+              <a:rPr lang="en-US" dirty="0"/>
+              <a:t>Show Cron</a:t>
+            </a:r>
+          </a:p>
+          <a:p>
+            <a:pPr marL="171450" indent="-171450">
+              <a:buFontTx/>
+              <a:buChar char="-"/>
+            </a:pPr>
+            <a:r>
+              <a:rPr lang="en-US" dirty="0"/>
+              <a:t>Trigger from Controller</a:t>
+            </a:r>
+          </a:p>
+          <a:p>
+            <a:pPr marL="171450" indent="-171450">
+              <a:buFontTx/>
+              <a:buChar char="-"/>
+            </a:pPr>
+            <a:r>
+              <a:rPr lang="en-US" dirty="0"/>
+              <a:t>Throw exception and show retry</a:t>
+            </a:r>
           </a:p>
         </p:txBody>
       </p:sp>
@@ -3145,7 +3245,7 @@
             <a:spLocks noGrp="1"/>
           </p:cNvSpPr>
           <p:nvPr>
-            <p:ph type="sldNum" sz="quarter" idx="10"/>
+            <p:ph type="sldNum" sz="quarter" idx="5"/>
           </p:nvPr>
         </p:nvSpPr>
         <p:spPr/>
@@ -3153,7 +3253,7 @@
           <a:bodyPr/>
           <a:lstStyle/>
           <a:p>
-            <a:fld id="{2B57EC6A-F5A4-441D-B3C5-D1EF8312AF7C}" type="slidenum">
+            <a:fld id="{EC074461-D808-4EBD-B8B3-953FBFCC6ED3}" type="slidenum">
               <a:rPr lang="en-US" smtClean="0"/>
               <a:t>33</a:t>
             </a:fld>
@@ -3164,7 +3264,7 @@
     </p:spTree>
     <p:extLst>
       <p:ext uri="{BB962C8B-B14F-4D97-AF65-F5344CB8AC3E}">
-        <p14:creationId xmlns:p14="http://schemas.microsoft.com/office/powerpoint/2010/main" val="3627319805"/>
+        <p14:creationId xmlns:p14="http://schemas.microsoft.com/office/powerpoint/2010/main" val="2339108116"/>
       </p:ext>
     </p:extLst>
   </p:cSld>
@@ -3218,46 +3318,7 @@
           <a:bodyPr/>
           <a:lstStyle/>
           <a:p>
-            <a:r>
-              <a:rPr lang="en-US" dirty="0"/>
-              <a:t>You need 3 packages:</a:t>
-            </a:r>
-          </a:p>
-          <a:p>
-            <a:pPr marL="171450" indent="-171450">
-              <a:buFontTx/>
-              <a:buChar char="-"/>
-            </a:pPr>
-            <a:r>
-              <a:rPr lang="en-US" dirty="0" err="1"/>
-              <a:t>Hangfire.Core</a:t>
-            </a:r>
             <a:endParaRPr lang="en-US" dirty="0"/>
-          </a:p>
-          <a:p>
-            <a:pPr marL="171450" indent="-171450">
-              <a:buFontTx/>
-              <a:buChar char="-"/>
-            </a:pPr>
-            <a:r>
-              <a:rPr lang="en-US" dirty="0" err="1"/>
-              <a:t>Hangfire.AspNetCore</a:t>
-            </a:r>
-            <a:endParaRPr lang="en-US" dirty="0"/>
-          </a:p>
-          <a:p>
-            <a:pPr marL="171450" indent="-171450">
-              <a:buFontTx/>
-              <a:buChar char="-"/>
-            </a:pPr>
-            <a:r>
-              <a:rPr lang="en-US" dirty="0" err="1"/>
-              <a:t>Hangfire.SqlServer</a:t>
-            </a:r>
-            <a:r>
-              <a:rPr lang="en-US" dirty="0"/>
-              <a:t> (or Redis or </a:t>
-            </a:r>
           </a:p>
         </p:txBody>
       </p:sp>
@@ -3268,7 +3329,7 @@
             <a:spLocks noGrp="1"/>
           </p:cNvSpPr>
           <p:nvPr>
-            <p:ph type="sldNum" sz="quarter" idx="5"/>
+            <p:ph type="sldNum" sz="quarter" idx="10"/>
           </p:nvPr>
         </p:nvSpPr>
         <p:spPr/>
@@ -3276,7 +3337,7 @@
           <a:bodyPr/>
           <a:lstStyle/>
           <a:p>
-            <a:fld id="{EC074461-D808-4EBD-B8B3-953FBFCC6ED3}" type="slidenum">
+            <a:fld id="{2B57EC6A-F5A4-441D-B3C5-D1EF8312AF7C}" type="slidenum">
               <a:rPr lang="en-US" smtClean="0"/>
               <a:t>34</a:t>
             </a:fld>
@@ -3287,7 +3348,7 @@
     </p:spTree>
     <p:extLst>
       <p:ext uri="{BB962C8B-B14F-4D97-AF65-F5344CB8AC3E}">
-        <p14:creationId xmlns:p14="http://schemas.microsoft.com/office/powerpoint/2010/main" val="2339108116"/>
+        <p14:creationId xmlns:p14="http://schemas.microsoft.com/office/powerpoint/2010/main" val="1993374771"/>
       </p:ext>
     </p:extLst>
   </p:cSld>
@@ -3371,7 +3432,7 @@
     </p:spTree>
     <p:extLst>
       <p:ext uri="{BB962C8B-B14F-4D97-AF65-F5344CB8AC3E}">
-        <p14:creationId xmlns:p14="http://schemas.microsoft.com/office/powerpoint/2010/main" val="1993374771"/>
+        <p14:creationId xmlns:p14="http://schemas.microsoft.com/office/powerpoint/2010/main" val="3758640613"/>
       </p:ext>
     </p:extLst>
   </p:cSld>
@@ -3455,7 +3516,7 @@
     </p:spTree>
     <p:extLst>
       <p:ext uri="{BB962C8B-B14F-4D97-AF65-F5344CB8AC3E}">
-        <p14:creationId xmlns:p14="http://schemas.microsoft.com/office/powerpoint/2010/main" val="3758640613"/>
+        <p14:creationId xmlns:p14="http://schemas.microsoft.com/office/powerpoint/2010/main" val="2982949979"/>
       </p:ext>
     </p:extLst>
   </p:cSld>
@@ -3539,7 +3600,7 @@
     </p:spTree>
     <p:extLst>
       <p:ext uri="{BB962C8B-B14F-4D97-AF65-F5344CB8AC3E}">
-        <p14:creationId xmlns:p14="http://schemas.microsoft.com/office/powerpoint/2010/main" val="2982949979"/>
+        <p14:creationId xmlns:p14="http://schemas.microsoft.com/office/powerpoint/2010/main" val="2274456923"/>
       </p:ext>
     </p:extLst>
   </p:cSld>
@@ -3623,7 +3684,7 @@
     </p:spTree>
     <p:extLst>
       <p:ext uri="{BB962C8B-B14F-4D97-AF65-F5344CB8AC3E}">
-        <p14:creationId xmlns:p14="http://schemas.microsoft.com/office/powerpoint/2010/main" val="2274456923"/>
+        <p14:creationId xmlns:p14="http://schemas.microsoft.com/office/powerpoint/2010/main" val="3610301256"/>
       </p:ext>
     </p:extLst>
   </p:cSld>
@@ -3707,7 +3768,7 @@
     </p:spTree>
     <p:extLst>
       <p:ext uri="{BB962C8B-B14F-4D97-AF65-F5344CB8AC3E}">
-        <p14:creationId xmlns:p14="http://schemas.microsoft.com/office/powerpoint/2010/main" val="3610301256"/>
+        <p14:creationId xmlns:p14="http://schemas.microsoft.com/office/powerpoint/2010/main" val="2378286796"/>
       </p:ext>
     </p:extLst>
   </p:cSld>
@@ -3856,90 +3917,6 @@
             <a:spLocks noGrp="1"/>
           </p:cNvSpPr>
           <p:nvPr>
-            <p:ph type="sldNum" sz="quarter" idx="10"/>
-          </p:nvPr>
-        </p:nvSpPr>
-        <p:spPr/>
-        <p:txBody>
-          <a:bodyPr/>
-          <a:lstStyle/>
-          <a:p>
-            <a:fld id="{2B57EC6A-F5A4-441D-B3C5-D1EF8312AF7C}" type="slidenum">
-              <a:rPr lang="en-US" smtClean="0"/>
-              <a:t>40</a:t>
-            </a:fld>
-            <a:endParaRPr lang="en-US"/>
-          </a:p>
-        </p:txBody>
-      </p:sp>
-    </p:spTree>
-    <p:extLst>
-      <p:ext uri="{BB962C8B-B14F-4D97-AF65-F5344CB8AC3E}">
-        <p14:creationId xmlns:p14="http://schemas.microsoft.com/office/powerpoint/2010/main" val="2378286796"/>
-      </p:ext>
-    </p:extLst>
-  </p:cSld>
-  <p:clrMapOvr>
-    <a:masterClrMapping/>
-  </p:clrMapOvr>
-</p:notes>
-</file>
-
-<file path=ppt/notesSlides/notesSlide41.xml><?xml version="1.0" encoding="utf-8"?>
-<p:notes xmlns:a="http://schemas.openxmlformats.org/drawingml/2006/main" xmlns:r="http://schemas.openxmlformats.org/officeDocument/2006/relationships" xmlns:p="http://schemas.openxmlformats.org/presentationml/2006/main">
-  <p:cSld>
-    <p:spTree>
-      <p:nvGrpSpPr>
-        <p:cNvPr id="1" name=""/>
-        <p:cNvGrpSpPr/>
-        <p:nvPr/>
-      </p:nvGrpSpPr>
-      <p:grpSpPr>
-        <a:xfrm>
-          <a:off x="0" y="0"/>
-          <a:ext cx="0" cy="0"/>
-          <a:chOff x="0" y="0"/>
-          <a:chExt cx="0" cy="0"/>
-        </a:xfrm>
-      </p:grpSpPr>
-      <p:sp>
-        <p:nvSpPr>
-          <p:cNvPr id="2" name="Slide Image Placeholder 1"/>
-          <p:cNvSpPr>
-            <a:spLocks noGrp="1" noRot="1" noChangeAspect="1"/>
-          </p:cNvSpPr>
-          <p:nvPr>
-            <p:ph type="sldImg"/>
-          </p:nvPr>
-        </p:nvSpPr>
-        <p:spPr/>
-      </p:sp>
-      <p:sp>
-        <p:nvSpPr>
-          <p:cNvPr id="3" name="Notes Placeholder 2"/>
-          <p:cNvSpPr>
-            <a:spLocks noGrp="1"/>
-          </p:cNvSpPr>
-          <p:nvPr>
-            <p:ph type="body" idx="1"/>
-          </p:nvPr>
-        </p:nvSpPr>
-        <p:spPr/>
-        <p:txBody>
-          <a:bodyPr/>
-          <a:lstStyle/>
-          <a:p>
-            <a:endParaRPr lang="en-US" dirty="0"/>
-          </a:p>
-        </p:txBody>
-      </p:sp>
-      <p:sp>
-        <p:nvSpPr>
-          <p:cNvPr id="4" name="Slide Number Placeholder 3"/>
-          <p:cNvSpPr>
-            <a:spLocks noGrp="1"/>
-          </p:cNvSpPr>
-          <p:nvPr>
             <p:ph type="sldNum" sz="quarter" idx="5"/>
           </p:nvPr>
         </p:nvSpPr>
@@ -3950,7 +3927,7 @@
           <a:p>
             <a:fld id="{EC074461-D808-4EBD-B8B3-953FBFCC6ED3}" type="slidenum">
               <a:rPr lang="en-US" smtClean="0"/>
-              <a:t>41</a:t>
+              <a:t>40</a:t>
             </a:fld>
             <a:endParaRPr lang="en-US"/>
           </a:p>
@@ -4013,6 +3990,29 @@
           <a:bodyPr/>
           <a:lstStyle/>
           <a:p>
+            <a:pPr marL="0" marR="0" lvl="0" indent="0" algn="l" defTabSz="914400" rtl="0" eaLnBrk="1" fontAlgn="auto" latinLnBrk="0" hangingPunct="1">
+              <a:lnSpc>
+                <a:spcPct val="100000"/>
+              </a:lnSpc>
+              <a:spcBef>
+                <a:spcPts val="0"/>
+              </a:spcBef>
+              <a:spcAft>
+                <a:spcPts val="0"/>
+              </a:spcAft>
+              <a:buClrTx/>
+              <a:buSzTx/>
+              <a:buFontTx/>
+              <a:buNone/>
+              <a:tabLst/>
+              <a:defRPr/>
+            </a:pPr>
+            <a:r>
+              <a:rPr lang="en-US" dirty="0"/>
+              <a:t>25 year old DB that was multi-tenant where each customer had their own DB instances, each DB had thousands of DB objects, stored procedures that used Linked Servers, dead stored procedures referencing removed columns, etc.</a:t>
+            </a:r>
+          </a:p>
+          <a:p>
             <a:endParaRPr lang="en-US" dirty="0"/>
           </a:p>
         </p:txBody>
@@ -4043,7 +4043,7 @@
     </p:spTree>
     <p:extLst>
       <p:ext uri="{BB962C8B-B14F-4D97-AF65-F5344CB8AC3E}">
-        <p14:creationId xmlns:p14="http://schemas.microsoft.com/office/powerpoint/2010/main" val="3482905142"/>
+        <p14:creationId xmlns:p14="http://schemas.microsoft.com/office/powerpoint/2010/main" val="1841737469"/>
       </p:ext>
     </p:extLst>
   </p:cSld>
@@ -4097,30 +4097,10 @@
           <a:bodyPr/>
           <a:lstStyle/>
           <a:p>
-            <a:pPr marL="0" marR="0" lvl="0" indent="0" algn="l" defTabSz="914400" rtl="0" eaLnBrk="1" fontAlgn="auto" latinLnBrk="0" hangingPunct="1">
-              <a:lnSpc>
-                <a:spcPct val="100000"/>
-              </a:lnSpc>
-              <a:spcBef>
-                <a:spcPts val="0"/>
-              </a:spcBef>
-              <a:spcAft>
-                <a:spcPts val="0"/>
-              </a:spcAft>
-              <a:buClrTx/>
-              <a:buSzTx/>
-              <a:buFontTx/>
-              <a:buNone/>
-              <a:tabLst/>
-              <a:defRPr/>
-            </a:pPr>
             <a:r>
               <a:rPr lang="en-US" dirty="0"/>
-              <a:t>25 year old DB that was multi-tenant where each customer had their own DB instances, each DB had thousands of DB objects, stored procedures that used Linked Servers, dead stored procedures referencing removed columns, etc.</a:t>
-            </a:r>
-          </a:p>
-          <a:p>
-            <a:endParaRPr lang="en-US" dirty="0"/>
+              <a:t>Perform some CPU intensive work asynchronously outside of the normal request/response pipeline.</a:t>
+            </a:r>
           </a:p>
         </p:txBody>
       </p:sp>
@@ -4150,7 +4130,7 @@
     </p:spTree>
     <p:extLst>
       <p:ext uri="{BB962C8B-B14F-4D97-AF65-F5344CB8AC3E}">
-        <p14:creationId xmlns:p14="http://schemas.microsoft.com/office/powerpoint/2010/main" val="1841737469"/>
+        <p14:creationId xmlns:p14="http://schemas.microsoft.com/office/powerpoint/2010/main" val="1048773207"/>
       </p:ext>
     </p:extLst>
   </p:cSld>
@@ -4204,10 +4184,7 @@
           <a:bodyPr/>
           <a:lstStyle/>
           <a:p>
-            <a:r>
-              <a:rPr lang="en-US" dirty="0"/>
-              <a:t>Perform some CPU intensive work asynchronously outside of the normal request/response pipeline.</a:t>
-            </a:r>
+            <a:endParaRPr lang="en-US" dirty="0"/>
           </a:p>
         </p:txBody>
       </p:sp>
@@ -4237,7 +4214,7 @@
     </p:spTree>
     <p:extLst>
       <p:ext uri="{BB962C8B-B14F-4D97-AF65-F5344CB8AC3E}">
-        <p14:creationId xmlns:p14="http://schemas.microsoft.com/office/powerpoint/2010/main" val="1048773207"/>
+        <p14:creationId xmlns:p14="http://schemas.microsoft.com/office/powerpoint/2010/main" val="893559726"/>
       </p:ext>
     </p:extLst>
   </p:cSld>
@@ -4291,7 +4268,10 @@
           <a:bodyPr/>
           <a:lstStyle/>
           <a:p>
-            <a:endParaRPr lang="en-US" dirty="0"/>
+            <a:r>
+              <a:rPr lang="en-US" dirty="0"/>
+              <a:t>These options are kind of like baking cookies.  It goes from a make your own recipe to buying pre-packaged cookies.  Depending on what your requirements are, sometimes you might just reach for building your own recipe because you actually need to make a cookie cake and not individual cookies.  Other times you may just want to go to the store and buy cookies already pre-made in the box so you don’t have to worry about getting all the ingredients just right.</a:t>
+            </a:r>
           </a:p>
         </p:txBody>
       </p:sp>
@@ -4302,7 +4282,7 @@
             <a:spLocks noGrp="1"/>
           </p:cNvSpPr>
           <p:nvPr>
-            <p:ph type="sldNum" sz="quarter" idx="10"/>
+            <p:ph type="sldNum" sz="quarter" idx="5"/>
           </p:nvPr>
         </p:nvSpPr>
         <p:spPr/>
@@ -4310,7 +4290,7 @@
           <a:bodyPr/>
           <a:lstStyle/>
           <a:p>
-            <a:fld id="{2B57EC6A-F5A4-441D-B3C5-D1EF8312AF7C}" type="slidenum">
+            <a:fld id="{EC074461-D808-4EBD-B8B3-953FBFCC6ED3}" type="slidenum">
               <a:rPr lang="en-US" smtClean="0"/>
               <a:t>8</a:t>
             </a:fld>
@@ -4321,7 +4301,7 @@
     </p:spTree>
     <p:extLst>
       <p:ext uri="{BB962C8B-B14F-4D97-AF65-F5344CB8AC3E}">
-        <p14:creationId xmlns:p14="http://schemas.microsoft.com/office/powerpoint/2010/main" val="893559726"/>
+        <p14:creationId xmlns:p14="http://schemas.microsoft.com/office/powerpoint/2010/main" val="907546901"/>
       </p:ext>
     </p:extLst>
   </p:cSld>
@@ -4375,10 +4355,7 @@
           <a:bodyPr/>
           <a:lstStyle/>
           <a:p>
-            <a:r>
-              <a:rPr lang="en-US" dirty="0"/>
-              <a:t>These options are kind of like baking cookies.  It goes from a scale of raw cookie dough to baked cookies to pre-packaged cookies.  Depending on what your requirements are, sometimes you might just reach for the raw cookie dough because you actually need to make a cookie cake.  Other times you may just want to go to the store and buy cookies already pre-made in the box so you don’t have to worry about getting all the ingredients just right.</a:t>
-            </a:r>
+            <a:endParaRPr lang="en-US" dirty="0"/>
           </a:p>
         </p:txBody>
       </p:sp>
@@ -4408,7 +4385,7 @@
     </p:spTree>
     <p:extLst>
       <p:ext uri="{BB962C8B-B14F-4D97-AF65-F5344CB8AC3E}">
-        <p14:creationId xmlns:p14="http://schemas.microsoft.com/office/powerpoint/2010/main" val="907546901"/>
+        <p14:creationId xmlns:p14="http://schemas.microsoft.com/office/powerpoint/2010/main" val="3721149582"/>
       </p:ext>
     </p:extLst>
   </p:cSld>
@@ -8136,220 +8113,6 @@
 </file>
 
 <file path=ppt/slides/slide10.xml><?xml version="1.0" encoding="utf-8"?>
-<p:sld xmlns:a="http://schemas.openxmlformats.org/drawingml/2006/main" xmlns:r="http://schemas.openxmlformats.org/officeDocument/2006/relationships" xmlns:p="http://schemas.openxmlformats.org/presentationml/2006/main">
-  <p:cSld>
-    <p:bg>
-      <p:bgPr>
-        <a:solidFill>
-          <a:schemeClr val="bg1"/>
-        </a:solidFill>
-        <a:effectLst/>
-      </p:bgPr>
-    </p:bg>
-    <p:spTree>
-      <p:nvGrpSpPr>
-        <p:cNvPr id="1" name=""/>
-        <p:cNvGrpSpPr/>
-        <p:nvPr/>
-      </p:nvGrpSpPr>
-      <p:grpSpPr>
-        <a:xfrm>
-          <a:off x="0" y="0"/>
-          <a:ext cx="0" cy="0"/>
-          <a:chOff x="0" y="0"/>
-          <a:chExt cx="0" cy="0"/>
-        </a:xfrm>
-      </p:grpSpPr>
-      <p:pic>
-        <p:nvPicPr>
-          <p:cNvPr id="3" name="Picture 2" descr="Texas Cowboy Cookies - Rachel Hollis">
-            <a:extLst>
-              <a:ext uri="{FF2B5EF4-FFF2-40B4-BE49-F238E27FC236}">
-                <a16:creationId xmlns:a16="http://schemas.microsoft.com/office/drawing/2014/main" id="{9A48CDD7-56F2-4CE9-97EA-7B27FCD6AD9F}"/>
-              </a:ext>
-            </a:extLst>
-          </p:cNvPr>
-          <p:cNvPicPr>
-            <a:picLocks noChangeAspect="1" noChangeArrowheads="1"/>
-          </p:cNvPicPr>
-          <p:nvPr/>
-        </p:nvPicPr>
-        <p:blipFill>
-          <a:blip r:embed="rId3">
-            <a:extLst>
-              <a:ext uri="{28A0092B-C50C-407E-A947-70E740481C1C}">
-                <a14:useLocalDpi xmlns:a14="http://schemas.microsoft.com/office/drawing/2010/main" val="0"/>
-              </a:ext>
-            </a:extLst>
-          </a:blip>
-          <a:srcRect/>
-          <a:stretch>
-            <a:fillRect/>
-          </a:stretch>
-        </p:blipFill>
-        <p:spPr bwMode="auto">
-          <a:xfrm>
-            <a:off x="0" y="0"/>
-            <a:ext cx="12192000" cy="6858000"/>
-          </a:xfrm>
-          <a:prstGeom prst="rect">
-            <a:avLst/>
-          </a:prstGeom>
-          <a:noFill/>
-          <a:extLst>
-            <a:ext uri="{909E8E84-426E-40DD-AFC4-6F175D3DCCD1}">
-              <a14:hiddenFill xmlns:a14="http://schemas.microsoft.com/office/drawing/2010/main">
-                <a:solidFill>
-                  <a:srgbClr val="FFFFFF"/>
-                </a:solidFill>
-              </a14:hiddenFill>
-            </a:ext>
-          </a:extLst>
-        </p:spPr>
-      </p:pic>
-      <p:sp>
-        <p:nvSpPr>
-          <p:cNvPr id="5" name="Rectangle 4">
-            <a:extLst>
-              <a:ext uri="{FF2B5EF4-FFF2-40B4-BE49-F238E27FC236}">
-                <a16:creationId xmlns:a16="http://schemas.microsoft.com/office/drawing/2014/main" id="{277F39DA-5BD4-4DA7-A0D2-9E94D0895756}"/>
-              </a:ext>
-            </a:extLst>
-          </p:cNvPr>
-          <p:cNvSpPr/>
-          <p:nvPr/>
-        </p:nvSpPr>
-        <p:spPr>
-          <a:xfrm>
-            <a:off x="0" y="0"/>
-            <a:ext cx="12192000" cy="6864059"/>
-          </a:xfrm>
-          <a:prstGeom prst="rect">
-            <a:avLst/>
-          </a:prstGeom>
-          <a:solidFill>
-            <a:srgbClr val="0F69B6">
-              <a:alpha val="75000"/>
-            </a:srgbClr>
-          </a:solidFill>
-          <a:ln>
-            <a:noFill/>
-          </a:ln>
-        </p:spPr>
-        <p:style>
-          <a:lnRef idx="2">
-            <a:schemeClr val="accent1">
-              <a:shade val="50000"/>
-            </a:schemeClr>
-          </a:lnRef>
-          <a:fillRef idx="1">
-            <a:schemeClr val="accent1"/>
-          </a:fillRef>
-          <a:effectRef idx="0">
-            <a:schemeClr val="accent1"/>
-          </a:effectRef>
-          <a:fontRef idx="minor">
-            <a:schemeClr val="lt1"/>
-          </a:fontRef>
-        </p:style>
-        <p:txBody>
-          <a:bodyPr rtlCol="0" anchor="ctr"/>
-          <a:lstStyle/>
-          <a:p>
-            <a:pPr algn="ctr"/>
-            <a:endParaRPr lang="en-GB"/>
-          </a:p>
-        </p:txBody>
-      </p:sp>
-      <p:sp>
-        <p:nvSpPr>
-          <p:cNvPr id="2" name="Title 1">
-            <a:extLst>
-              <a:ext uri="{FF2B5EF4-FFF2-40B4-BE49-F238E27FC236}">
-                <a16:creationId xmlns:a16="http://schemas.microsoft.com/office/drawing/2014/main" id="{23961254-86DC-4239-85AC-F87EEB565B01}"/>
-              </a:ext>
-            </a:extLst>
-          </p:cNvPr>
-          <p:cNvSpPr>
-            <a:spLocks noGrp="1"/>
-          </p:cNvSpPr>
-          <p:nvPr>
-            <p:ph type="title"/>
-          </p:nvPr>
-        </p:nvSpPr>
-        <p:spPr>
-          <a:xfrm>
-            <a:off x="0" y="365125"/>
-            <a:ext cx="12192000" cy="6027511"/>
-          </a:xfrm>
-        </p:spPr>
-        <p:txBody>
-          <a:bodyPr>
-            <a:normAutofit/>
-          </a:bodyPr>
-          <a:lstStyle/>
-          <a:p>
-            <a:pPr algn="ctr"/>
-            <a:r>
-              <a:rPr lang="en-US" sz="12000" dirty="0" err="1">
-                <a:solidFill>
-                  <a:schemeClr val="bg1"/>
-                </a:solidFill>
-                <a:latin typeface="+mn-lt"/>
-              </a:rPr>
-              <a:t>IHostedService</a:t>
-            </a:r>
-            <a:br>
-              <a:rPr lang="en-US" sz="7200" dirty="0">
-                <a:solidFill>
-                  <a:schemeClr val="bg1"/>
-                </a:solidFill>
-                <a:latin typeface="+mn-lt"/>
-              </a:rPr>
-            </a:br>
-            <a:r>
-              <a:rPr lang="en-US" sz="7200" dirty="0">
-                <a:solidFill>
-                  <a:schemeClr val="bg1"/>
-                </a:solidFill>
-                <a:latin typeface="+mn-lt"/>
-              </a:rPr>
-              <a:t>“Make Your Own Recipe”</a:t>
-            </a:r>
-            <a:br>
-              <a:rPr lang="en-US" sz="7200" dirty="0">
-                <a:solidFill>
-                  <a:schemeClr val="bg1"/>
-                </a:solidFill>
-                <a:latin typeface="+mn-lt"/>
-              </a:rPr>
-            </a:br>
-            <a:r>
-              <a:rPr lang="en-US" sz="6000" dirty="0">
-                <a:solidFill>
-                  <a:schemeClr val="bg1"/>
-                </a:solidFill>
-                <a:latin typeface="+mn-lt"/>
-              </a:rPr>
-              <a:t>(Cookie Jar Included)</a:t>
-            </a:r>
-          </a:p>
-        </p:txBody>
-      </p:sp>
-    </p:spTree>
-    <p:extLst>
-      <p:ext uri="{BB962C8B-B14F-4D97-AF65-F5344CB8AC3E}">
-        <p14:creationId xmlns:p14="http://schemas.microsoft.com/office/powerpoint/2010/main" val="653363895"/>
-      </p:ext>
-    </p:extLst>
-  </p:cSld>
-  <p:clrMapOvr>
-    <a:masterClrMapping/>
-  </p:clrMapOvr>
-</p:sld>
-</file>
-
-<file path=ppt/slides/slide11.xml><?xml version="1.0" encoding="utf-8"?>
 <p:sld xmlns:a="http://schemas.openxmlformats.org/drawingml/2006/main" xmlns:r="http://schemas.openxmlformats.org/officeDocument/2006/relationships" xmlns:p="http://schemas.openxmlformats.org/presentationml/2006/main">
   <p:cSld>
     <p:spTree>
@@ -9213,7 +8976,7 @@
 </p:sld>
 </file>
 
-<file path=ppt/slides/slide12.xml><?xml version="1.0" encoding="utf-8"?>
+<file path=ppt/slides/slide11.xml><?xml version="1.0" encoding="utf-8"?>
 <p:sld xmlns:a="http://schemas.openxmlformats.org/drawingml/2006/main" xmlns:r="http://schemas.openxmlformats.org/officeDocument/2006/relationships" xmlns:p="http://schemas.openxmlformats.org/presentationml/2006/main">
   <p:cSld>
     <p:bg>
@@ -9395,7 +9158,7 @@
 </p:sld>
 </file>
 
-<file path=ppt/slides/slide13.xml><?xml version="1.0" encoding="utf-8"?>
+<file path=ppt/slides/slide12.xml><?xml version="1.0" encoding="utf-8"?>
 <p:sld xmlns:a="http://schemas.openxmlformats.org/drawingml/2006/main" xmlns:r="http://schemas.openxmlformats.org/officeDocument/2006/relationships" xmlns:p="http://schemas.openxmlformats.org/presentationml/2006/main">
   <p:cSld>
     <p:spTree>
@@ -10173,7 +9936,7 @@
 </p:sld>
 </file>
 
-<file path=ppt/slides/slide14.xml><?xml version="1.0" encoding="utf-8"?>
+<file path=ppt/slides/slide13.xml><?xml version="1.0" encoding="utf-8"?>
 <p:sld xmlns:a="http://schemas.openxmlformats.org/drawingml/2006/main" xmlns:r="http://schemas.openxmlformats.org/officeDocument/2006/relationships" xmlns:p="http://schemas.openxmlformats.org/presentationml/2006/main">
   <p:cSld>
     <p:spTree>
@@ -10617,7 +10380,7 @@
 </p:sld>
 </file>
 
-<file path=ppt/slides/slide15.xml><?xml version="1.0" encoding="utf-8"?>
+<file path=ppt/slides/slide14.xml><?xml version="1.0" encoding="utf-8"?>
 <p:sld xmlns:a="http://schemas.openxmlformats.org/drawingml/2006/main" xmlns:r="http://schemas.openxmlformats.org/officeDocument/2006/relationships" xmlns:p="http://schemas.openxmlformats.org/presentationml/2006/main">
   <p:cSld>
     <p:spTree>
@@ -11562,7 +11325,7 @@
 </p:sld>
 </file>
 
-<file path=ppt/slides/slide16.xml><?xml version="1.0" encoding="utf-8"?>
+<file path=ppt/slides/slide15.xml><?xml version="1.0" encoding="utf-8"?>
 <p:sld xmlns:a="http://schemas.openxmlformats.org/drawingml/2006/main" xmlns:r="http://schemas.openxmlformats.org/officeDocument/2006/relationships" xmlns:p="http://schemas.openxmlformats.org/presentationml/2006/main">
   <p:cSld>
     <p:spTree>
@@ -11665,7 +11428,7 @@
           <a:p>
             <a:r>
               <a:rPr lang="en-US" dirty="0"/>
-              <a:t>You need full control over Starting, Stopping, and Disposing </a:t>
+              <a:t>You need full control over Starting and Stopping</a:t>
             </a:r>
           </a:p>
           <a:p>
@@ -12247,7 +12010,7 @@
 </p:sld>
 </file>
 
-<file path=ppt/slides/slide17.xml><?xml version="1.0" encoding="utf-8"?>
+<file path=ppt/slides/slide16.xml><?xml version="1.0" encoding="utf-8"?>
 <p:sld xmlns:a="http://schemas.openxmlformats.org/drawingml/2006/main" xmlns:r="http://schemas.openxmlformats.org/officeDocument/2006/relationships" xmlns:p="http://schemas.openxmlformats.org/presentationml/2006/main">
   <p:cSld>
     <p:spTree>
@@ -12890,7 +12653,7 @@
 </p:sld>
 </file>
 
-<file path=ppt/slides/slide18.xml><?xml version="1.0" encoding="utf-8"?>
+<file path=ppt/slides/slide17.xml><?xml version="1.0" encoding="utf-8"?>
 <p:sld xmlns:a="http://schemas.openxmlformats.org/drawingml/2006/main" xmlns:r="http://schemas.openxmlformats.org/officeDocument/2006/relationships" xmlns:p="http://schemas.openxmlformats.org/presentationml/2006/main">
   <p:cSld>
     <p:spTree>
@@ -13141,7 +12904,7 @@
 </p:sld>
 </file>
 
-<file path=ppt/slides/slide19.xml><?xml version="1.0" encoding="utf-8"?>
+<file path=ppt/slides/slide18.xml><?xml version="1.0" encoding="utf-8"?>
 <p:sld xmlns:a="http://schemas.openxmlformats.org/drawingml/2006/main" xmlns:r="http://schemas.openxmlformats.org/officeDocument/2006/relationships" xmlns:p="http://schemas.openxmlformats.org/presentationml/2006/main">
   <p:cSld>
     <p:spTree>
@@ -13720,15 +13483,33 @@
                                   </p:subTnLst>
                                 </p:cTn>
                               </p:par>
+                            </p:childTnLst>
+                          </p:cTn>
+                        </p:par>
+                      </p:childTnLst>
+                    </p:cTn>
+                  </p:par>
+                  <p:par>
+                    <p:cTn id="11" fill="hold">
+                      <p:stCondLst>
+                        <p:cond delay="indefinite"/>
+                      </p:stCondLst>
+                      <p:childTnLst>
+                        <p:par>
+                          <p:cTn id="12" fill="hold">
+                            <p:stCondLst>
+                              <p:cond delay="0"/>
+                            </p:stCondLst>
+                            <p:childTnLst>
                               <p:par>
-                                <p:cTn id="11" presetID="10" presetClass="entr" presetSubtype="0" fill="hold" grpId="0" nodeType="withEffect">
+                                <p:cTn id="13" presetID="10" presetClass="entr" presetSubtype="0" fill="hold" grpId="0" nodeType="clickEffect">
                                   <p:stCondLst>
                                     <p:cond delay="0"/>
                                   </p:stCondLst>
                                   <p:childTnLst>
                                     <p:set>
                                       <p:cBhvr>
-                                        <p:cTn id="12" dur="1" fill="hold">
+                                        <p:cTn id="14" dur="1" fill="hold">
                                           <p:stCondLst>
                                             <p:cond delay="0"/>
                                           </p:stCondLst>
@@ -13750,7 +13531,7 @@
                                     </p:set>
                                     <p:animEffect transition="in" filter="fade">
                                       <p:cBhvr>
-                                        <p:cTn id="13" dur="500"/>
+                                        <p:cTn id="15" dur="500"/>
                                         <p:tgtEl>
                                           <p:spTgt spid="3">
                                             <p:txEl>
@@ -13790,26 +13571,26 @@
                     </p:cTn>
                   </p:par>
                   <p:par>
-                    <p:cTn id="14" fill="hold">
+                    <p:cTn id="16" fill="hold">
                       <p:stCondLst>
                         <p:cond delay="indefinite"/>
                       </p:stCondLst>
                       <p:childTnLst>
                         <p:par>
-                          <p:cTn id="15" fill="hold">
+                          <p:cTn id="17" fill="hold">
                             <p:stCondLst>
                               <p:cond delay="0"/>
                             </p:stCondLst>
                             <p:childTnLst>
                               <p:par>
-                                <p:cTn id="16" presetID="10" presetClass="entr" presetSubtype="0" fill="hold" grpId="0" nodeType="clickEffect">
+                                <p:cTn id="18" presetID="10" presetClass="entr" presetSubtype="0" fill="hold" grpId="0" nodeType="clickEffect">
                                   <p:stCondLst>
                                     <p:cond delay="0"/>
                                   </p:stCondLst>
                                   <p:childTnLst>
                                     <p:set>
                                       <p:cBhvr>
-                                        <p:cTn id="17" dur="1" fill="hold">
+                                        <p:cTn id="19" dur="1" fill="hold">
                                           <p:stCondLst>
                                             <p:cond delay="0"/>
                                           </p:stCondLst>
@@ -13831,7 +13612,7 @@
                                     </p:set>
                                     <p:animEffect transition="in" filter="fade">
                                       <p:cBhvr>
-                                        <p:cTn id="18" dur="500"/>
+                                        <p:cTn id="20" dur="500"/>
                                         <p:tgtEl>
                                           <p:spTgt spid="3">
                                             <p:txEl>
@@ -13871,26 +13652,26 @@
                     </p:cTn>
                   </p:par>
                   <p:par>
-                    <p:cTn id="19" fill="hold">
+                    <p:cTn id="21" fill="hold">
                       <p:stCondLst>
                         <p:cond delay="indefinite"/>
                       </p:stCondLst>
                       <p:childTnLst>
                         <p:par>
-                          <p:cTn id="20" fill="hold">
+                          <p:cTn id="22" fill="hold">
                             <p:stCondLst>
                               <p:cond delay="0"/>
                             </p:stCondLst>
                             <p:childTnLst>
                               <p:par>
-                                <p:cTn id="21" presetID="10" presetClass="entr" presetSubtype="0" fill="hold" grpId="0" nodeType="clickEffect">
+                                <p:cTn id="23" presetID="10" presetClass="entr" presetSubtype="0" fill="hold" grpId="0" nodeType="clickEffect">
                                   <p:stCondLst>
                                     <p:cond delay="0"/>
                                   </p:stCondLst>
                                   <p:childTnLst>
                                     <p:set>
                                       <p:cBhvr>
-                                        <p:cTn id="22" dur="1" fill="hold">
+                                        <p:cTn id="24" dur="1" fill="hold">
                                           <p:stCondLst>
                                             <p:cond delay="0"/>
                                           </p:stCondLst>
@@ -13912,7 +13693,7 @@
                                     </p:set>
                                     <p:animEffect transition="in" filter="fade">
                                       <p:cBhvr>
-                                        <p:cTn id="23" dur="500"/>
+                                        <p:cTn id="25" dur="500"/>
                                         <p:tgtEl>
                                           <p:spTgt spid="3">
                                             <p:txEl>
@@ -13973,9 +13754,181 @@
       </p:par>
     </p:tnLst>
     <p:bldLst>
-      <p:bldP spid="3" grpId="0" build="p"/>
+      <p:bldP spid="3" grpId="0" uiExpand="1" build="p"/>
     </p:bldLst>
   </p:timing>
+</p:sld>
+</file>
+
+<file path=ppt/slides/slide19.xml><?xml version="1.0" encoding="utf-8"?>
+<p:sld xmlns:a="http://schemas.openxmlformats.org/drawingml/2006/main" xmlns:r="http://schemas.openxmlformats.org/officeDocument/2006/relationships" xmlns:p="http://schemas.openxmlformats.org/presentationml/2006/main">
+  <p:cSld>
+    <p:spTree>
+      <p:nvGrpSpPr>
+        <p:cNvPr id="1" name=""/>
+        <p:cNvGrpSpPr/>
+        <p:nvPr/>
+      </p:nvGrpSpPr>
+      <p:grpSpPr>
+        <a:xfrm>
+          <a:off x="0" y="0"/>
+          <a:ext cx="0" cy="0"/>
+          <a:chOff x="0" y="0"/>
+          <a:chExt cx="0" cy="0"/>
+        </a:xfrm>
+      </p:grpSpPr>
+      <p:pic>
+        <p:nvPicPr>
+          <p:cNvPr id="4098" name="Picture 2" descr="Cookie Taste Test - Andre's Kitchen - Video Explode">
+            <a:extLst>
+              <a:ext uri="{FF2B5EF4-FFF2-40B4-BE49-F238E27FC236}">
+                <a16:creationId xmlns:a16="http://schemas.microsoft.com/office/drawing/2014/main" id="{9DD94749-A299-4272-88B5-E4D0AF8ADCFA}"/>
+              </a:ext>
+            </a:extLst>
+          </p:cNvPr>
+          <p:cNvPicPr>
+            <a:picLocks noChangeAspect="1" noChangeArrowheads="1"/>
+          </p:cNvPicPr>
+          <p:nvPr/>
+        </p:nvPicPr>
+        <p:blipFill>
+          <a:blip r:embed="rId3">
+            <a:extLst>
+              <a:ext uri="{28A0092B-C50C-407E-A947-70E740481C1C}">
+                <a14:useLocalDpi xmlns:a14="http://schemas.microsoft.com/office/drawing/2010/main" val="0"/>
+              </a:ext>
+            </a:extLst>
+          </a:blip>
+          <a:srcRect/>
+          <a:stretch>
+            <a:fillRect/>
+          </a:stretch>
+        </p:blipFill>
+        <p:spPr bwMode="auto">
+          <a:xfrm>
+            <a:off x="0" y="0"/>
+            <a:ext cx="12192000" cy="6858000"/>
+          </a:xfrm>
+          <a:prstGeom prst="rect">
+            <a:avLst/>
+          </a:prstGeom>
+          <a:noFill/>
+          <a:extLst>
+            <a:ext uri="{909E8E84-426E-40DD-AFC4-6F175D3DCCD1}">
+              <a14:hiddenFill xmlns:a14="http://schemas.microsoft.com/office/drawing/2010/main">
+                <a:solidFill>
+                  <a:srgbClr val="FFFFFF"/>
+                </a:solidFill>
+              </a14:hiddenFill>
+            </a:ext>
+          </a:extLst>
+        </p:spPr>
+      </p:pic>
+      <p:sp>
+        <p:nvSpPr>
+          <p:cNvPr id="3" name="Rectangle 2">
+            <a:extLst>
+              <a:ext uri="{FF2B5EF4-FFF2-40B4-BE49-F238E27FC236}">
+                <a16:creationId xmlns:a16="http://schemas.microsoft.com/office/drawing/2014/main" id="{8A26DCBE-EFA4-4158-BEB8-4A2AE2C02E5C}"/>
+              </a:ext>
+            </a:extLst>
+          </p:cNvPr>
+          <p:cNvSpPr/>
+          <p:nvPr/>
+        </p:nvSpPr>
+        <p:spPr>
+          <a:xfrm>
+            <a:off x="0" y="0"/>
+            <a:ext cx="12192000" cy="6864059"/>
+          </a:xfrm>
+          <a:prstGeom prst="rect">
+            <a:avLst/>
+          </a:prstGeom>
+          <a:solidFill>
+            <a:srgbClr val="0F69B6">
+              <a:alpha val="75000"/>
+            </a:srgbClr>
+          </a:solidFill>
+          <a:ln>
+            <a:noFill/>
+          </a:ln>
+        </p:spPr>
+        <p:style>
+          <a:lnRef idx="2">
+            <a:schemeClr val="accent1">
+              <a:shade val="50000"/>
+            </a:schemeClr>
+          </a:lnRef>
+          <a:fillRef idx="1">
+            <a:schemeClr val="accent1"/>
+          </a:fillRef>
+          <a:effectRef idx="0">
+            <a:schemeClr val="accent1"/>
+          </a:effectRef>
+          <a:fontRef idx="minor">
+            <a:schemeClr val="lt1"/>
+          </a:fontRef>
+        </p:style>
+        <p:txBody>
+          <a:bodyPr rtlCol="0" anchor="ctr"/>
+          <a:lstStyle/>
+          <a:p>
+            <a:pPr algn="ctr"/>
+            <a:endParaRPr lang="en-GB"/>
+          </a:p>
+        </p:txBody>
+      </p:sp>
+      <p:sp>
+        <p:nvSpPr>
+          <p:cNvPr id="2" name="Title 1">
+            <a:extLst>
+              <a:ext uri="{FF2B5EF4-FFF2-40B4-BE49-F238E27FC236}">
+                <a16:creationId xmlns:a16="http://schemas.microsoft.com/office/drawing/2014/main" id="{23961254-86DC-4239-85AC-F87EEB565B01}"/>
+              </a:ext>
+            </a:extLst>
+          </p:cNvPr>
+          <p:cNvSpPr>
+            <a:spLocks noGrp="1"/>
+          </p:cNvSpPr>
+          <p:nvPr>
+            <p:ph type="title"/>
+          </p:nvPr>
+        </p:nvSpPr>
+        <p:spPr>
+          <a:xfrm>
+            <a:off x="-98474" y="-182880"/>
+            <a:ext cx="11493305" cy="7040879"/>
+          </a:xfrm>
+        </p:spPr>
+        <p:txBody>
+          <a:bodyPr>
+            <a:normAutofit/>
+          </a:bodyPr>
+          <a:lstStyle/>
+          <a:p>
+            <a:pPr algn="ctr"/>
+            <a:r>
+              <a:rPr lang="en-US" sz="12000" dirty="0">
+                <a:solidFill>
+                  <a:schemeClr val="bg1"/>
+                </a:solidFill>
+                <a:latin typeface="+mn-lt"/>
+              </a:rPr>
+              <a:t>Demo</a:t>
+            </a:r>
+          </a:p>
+        </p:txBody>
+      </p:sp>
+    </p:spTree>
+    <p:extLst>
+      <p:ext uri="{BB962C8B-B14F-4D97-AF65-F5344CB8AC3E}">
+        <p14:creationId xmlns:p14="http://schemas.microsoft.com/office/powerpoint/2010/main" val="3669998642"/>
+      </p:ext>
+    </p:extLst>
+  </p:cSld>
+  <p:clrMapOvr>
+    <a:masterClrMapping/>
+  </p:clrMapOvr>
 </p:sld>
 </file>
 
@@ -14062,15 +14015,6 @@
                 <a:ea typeface="Open Sans" panose="020B0606030504020204" pitchFamily="34" charset="0"/>
                 <a:cs typeface="Open Sans" panose="020B0606030504020204" pitchFamily="34" charset="0"/>
               </a:rPr>
-              <a:t>Preferably already somewhat familiar with ASP.NET Core</a:t>
-            </a:r>
-          </a:p>
-          <a:p>
-            <a:r>
-              <a:rPr lang="en-US" dirty="0">
-                <a:ea typeface="Open Sans" panose="020B0606030504020204" pitchFamily="34" charset="0"/>
-                <a:cs typeface="Open Sans" panose="020B0606030504020204" pitchFamily="34" charset="0"/>
-              </a:rPr>
               <a:t>In need of running a background task</a:t>
             </a:r>
           </a:p>
@@ -14081,15 +14025,6 @@
                 <a:cs typeface="Open Sans" panose="020B0606030504020204" pitchFamily="34" charset="0"/>
               </a:rPr>
               <a:t>Unaware of their options</a:t>
-            </a:r>
-          </a:p>
-          <a:p>
-            <a:r>
-              <a:rPr lang="en-US" dirty="0">
-                <a:ea typeface="Open Sans" panose="020B0606030504020204" pitchFamily="34" charset="0"/>
-                <a:cs typeface="Open Sans" panose="020B0606030504020204" pitchFamily="34" charset="0"/>
-              </a:rPr>
-              <a:t>Unsure what to pick</a:t>
             </a:r>
           </a:p>
         </p:txBody>
@@ -14646,168 +14581,6 @@
                       </p:childTnLst>
                     </p:cTn>
                   </p:par>
-                  <p:par>
-                    <p:cTn id="18" fill="hold">
-                      <p:stCondLst>
-                        <p:cond delay="indefinite"/>
-                      </p:stCondLst>
-                      <p:childTnLst>
-                        <p:par>
-                          <p:cTn id="19" fill="hold">
-                            <p:stCondLst>
-                              <p:cond delay="0"/>
-                            </p:stCondLst>
-                            <p:childTnLst>
-                              <p:par>
-                                <p:cTn id="20" presetID="10" presetClass="entr" presetSubtype="0" fill="hold" grpId="0" nodeType="clickEffect">
-                                  <p:stCondLst>
-                                    <p:cond delay="0"/>
-                                  </p:stCondLst>
-                                  <p:childTnLst>
-                                    <p:set>
-                                      <p:cBhvr>
-                                        <p:cTn id="21" dur="1" fill="hold">
-                                          <p:stCondLst>
-                                            <p:cond delay="0"/>
-                                          </p:stCondLst>
-                                        </p:cTn>
-                                        <p:tgtEl>
-                                          <p:spTgt spid="3">
-                                            <p:txEl>
-                                              <p:pRg st="3" end="3"/>
-                                            </p:txEl>
-                                          </p:spTgt>
-                                        </p:tgtEl>
-                                        <p:attrNameLst>
-                                          <p:attrName>style.visibility</p:attrName>
-                                        </p:attrNameLst>
-                                      </p:cBhvr>
-                                      <p:to>
-                                        <p:strVal val="visible"/>
-                                      </p:to>
-                                    </p:set>
-                                    <p:animEffect transition="in" filter="fade">
-                                      <p:cBhvr>
-                                        <p:cTn id="22" dur="500"/>
-                                        <p:tgtEl>
-                                          <p:spTgt spid="3">
-                                            <p:txEl>
-                                              <p:pRg st="3" end="3"/>
-                                            </p:txEl>
-                                          </p:spTgt>
-                                        </p:tgtEl>
-                                      </p:cBhvr>
-                                    </p:animEffect>
-                                  </p:childTnLst>
-                                  <p:subTnLst>
-                                    <p:animClr clrSpc="rgb" dir="cw">
-                                      <p:cBhvr override="childStyle">
-                                        <p:cTn dur="1" fill="hold" display="0" masterRel="nextClick" afterEffect="1"/>
-                                        <p:tgtEl>
-                                          <p:spTgt spid="3">
-                                            <p:txEl>
-                                              <p:pRg st="3" end="3"/>
-                                            </p:txEl>
-                                          </p:spTgt>
-                                        </p:tgtEl>
-                                        <p:attrNameLst>
-                                          <p:attrName>ppt_c</p:attrName>
-                                        </p:attrNameLst>
-                                      </p:cBhvr>
-                                      <p:to>
-                                        <a:srgbClr val="B2B2B2"/>
-                                      </p:to>
-                                    </p:animClr>
-                                  </p:subTnLst>
-                                </p:cTn>
-                              </p:par>
-                            </p:childTnLst>
-                          </p:cTn>
-                        </p:par>
-                      </p:childTnLst>
-                    </p:cTn>
-                  </p:par>
-                  <p:par>
-                    <p:cTn id="23" fill="hold">
-                      <p:stCondLst>
-                        <p:cond delay="indefinite"/>
-                      </p:stCondLst>
-                      <p:childTnLst>
-                        <p:par>
-                          <p:cTn id="24" fill="hold">
-                            <p:stCondLst>
-                              <p:cond delay="0"/>
-                            </p:stCondLst>
-                            <p:childTnLst>
-                              <p:par>
-                                <p:cTn id="25" presetID="10" presetClass="entr" presetSubtype="0" fill="hold" grpId="0" nodeType="clickEffect">
-                                  <p:stCondLst>
-                                    <p:cond delay="0"/>
-                                  </p:stCondLst>
-                                  <p:childTnLst>
-                                    <p:set>
-                                      <p:cBhvr>
-                                        <p:cTn id="26" dur="1" fill="hold">
-                                          <p:stCondLst>
-                                            <p:cond delay="0"/>
-                                          </p:stCondLst>
-                                        </p:cTn>
-                                        <p:tgtEl>
-                                          <p:spTgt spid="3">
-                                            <p:txEl>
-                                              <p:pRg st="4" end="4"/>
-                                            </p:txEl>
-                                          </p:spTgt>
-                                        </p:tgtEl>
-                                        <p:attrNameLst>
-                                          <p:attrName>style.visibility</p:attrName>
-                                        </p:attrNameLst>
-                                      </p:cBhvr>
-                                      <p:to>
-                                        <p:strVal val="visible"/>
-                                      </p:to>
-                                    </p:set>
-                                    <p:animEffect transition="in" filter="fade">
-                                      <p:cBhvr>
-                                        <p:cTn id="27" dur="500"/>
-                                        <p:tgtEl>
-                                          <p:spTgt spid="3">
-                                            <p:txEl>
-                                              <p:pRg st="4" end="4"/>
-                                            </p:txEl>
-                                          </p:spTgt>
-                                        </p:tgtEl>
-                                      </p:cBhvr>
-                                    </p:animEffect>
-                                  </p:childTnLst>
-                                  <p:subTnLst>
-                                    <p:animClr clrSpc="rgb" dir="cw">
-                                      <p:cBhvr override="childStyle">
-                                        <p:cTn dur="1" fill="hold" display="0" masterRel="nextClick" afterEffect="1"/>
-                                        <p:tgtEl>
-                                          <p:spTgt spid="3">
-                                            <p:txEl>
-                                              <p:pRg st="4" end="4"/>
-                                            </p:txEl>
-                                          </p:spTgt>
-                                        </p:tgtEl>
-                                        <p:attrNameLst>
-                                          <p:attrName>ppt_c</p:attrName>
-                                        </p:attrNameLst>
-                                      </p:cBhvr>
-                                      <p:to>
-                                        <a:srgbClr val="B2B2B2"/>
-                                      </p:to>
-                                    </p:animClr>
-                                  </p:subTnLst>
-                                </p:cTn>
-                              </p:par>
-                            </p:childTnLst>
-                          </p:cTn>
-                        </p:par>
-                      </p:childTnLst>
-                    </p:cTn>
-                  </p:par>
                 </p:childTnLst>
               </p:cTn>
               <p:prevCondLst>
@@ -14837,178 +14610,6 @@
 </file>
 
 <file path=ppt/slides/slide20.xml><?xml version="1.0" encoding="utf-8"?>
-<p:sld xmlns:a="http://schemas.openxmlformats.org/drawingml/2006/main" xmlns:r="http://schemas.openxmlformats.org/officeDocument/2006/relationships" xmlns:p="http://schemas.openxmlformats.org/presentationml/2006/main">
-  <p:cSld>
-    <p:spTree>
-      <p:nvGrpSpPr>
-        <p:cNvPr id="1" name=""/>
-        <p:cNvGrpSpPr/>
-        <p:nvPr/>
-      </p:nvGrpSpPr>
-      <p:grpSpPr>
-        <a:xfrm>
-          <a:off x="0" y="0"/>
-          <a:ext cx="0" cy="0"/>
-          <a:chOff x="0" y="0"/>
-          <a:chExt cx="0" cy="0"/>
-        </a:xfrm>
-      </p:grpSpPr>
-      <p:pic>
-        <p:nvPicPr>
-          <p:cNvPr id="4098" name="Picture 2" descr="Cookie Taste Test - Andre's Kitchen - Video Explode">
-            <a:extLst>
-              <a:ext uri="{FF2B5EF4-FFF2-40B4-BE49-F238E27FC236}">
-                <a16:creationId xmlns:a16="http://schemas.microsoft.com/office/drawing/2014/main" id="{9DD94749-A299-4272-88B5-E4D0AF8ADCFA}"/>
-              </a:ext>
-            </a:extLst>
-          </p:cNvPr>
-          <p:cNvPicPr>
-            <a:picLocks noChangeAspect="1" noChangeArrowheads="1"/>
-          </p:cNvPicPr>
-          <p:nvPr/>
-        </p:nvPicPr>
-        <p:blipFill>
-          <a:blip r:embed="rId3">
-            <a:extLst>
-              <a:ext uri="{28A0092B-C50C-407E-A947-70E740481C1C}">
-                <a14:useLocalDpi xmlns:a14="http://schemas.microsoft.com/office/drawing/2010/main" val="0"/>
-              </a:ext>
-            </a:extLst>
-          </a:blip>
-          <a:srcRect/>
-          <a:stretch>
-            <a:fillRect/>
-          </a:stretch>
-        </p:blipFill>
-        <p:spPr bwMode="auto">
-          <a:xfrm>
-            <a:off x="0" y="0"/>
-            <a:ext cx="12192000" cy="6858000"/>
-          </a:xfrm>
-          <a:prstGeom prst="rect">
-            <a:avLst/>
-          </a:prstGeom>
-          <a:noFill/>
-          <a:extLst>
-            <a:ext uri="{909E8E84-426E-40DD-AFC4-6F175D3DCCD1}">
-              <a14:hiddenFill xmlns:a14="http://schemas.microsoft.com/office/drawing/2010/main">
-                <a:solidFill>
-                  <a:srgbClr val="FFFFFF"/>
-                </a:solidFill>
-              </a14:hiddenFill>
-            </a:ext>
-          </a:extLst>
-        </p:spPr>
-      </p:pic>
-      <p:sp>
-        <p:nvSpPr>
-          <p:cNvPr id="3" name="Rectangle 2">
-            <a:extLst>
-              <a:ext uri="{FF2B5EF4-FFF2-40B4-BE49-F238E27FC236}">
-                <a16:creationId xmlns:a16="http://schemas.microsoft.com/office/drawing/2014/main" id="{8A26DCBE-EFA4-4158-BEB8-4A2AE2C02E5C}"/>
-              </a:ext>
-            </a:extLst>
-          </p:cNvPr>
-          <p:cNvSpPr/>
-          <p:nvPr/>
-        </p:nvSpPr>
-        <p:spPr>
-          <a:xfrm>
-            <a:off x="0" y="0"/>
-            <a:ext cx="12192000" cy="6864059"/>
-          </a:xfrm>
-          <a:prstGeom prst="rect">
-            <a:avLst/>
-          </a:prstGeom>
-          <a:solidFill>
-            <a:srgbClr val="0F69B6">
-              <a:alpha val="75000"/>
-            </a:srgbClr>
-          </a:solidFill>
-          <a:ln>
-            <a:noFill/>
-          </a:ln>
-        </p:spPr>
-        <p:style>
-          <a:lnRef idx="2">
-            <a:schemeClr val="accent1">
-              <a:shade val="50000"/>
-            </a:schemeClr>
-          </a:lnRef>
-          <a:fillRef idx="1">
-            <a:schemeClr val="accent1"/>
-          </a:fillRef>
-          <a:effectRef idx="0">
-            <a:schemeClr val="accent1"/>
-          </a:effectRef>
-          <a:fontRef idx="minor">
-            <a:schemeClr val="lt1"/>
-          </a:fontRef>
-        </p:style>
-        <p:txBody>
-          <a:bodyPr rtlCol="0" anchor="ctr"/>
-          <a:lstStyle/>
-          <a:p>
-            <a:pPr algn="ctr"/>
-            <a:endParaRPr lang="en-GB"/>
-          </a:p>
-        </p:txBody>
-      </p:sp>
-      <p:sp>
-        <p:nvSpPr>
-          <p:cNvPr id="2" name="Title 1">
-            <a:extLst>
-              <a:ext uri="{FF2B5EF4-FFF2-40B4-BE49-F238E27FC236}">
-                <a16:creationId xmlns:a16="http://schemas.microsoft.com/office/drawing/2014/main" id="{23961254-86DC-4239-85AC-F87EEB565B01}"/>
-              </a:ext>
-            </a:extLst>
-          </p:cNvPr>
-          <p:cNvSpPr>
-            <a:spLocks noGrp="1"/>
-          </p:cNvSpPr>
-          <p:nvPr>
-            <p:ph type="title"/>
-          </p:nvPr>
-        </p:nvSpPr>
-        <p:spPr>
-          <a:xfrm>
-            <a:off x="-98474" y="-182880"/>
-            <a:ext cx="11493305" cy="7040879"/>
-          </a:xfrm>
-        </p:spPr>
-        <p:txBody>
-          <a:bodyPr>
-            <a:normAutofit/>
-          </a:bodyPr>
-          <a:lstStyle/>
-          <a:p>
-            <a:pPr algn="ctr"/>
-            <a:r>
-              <a:rPr lang="en-US" sz="12000" dirty="0">
-                <a:solidFill>
-                  <a:schemeClr val="bg1"/>
-                </a:solidFill>
-                <a:latin typeface="+mn-lt"/>
-              </a:rPr>
-              <a:t>Demo</a:t>
-            </a:r>
-          </a:p>
-        </p:txBody>
-      </p:sp>
-    </p:spTree>
-    <p:extLst>
-      <p:ext uri="{BB962C8B-B14F-4D97-AF65-F5344CB8AC3E}">
-        <p14:creationId xmlns:p14="http://schemas.microsoft.com/office/powerpoint/2010/main" val="3669998642"/>
-      </p:ext>
-    </p:extLst>
-  </p:cSld>
-  <p:clrMapOvr>
-    <a:masterClrMapping/>
-  </p:clrMapOvr>
-</p:sld>
-</file>
-
-<file path=ppt/slides/slide21.xml><?xml version="1.0" encoding="utf-8"?>
 <p:sld xmlns:a="http://schemas.openxmlformats.org/drawingml/2006/main" xmlns:r="http://schemas.openxmlformats.org/officeDocument/2006/relationships" xmlns:p="http://schemas.openxmlformats.org/presentationml/2006/main">
   <p:cSld>
     <p:spTree>
@@ -15799,7 +15400,7 @@
 </p:sld>
 </file>
 
-<file path=ppt/slides/slide22.xml><?xml version="1.0" encoding="utf-8"?>
+<file path=ppt/slides/slide21.xml><?xml version="1.0" encoding="utf-8"?>
 <p:sld xmlns:a="http://schemas.openxmlformats.org/drawingml/2006/main" xmlns:r="http://schemas.openxmlformats.org/officeDocument/2006/relationships" xmlns:p="http://schemas.openxmlformats.org/presentationml/2006/main">
   <p:cSld>
     <p:spTree>
@@ -16150,7 +15751,7 @@
 </p:sld>
 </file>
 
-<file path=ppt/slides/slide23.xml><?xml version="1.0" encoding="utf-8"?>
+<file path=ppt/slides/slide22.xml><?xml version="1.0" encoding="utf-8"?>
 <p:sld xmlns:a="http://schemas.openxmlformats.org/drawingml/2006/main" xmlns:r="http://schemas.openxmlformats.org/officeDocument/2006/relationships" xmlns:p="http://schemas.openxmlformats.org/presentationml/2006/main">
   <p:cSld>
     <p:spTree>
@@ -16252,8 +15853,13 @@
           <a:p>
             <a:r>
               <a:rPr lang="en-US" dirty="0"/>
-              <a:t>Less footguns</a:t>
-            </a:r>
+              <a:t>Less gotchas than </a:t>
+            </a:r>
+            <a:r>
+              <a:rPr lang="en-US" dirty="0" err="1"/>
+              <a:t>IHostedService</a:t>
+            </a:r>
+            <a:endParaRPr lang="en-US" dirty="0"/>
           </a:p>
           <a:p>
             <a:pPr lvl="1"/>
@@ -16275,13 +15881,9 @@
             </a:r>
           </a:p>
           <a:p>
-            <a:pPr lvl="1"/>
-            <a:endParaRPr lang="en-US" dirty="0"/>
-          </a:p>
-          <a:p>
             <a:r>
               <a:rPr lang="en-US" dirty="0"/>
-              <a:t>Want an endpoint to health check your background task runner</a:t>
+              <a:t>Want an ASP.NET Core endpoint to health check your background task</a:t>
             </a:r>
           </a:p>
           <a:p>
@@ -16986,7 +16588,7 @@
                                         <p:tgtEl>
                                           <p:spTgt spid="3">
                                             <p:txEl>
-                                              <p:pRg st="6" end="6"/>
+                                              <p:pRg st="5" end="5"/>
                                             </p:txEl>
                                           </p:spTgt>
                                         </p:tgtEl>
@@ -17004,7 +16606,7 @@
                                         <p:tgtEl>
                                           <p:spTgt spid="3">
                                             <p:txEl>
-                                              <p:pRg st="6" end="6"/>
+                                              <p:pRg st="5" end="5"/>
                                             </p:txEl>
                                           </p:spTgt>
                                         </p:tgtEl>
@@ -17018,7 +16620,7 @@
                                         <p:tgtEl>
                                           <p:spTgt spid="3">
                                             <p:txEl>
-                                              <p:pRg st="6" end="6"/>
+                                              <p:pRg st="5" end="5"/>
                                             </p:txEl>
                                           </p:spTgt>
                                         </p:tgtEl>
@@ -17049,7 +16651,7 @@
                                         <p:tgtEl>
                                           <p:spTgt spid="3">
                                             <p:txEl>
-                                              <p:pRg st="7" end="7"/>
+                                              <p:pRg st="6" end="6"/>
                                             </p:txEl>
                                           </p:spTgt>
                                         </p:tgtEl>
@@ -17067,7 +16669,7 @@
                                         <p:tgtEl>
                                           <p:spTgt spid="3">
                                             <p:txEl>
-                                              <p:pRg st="7" end="7"/>
+                                              <p:pRg st="6" end="6"/>
                                             </p:txEl>
                                           </p:spTgt>
                                         </p:tgtEl>
@@ -17081,7 +16683,7 @@
                                         <p:tgtEl>
                                           <p:spTgt spid="3">
                                             <p:txEl>
-                                              <p:pRg st="7" end="7"/>
+                                              <p:pRg st="6" end="6"/>
                                             </p:txEl>
                                           </p:spTgt>
                                         </p:tgtEl>
@@ -17130,7 +16732,7 @@
 </p:sld>
 </file>
 
-<file path=ppt/slides/slide24.xml><?xml version="1.0" encoding="utf-8"?>
+<file path=ppt/slides/slide23.xml><?xml version="1.0" encoding="utf-8"?>
 <p:sld xmlns:a="http://schemas.openxmlformats.org/drawingml/2006/main" xmlns:r="http://schemas.openxmlformats.org/officeDocument/2006/relationships" xmlns:p="http://schemas.openxmlformats.org/presentationml/2006/main">
   <p:cSld>
     <p:spTree>
@@ -17720,6 +17322,150 @@
                       </p:childTnLst>
                     </p:cTn>
                   </p:par>
+                  <p:par>
+                    <p:cTn id="11" fill="hold">
+                      <p:stCondLst>
+                        <p:cond delay="indefinite"/>
+                      </p:stCondLst>
+                      <p:childTnLst>
+                        <p:par>
+                          <p:cTn id="12" fill="hold">
+                            <p:stCondLst>
+                              <p:cond delay="0"/>
+                            </p:stCondLst>
+                            <p:childTnLst>
+                              <p:par>
+                                <p:cTn id="13" presetID="10" presetClass="entr" presetSubtype="0" fill="hold" grpId="0" nodeType="clickEffect">
+                                  <p:stCondLst>
+                                    <p:cond delay="0"/>
+                                  </p:stCondLst>
+                                  <p:childTnLst>
+                                    <p:set>
+                                      <p:cBhvr>
+                                        <p:cTn id="14" dur="1" fill="hold">
+                                          <p:stCondLst>
+                                            <p:cond delay="0"/>
+                                          </p:stCondLst>
+                                        </p:cTn>
+                                        <p:tgtEl>
+                                          <p:spTgt spid="3">
+                                            <p:txEl>
+                                              <p:pRg st="2" end="2"/>
+                                            </p:txEl>
+                                          </p:spTgt>
+                                        </p:tgtEl>
+                                        <p:attrNameLst>
+                                          <p:attrName>style.visibility</p:attrName>
+                                        </p:attrNameLst>
+                                      </p:cBhvr>
+                                      <p:to>
+                                        <p:strVal val="visible"/>
+                                      </p:to>
+                                    </p:set>
+                                    <p:animEffect transition="in" filter="fade">
+                                      <p:cBhvr>
+                                        <p:cTn id="15" dur="500"/>
+                                        <p:tgtEl>
+                                          <p:spTgt spid="3">
+                                            <p:txEl>
+                                              <p:pRg st="2" end="2"/>
+                                            </p:txEl>
+                                          </p:spTgt>
+                                        </p:tgtEl>
+                                      </p:cBhvr>
+                                    </p:animEffect>
+                                  </p:childTnLst>
+                                  <p:subTnLst>
+                                    <p:animClr clrSpc="rgb" dir="cw">
+                                      <p:cBhvr override="childStyle">
+                                        <p:cTn dur="1" fill="hold" display="0" masterRel="nextClick" afterEffect="1"/>
+                                        <p:tgtEl>
+                                          <p:spTgt spid="3">
+                                            <p:txEl>
+                                              <p:pRg st="2" end="2"/>
+                                            </p:txEl>
+                                          </p:spTgt>
+                                        </p:tgtEl>
+                                        <p:attrNameLst>
+                                          <p:attrName>ppt_c</p:attrName>
+                                        </p:attrNameLst>
+                                      </p:cBhvr>
+                                      <p:to>
+                                        <a:srgbClr val="B2B2B2"/>
+                                      </p:to>
+                                    </p:animClr>
+                                  </p:subTnLst>
+                                </p:cTn>
+                              </p:par>
+                              <p:par>
+                                <p:cTn id="16" presetID="10" presetClass="entr" presetSubtype="0" fill="hold" grpId="0" nodeType="withEffect">
+                                  <p:stCondLst>
+                                    <p:cond delay="0"/>
+                                  </p:stCondLst>
+                                  <p:childTnLst>
+                                    <p:set>
+                                      <p:cBhvr>
+                                        <p:cTn id="17" dur="1" fill="hold">
+                                          <p:stCondLst>
+                                            <p:cond delay="0"/>
+                                          </p:stCondLst>
+                                        </p:cTn>
+                                        <p:tgtEl>
+                                          <p:spTgt spid="3">
+                                            <p:txEl>
+                                              <p:pRg st="3" end="3"/>
+                                            </p:txEl>
+                                          </p:spTgt>
+                                        </p:tgtEl>
+                                        <p:attrNameLst>
+                                          <p:attrName>style.visibility</p:attrName>
+                                        </p:attrNameLst>
+                                      </p:cBhvr>
+                                      <p:to>
+                                        <p:strVal val="visible"/>
+                                      </p:to>
+                                    </p:set>
+                                    <p:animEffect transition="in" filter="fade">
+                                      <p:cBhvr>
+                                        <p:cTn id="18" dur="500"/>
+                                        <p:tgtEl>
+                                          <p:spTgt spid="3">
+                                            <p:txEl>
+                                              <p:pRg st="3" end="3"/>
+                                            </p:txEl>
+                                          </p:spTgt>
+                                        </p:tgtEl>
+                                      </p:cBhvr>
+                                    </p:animEffect>
+                                  </p:childTnLst>
+                                  <p:subTnLst>
+                                    <p:animClr clrSpc="rgb" dir="cw">
+                                      <p:cBhvr override="childStyle">
+                                        <p:cTn dur="1" fill="hold" display="0" masterRel="nextClick" afterEffect="1"/>
+                                        <p:tgtEl>
+                                          <p:spTgt spid="3">
+                                            <p:txEl>
+                                              <p:pRg st="3" end="3"/>
+                                            </p:txEl>
+                                          </p:spTgt>
+                                        </p:tgtEl>
+                                        <p:attrNameLst>
+                                          <p:attrName>ppt_c</p:attrName>
+                                        </p:attrNameLst>
+                                      </p:cBhvr>
+                                      <p:to>
+                                        <a:srgbClr val="B2B2B2"/>
+                                      </p:to>
+                                    </p:animClr>
+                                  </p:subTnLst>
+                                </p:cTn>
+                              </p:par>
+                            </p:childTnLst>
+                          </p:cTn>
+                        </p:par>
+                      </p:childTnLst>
+                    </p:cTn>
+                  </p:par>
                 </p:childTnLst>
               </p:cTn>
               <p:prevCondLst>
@@ -17742,13 +17488,13 @@
       </p:par>
     </p:tnLst>
     <p:bldLst>
-      <p:bldP spid="3" grpId="0" build="p"/>
+      <p:bldP spid="3" grpId="0" uiExpand="1" build="p"/>
     </p:bldLst>
   </p:timing>
 </p:sld>
 </file>
 
-<file path=ppt/slides/slide25.xml><?xml version="1.0" encoding="utf-8"?>
+<file path=ppt/slides/slide24.xml><?xml version="1.0" encoding="utf-8"?>
 <p:sld xmlns:a="http://schemas.openxmlformats.org/drawingml/2006/main" xmlns:r="http://schemas.openxmlformats.org/officeDocument/2006/relationships" xmlns:p="http://schemas.openxmlformats.org/presentationml/2006/main">
   <p:cSld>
     <p:spTree>
@@ -17952,7 +17698,7 @@
 </p:sld>
 </file>
 
-<file path=ppt/slides/slide26.xml><?xml version="1.0" encoding="utf-8"?>
+<file path=ppt/slides/slide25.xml><?xml version="1.0" encoding="utf-8"?>
 <p:sld xmlns:a="http://schemas.openxmlformats.org/drawingml/2006/main" xmlns:r="http://schemas.openxmlformats.org/officeDocument/2006/relationships" xmlns:p="http://schemas.openxmlformats.org/presentationml/2006/main">
   <p:cSld>
     <p:spTree>
@@ -19086,7 +18832,7 @@
 </p:sld>
 </file>
 
-<file path=ppt/slides/slide27.xml><?xml version="1.0" encoding="utf-8"?>
+<file path=ppt/slides/slide26.xml><?xml version="1.0" encoding="utf-8"?>
 <p:sld xmlns:a="http://schemas.openxmlformats.org/drawingml/2006/main" xmlns:r="http://schemas.openxmlformats.org/officeDocument/2006/relationships" xmlns:p="http://schemas.openxmlformats.org/presentationml/2006/main">
   <p:cSld>
     <p:spTree>
@@ -19258,7 +19004,7 @@
 </p:sld>
 </file>
 
-<file path=ppt/slides/slide28.xml><?xml version="1.0" encoding="utf-8"?>
+<file path=ppt/slides/slide27.xml><?xml version="1.0" encoding="utf-8"?>
 <p:sld xmlns:a="http://schemas.openxmlformats.org/drawingml/2006/main" xmlns:r="http://schemas.openxmlformats.org/officeDocument/2006/relationships" xmlns:p="http://schemas.openxmlformats.org/presentationml/2006/main">
   <p:cSld>
     <p:spTree>
@@ -19726,165 +19472,10 @@
   <p:clrMapOvr>
     <a:masterClrMapping/>
   </p:clrMapOvr>
-  <p:timing>
-    <p:tnLst>
-      <p:par>
-        <p:cTn id="1" dur="indefinite" restart="never" nodeType="tmRoot">
-          <p:childTnLst>
-            <p:seq concurrent="1" nextAc="seek">
-              <p:cTn id="2" dur="indefinite" nodeType="mainSeq">
-                <p:childTnLst>
-                  <p:par>
-                    <p:cTn id="3" fill="hold">
-                      <p:stCondLst>
-                        <p:cond delay="indefinite"/>
-                      </p:stCondLst>
-                      <p:childTnLst>
-                        <p:par>
-                          <p:cTn id="4" fill="hold">
-                            <p:stCondLst>
-                              <p:cond delay="0"/>
-                            </p:stCondLst>
-                            <p:childTnLst>
-                              <p:par>
-                                <p:cTn id="5" presetID="10" presetClass="entr" presetSubtype="0" fill="hold" grpId="0" nodeType="clickEffect">
-                                  <p:stCondLst>
-                                    <p:cond delay="0"/>
-                                  </p:stCondLst>
-                                  <p:childTnLst>
-                                    <p:set>
-                                      <p:cBhvr>
-                                        <p:cTn id="6" dur="1" fill="hold">
-                                          <p:stCondLst>
-                                            <p:cond delay="0"/>
-                                          </p:stCondLst>
-                                        </p:cTn>
-                                        <p:tgtEl>
-                                          <p:spTgt spid="3">
-                                            <p:txEl>
-                                              <p:pRg st="0" end="0"/>
-                                            </p:txEl>
-                                          </p:spTgt>
-                                        </p:tgtEl>
-                                        <p:attrNameLst>
-                                          <p:attrName>style.visibility</p:attrName>
-                                        </p:attrNameLst>
-                                      </p:cBhvr>
-                                      <p:to>
-                                        <p:strVal val="visible"/>
-                                      </p:to>
-                                    </p:set>
-                                    <p:animEffect transition="in" filter="fade">
-                                      <p:cBhvr>
-                                        <p:cTn id="7" dur="500"/>
-                                        <p:tgtEl>
-                                          <p:spTgt spid="3">
-                                            <p:txEl>
-                                              <p:pRg st="0" end="0"/>
-                                            </p:txEl>
-                                          </p:spTgt>
-                                        </p:tgtEl>
-                                      </p:cBhvr>
-                                    </p:animEffect>
-                                  </p:childTnLst>
-                                </p:cTn>
-                              </p:par>
-                            </p:childTnLst>
-                          </p:cTn>
-                        </p:par>
-                      </p:childTnLst>
-                    </p:cTn>
-                  </p:par>
-                  <p:par>
-                    <p:cTn id="8" fill="hold">
-                      <p:stCondLst>
-                        <p:cond delay="indefinite"/>
-                      </p:stCondLst>
-                      <p:childTnLst>
-                        <p:par>
-                          <p:cTn id="9" fill="hold">
-                            <p:stCondLst>
-                              <p:cond delay="0"/>
-                            </p:stCondLst>
-                            <p:childTnLst>
-                              <p:par>
-                                <p:cTn id="10" presetID="10" presetClass="entr" presetSubtype="0" fill="hold" grpId="0" nodeType="clickEffect">
-                                  <p:stCondLst>
-                                    <p:cond delay="0"/>
-                                  </p:stCondLst>
-                                  <p:childTnLst>
-                                    <p:set>
-                                      <p:cBhvr>
-                                        <p:cTn id="11" dur="1" fill="hold">
-                                          <p:stCondLst>
-                                            <p:cond delay="0"/>
-                                          </p:stCondLst>
-                                        </p:cTn>
-                                        <p:tgtEl>
-                                          <p:spTgt spid="3">
-                                            <p:txEl>
-                                              <p:pRg st="1" end="1"/>
-                                            </p:txEl>
-                                          </p:spTgt>
-                                        </p:tgtEl>
-                                        <p:attrNameLst>
-                                          <p:attrName>style.visibility</p:attrName>
-                                        </p:attrNameLst>
-                                      </p:cBhvr>
-                                      <p:to>
-                                        <p:strVal val="visible"/>
-                                      </p:to>
-                                    </p:set>
-                                    <p:animEffect transition="in" filter="fade">
-                                      <p:cBhvr>
-                                        <p:cTn id="12" dur="500"/>
-                                        <p:tgtEl>
-                                          <p:spTgt spid="3">
-                                            <p:txEl>
-                                              <p:pRg st="1" end="1"/>
-                                            </p:txEl>
-                                          </p:spTgt>
-                                        </p:tgtEl>
-                                      </p:cBhvr>
-                                    </p:animEffect>
-                                  </p:childTnLst>
-                                </p:cTn>
-                              </p:par>
-                            </p:childTnLst>
-                          </p:cTn>
-                        </p:par>
-                      </p:childTnLst>
-                    </p:cTn>
-                  </p:par>
-                </p:childTnLst>
-              </p:cTn>
-              <p:prevCondLst>
-                <p:cond evt="onPrev" delay="0">
-                  <p:tgtEl>
-                    <p:sldTgt/>
-                  </p:tgtEl>
-                </p:cond>
-              </p:prevCondLst>
-              <p:nextCondLst>
-                <p:cond evt="onNext" delay="0">
-                  <p:tgtEl>
-                    <p:sldTgt/>
-                  </p:tgtEl>
-                </p:cond>
-              </p:nextCondLst>
-            </p:seq>
-          </p:childTnLst>
-        </p:cTn>
-      </p:par>
-    </p:tnLst>
-    <p:bldLst>
-      <p:bldP spid="3" grpId="0" uiExpand="1" build="p"/>
-    </p:bldLst>
-  </p:timing>
 </p:sld>
 </file>
 
-<file path=ppt/slides/slide29.xml><?xml version="1.0" encoding="utf-8"?>
+<file path=ppt/slides/slide28.xml><?xml version="1.0" encoding="utf-8"?>
 <p:sld xmlns:a="http://schemas.openxmlformats.org/drawingml/2006/main" xmlns:r="http://schemas.openxmlformats.org/officeDocument/2006/relationships" xmlns:p="http://schemas.openxmlformats.org/presentationml/2006/main">
   <p:cSld>
     <p:spTree>
@@ -20522,6 +20113,41 @@
                                   </p:childTnLst>
                                 </p:cTn>
                               </p:par>
+                              <p:par>
+                                <p:cTn id="16" presetID="10" presetClass="entr" presetSubtype="0" fill="hold" nodeType="withEffect">
+                                  <p:stCondLst>
+                                    <p:cond delay="0"/>
+                                  </p:stCondLst>
+                                  <p:childTnLst>
+                                    <p:set>
+                                      <p:cBhvr>
+                                        <p:cTn id="17" dur="1" fill="hold">
+                                          <p:stCondLst>
+                                            <p:cond delay="0"/>
+                                          </p:stCondLst>
+                                        </p:cTn>
+                                        <p:tgtEl>
+                                          <p:spTgt spid="8196"/>
+                                        </p:tgtEl>
+                                        <p:attrNameLst>
+                                          <p:attrName>style.visibility</p:attrName>
+                                        </p:attrNameLst>
+                                      </p:cBhvr>
+                                      <p:to>
+                                        <p:strVal val="visible"/>
+                                      </p:to>
+                                    </p:set>
+                                    <p:animEffect transition="in" filter="fade">
+                                      <p:cBhvr>
+                                        <p:cTn id="18" dur="500"/>
+                                        <p:tgtEl>
+                                          <p:spTgt spid="8196"/>
+                                        </p:tgtEl>
+                                      </p:cBhvr>
+                                    </p:animEffect>
+                                  </p:childTnLst>
+                                </p:cTn>
+                              </p:par>
                             </p:childTnLst>
                           </p:cTn>
                         </p:par>
@@ -20556,452 +20182,7 @@
 </p:sld>
 </file>
 
-<file path=ppt/slides/slide3.xml><?xml version="1.0" encoding="utf-8"?>
-<p:sld xmlns:a="http://schemas.openxmlformats.org/drawingml/2006/main" xmlns:r="http://schemas.openxmlformats.org/officeDocument/2006/relationships" xmlns:p="http://schemas.openxmlformats.org/presentationml/2006/main">
-  <p:cSld>
-    <p:spTree>
-      <p:nvGrpSpPr>
-        <p:cNvPr id="1" name=""/>
-        <p:cNvGrpSpPr/>
-        <p:nvPr/>
-      </p:nvGrpSpPr>
-      <p:grpSpPr>
-        <a:xfrm>
-          <a:off x="0" y="0"/>
-          <a:ext cx="0" cy="0"/>
-          <a:chOff x="0" y="0"/>
-          <a:chExt cx="0" cy="0"/>
-        </a:xfrm>
-      </p:grpSpPr>
-      <p:sp>
-        <p:nvSpPr>
-          <p:cNvPr id="2" name="Title 1"/>
-          <p:cNvSpPr>
-            <a:spLocks noGrp="1"/>
-          </p:cNvSpPr>
-          <p:nvPr>
-            <p:ph type="title"/>
-          </p:nvPr>
-        </p:nvSpPr>
-        <p:spPr/>
-        <p:txBody>
-          <a:bodyPr/>
-          <a:lstStyle/>
-          <a:p>
-            <a:r>
-              <a:rPr lang="en-US" dirty="0">
-                <a:solidFill>
-                  <a:schemeClr val="bg1">
-                    <a:lumMod val="65000"/>
-                  </a:schemeClr>
-                </a:solidFill>
-              </a:rPr>
-              <a:t>Agenda</a:t>
-            </a:r>
-          </a:p>
-        </p:txBody>
-      </p:sp>
-      <p:sp>
-        <p:nvSpPr>
-          <p:cNvPr id="3" name="Content Placeholder 2"/>
-          <p:cNvSpPr>
-            <a:spLocks noGrp="1"/>
-          </p:cNvSpPr>
-          <p:nvPr>
-            <p:ph idx="1"/>
-          </p:nvPr>
-        </p:nvSpPr>
-        <p:spPr>
-          <a:xfrm>
-            <a:off x="838200" y="1825625"/>
-            <a:ext cx="10515600" cy="4834108"/>
-          </a:xfrm>
-        </p:spPr>
-        <p:txBody>
-          <a:bodyPr>
-            <a:normAutofit lnSpcReduction="10000"/>
-          </a:bodyPr>
-          <a:lstStyle/>
-          <a:p>
-            <a:r>
-              <a:rPr lang="en-US" dirty="0"/>
-              <a:t>What are background tasks/jobs?</a:t>
-            </a:r>
-          </a:p>
-          <a:p>
-            <a:r>
-              <a:rPr lang="en-US" dirty="0"/>
-              <a:t>What type of problems are suitable for a background task/job?</a:t>
-            </a:r>
-          </a:p>
-          <a:p>
-            <a:r>
-              <a:rPr lang="en-US" dirty="0"/>
-              <a:t>What options are out there?</a:t>
-            </a:r>
-          </a:p>
-          <a:p>
-            <a:pPr lvl="1"/>
-            <a:r>
-              <a:rPr lang="en-US" dirty="0" err="1"/>
-              <a:t>IHostedService</a:t>
-            </a:r>
-            <a:endParaRPr lang="en-US" dirty="0"/>
-          </a:p>
-          <a:p>
-            <a:pPr lvl="1"/>
-            <a:r>
-              <a:rPr lang="en-US" dirty="0" err="1"/>
-              <a:t>BackgroundService</a:t>
-            </a:r>
-            <a:endParaRPr lang="en-US" dirty="0"/>
-          </a:p>
-          <a:p>
-            <a:pPr lvl="1"/>
-            <a:r>
-              <a:rPr lang="en-US" dirty="0"/>
-              <a:t>Worker Service</a:t>
-            </a:r>
-          </a:p>
-          <a:p>
-            <a:pPr lvl="1"/>
-            <a:r>
-              <a:rPr lang="en-US" dirty="0" err="1"/>
-              <a:t>Hangfire</a:t>
-            </a:r>
-            <a:endParaRPr lang="en-US" dirty="0"/>
-          </a:p>
-          <a:p>
-            <a:r>
-              <a:rPr lang="en-US" dirty="0"/>
-              <a:t>Why would I choose one over the other?</a:t>
-            </a:r>
-          </a:p>
-          <a:p>
-            <a:r>
-              <a:rPr lang="en-US" dirty="0"/>
-              <a:t>Deep dive into each</a:t>
-            </a:r>
-          </a:p>
-          <a:p>
-            <a:r>
-              <a:rPr lang="en-US" dirty="0"/>
-              <a:t>Demos</a:t>
-            </a:r>
-          </a:p>
-          <a:p>
-            <a:r>
-              <a:rPr lang="en-US" dirty="0"/>
-              <a:t>Questions</a:t>
-            </a:r>
-          </a:p>
-        </p:txBody>
-      </p:sp>
-      <p:grpSp>
-        <p:nvGrpSpPr>
-          <p:cNvPr id="8" name="Group 7">
-            <a:extLst>
-              <a:ext uri="{FF2B5EF4-FFF2-40B4-BE49-F238E27FC236}">
-                <a16:creationId xmlns:a16="http://schemas.microsoft.com/office/drawing/2014/main" id="{E239A9CE-C7EB-4E97-86E4-7038185B0547}"/>
-              </a:ext>
-            </a:extLst>
-          </p:cNvPr>
-          <p:cNvGrpSpPr/>
-          <p:nvPr/>
-        </p:nvGrpSpPr>
-        <p:grpSpPr>
-          <a:xfrm>
-            <a:off x="9970651" y="6185410"/>
-            <a:ext cx="2130724" cy="474323"/>
-            <a:chOff x="9970651" y="6185410"/>
-            <a:chExt cx="2130724" cy="474323"/>
-          </a:xfrm>
-        </p:grpSpPr>
-        <p:sp>
-          <p:nvSpPr>
-            <p:cNvPr id="9" name="Subtitle 2">
-              <a:extLst>
-                <a:ext uri="{FF2B5EF4-FFF2-40B4-BE49-F238E27FC236}">
-                  <a16:creationId xmlns:a16="http://schemas.microsoft.com/office/drawing/2014/main" id="{2229353B-AF80-4FA1-A290-889FFCA819EF}"/>
-                </a:ext>
-              </a:extLst>
-            </p:cNvPr>
-            <p:cNvSpPr txBox="1">
-              <a:spLocks/>
-            </p:cNvSpPr>
-            <p:nvPr/>
-          </p:nvSpPr>
-          <p:spPr>
-            <a:xfrm>
-              <a:off x="10041147" y="6185410"/>
-              <a:ext cx="2060228" cy="474323"/>
-            </a:xfrm>
-            <a:prstGeom prst="rect">
-              <a:avLst/>
-            </a:prstGeom>
-          </p:spPr>
-          <p:txBody>
-            <a:bodyPr vert="horz" lIns="91440" tIns="45720" rIns="91440" bIns="45720" rtlCol="0">
-              <a:normAutofit/>
-            </a:bodyPr>
-            <a:lstStyle>
-              <a:lvl1pPr marL="0" indent="0" algn="ctr" defTabSz="914400" rtl="0" eaLnBrk="1" latinLnBrk="0" hangingPunct="1">
-                <a:lnSpc>
-                  <a:spcPct val="90000"/>
-                </a:lnSpc>
-                <a:spcBef>
-                  <a:spcPts val="1000"/>
-                </a:spcBef>
-                <a:buFont typeface="Arial" panose="020B0604020202020204" pitchFamily="34" charset="0"/>
-                <a:buNone/>
-                <a:defRPr sz="2400" kern="1200">
-                  <a:solidFill>
-                    <a:schemeClr val="tx1"/>
-                  </a:solidFill>
-                  <a:latin typeface="+mn-lt"/>
-                  <a:ea typeface="+mn-ea"/>
-                  <a:cs typeface="+mn-cs"/>
-                </a:defRPr>
-              </a:lvl1pPr>
-              <a:lvl2pPr marL="457200" indent="0" algn="ctr" defTabSz="914400" rtl="0" eaLnBrk="1" latinLnBrk="0" hangingPunct="1">
-                <a:lnSpc>
-                  <a:spcPct val="90000"/>
-                </a:lnSpc>
-                <a:spcBef>
-                  <a:spcPts val="500"/>
-                </a:spcBef>
-                <a:buFont typeface="Arial" panose="020B0604020202020204" pitchFamily="34" charset="0"/>
-                <a:buNone/>
-                <a:defRPr sz="2000" kern="1200">
-                  <a:solidFill>
-                    <a:schemeClr val="tx1"/>
-                  </a:solidFill>
-                  <a:latin typeface="+mn-lt"/>
-                  <a:ea typeface="+mn-ea"/>
-                  <a:cs typeface="+mn-cs"/>
-                </a:defRPr>
-              </a:lvl2pPr>
-              <a:lvl3pPr marL="914400" indent="0" algn="ctr" defTabSz="914400" rtl="0" eaLnBrk="1" latinLnBrk="0" hangingPunct="1">
-                <a:lnSpc>
-                  <a:spcPct val="90000"/>
-                </a:lnSpc>
-                <a:spcBef>
-                  <a:spcPts val="500"/>
-                </a:spcBef>
-                <a:buFont typeface="Arial" panose="020B0604020202020204" pitchFamily="34" charset="0"/>
-                <a:buNone/>
-                <a:defRPr sz="1800" kern="1200">
-                  <a:solidFill>
-                    <a:schemeClr val="tx1"/>
-                  </a:solidFill>
-                  <a:latin typeface="+mn-lt"/>
-                  <a:ea typeface="+mn-ea"/>
-                  <a:cs typeface="+mn-cs"/>
-                </a:defRPr>
-              </a:lvl3pPr>
-              <a:lvl4pPr marL="1371600" indent="0" algn="ctr" defTabSz="914400" rtl="0" eaLnBrk="1" latinLnBrk="0" hangingPunct="1">
-                <a:lnSpc>
-                  <a:spcPct val="90000"/>
-                </a:lnSpc>
-                <a:spcBef>
-                  <a:spcPts val="500"/>
-                </a:spcBef>
-                <a:buFont typeface="Arial" panose="020B0604020202020204" pitchFamily="34" charset="0"/>
-                <a:buNone/>
-                <a:defRPr sz="1600" kern="1200">
-                  <a:solidFill>
-                    <a:schemeClr val="tx1"/>
-                  </a:solidFill>
-                  <a:latin typeface="+mn-lt"/>
-                  <a:ea typeface="+mn-ea"/>
-                  <a:cs typeface="+mn-cs"/>
-                </a:defRPr>
-              </a:lvl4pPr>
-              <a:lvl5pPr marL="1828800" indent="0" algn="ctr" defTabSz="914400" rtl="0" eaLnBrk="1" latinLnBrk="0" hangingPunct="1">
-                <a:lnSpc>
-                  <a:spcPct val="90000"/>
-                </a:lnSpc>
-                <a:spcBef>
-                  <a:spcPts val="500"/>
-                </a:spcBef>
-                <a:buFont typeface="Arial" panose="020B0604020202020204" pitchFamily="34" charset="0"/>
-                <a:buNone/>
-                <a:defRPr sz="1600" kern="1200">
-                  <a:solidFill>
-                    <a:schemeClr val="tx1"/>
-                  </a:solidFill>
-                  <a:latin typeface="+mn-lt"/>
-                  <a:ea typeface="+mn-ea"/>
-                  <a:cs typeface="+mn-cs"/>
-                </a:defRPr>
-              </a:lvl5pPr>
-              <a:lvl6pPr marL="2286000" indent="0" algn="ctr" defTabSz="914400" rtl="0" eaLnBrk="1" latinLnBrk="0" hangingPunct="1">
-                <a:lnSpc>
-                  <a:spcPct val="90000"/>
-                </a:lnSpc>
-                <a:spcBef>
-                  <a:spcPts val="500"/>
-                </a:spcBef>
-                <a:buFont typeface="Arial" panose="020B0604020202020204" pitchFamily="34" charset="0"/>
-                <a:buNone/>
-                <a:defRPr sz="1600" kern="1200">
-                  <a:solidFill>
-                    <a:schemeClr val="tx1"/>
-                  </a:solidFill>
-                  <a:latin typeface="+mn-lt"/>
-                  <a:ea typeface="+mn-ea"/>
-                  <a:cs typeface="+mn-cs"/>
-                </a:defRPr>
-              </a:lvl6pPr>
-              <a:lvl7pPr marL="2743200" indent="0" algn="ctr" defTabSz="914400" rtl="0" eaLnBrk="1" latinLnBrk="0" hangingPunct="1">
-                <a:lnSpc>
-                  <a:spcPct val="90000"/>
-                </a:lnSpc>
-                <a:spcBef>
-                  <a:spcPts val="500"/>
-                </a:spcBef>
-                <a:buFont typeface="Arial" panose="020B0604020202020204" pitchFamily="34" charset="0"/>
-                <a:buNone/>
-                <a:defRPr sz="1600" kern="1200">
-                  <a:solidFill>
-                    <a:schemeClr val="tx1"/>
-                  </a:solidFill>
-                  <a:latin typeface="+mn-lt"/>
-                  <a:ea typeface="+mn-ea"/>
-                  <a:cs typeface="+mn-cs"/>
-                </a:defRPr>
-              </a:lvl7pPr>
-              <a:lvl8pPr marL="3200400" indent="0" algn="ctr" defTabSz="914400" rtl="0" eaLnBrk="1" latinLnBrk="0" hangingPunct="1">
-                <a:lnSpc>
-                  <a:spcPct val="90000"/>
-                </a:lnSpc>
-                <a:spcBef>
-                  <a:spcPts val="500"/>
-                </a:spcBef>
-                <a:buFont typeface="Arial" panose="020B0604020202020204" pitchFamily="34" charset="0"/>
-                <a:buNone/>
-                <a:defRPr sz="1600" kern="1200">
-                  <a:solidFill>
-                    <a:schemeClr val="tx1"/>
-                  </a:solidFill>
-                  <a:latin typeface="+mn-lt"/>
-                  <a:ea typeface="+mn-ea"/>
-                  <a:cs typeface="+mn-cs"/>
-                </a:defRPr>
-              </a:lvl8pPr>
-              <a:lvl9pPr marL="3657600" indent="0" algn="ctr" defTabSz="914400" rtl="0" eaLnBrk="1" latinLnBrk="0" hangingPunct="1">
-                <a:lnSpc>
-                  <a:spcPct val="90000"/>
-                </a:lnSpc>
-                <a:spcBef>
-                  <a:spcPts val="500"/>
-                </a:spcBef>
-                <a:buFont typeface="Arial" panose="020B0604020202020204" pitchFamily="34" charset="0"/>
-                <a:buNone/>
-                <a:defRPr sz="1600" kern="1200">
-                  <a:solidFill>
-                    <a:schemeClr val="tx1"/>
-                  </a:solidFill>
-                  <a:latin typeface="+mn-lt"/>
-                  <a:ea typeface="+mn-ea"/>
-                  <a:cs typeface="+mn-cs"/>
-                </a:defRPr>
-              </a:lvl9pPr>
-            </a:lstStyle>
-            <a:p>
-              <a:r>
-                <a:rPr lang="en-US" dirty="0" err="1">
-                  <a:solidFill>
-                    <a:schemeClr val="bg1">
-                      <a:lumMod val="65000"/>
-                    </a:schemeClr>
-                  </a:solidFill>
-                </a:rPr>
-                <a:t>scottsauber</a:t>
-              </a:r>
-              <a:endParaRPr lang="en-US" dirty="0">
-                <a:solidFill>
-                  <a:schemeClr val="bg1">
-                    <a:lumMod val="65000"/>
-                  </a:schemeClr>
-                </a:solidFill>
-              </a:endParaRPr>
-            </a:p>
-          </p:txBody>
-        </p:sp>
-        <p:sp>
-          <p:nvSpPr>
-            <p:cNvPr id="10" name="Rectangle 9">
-              <a:extLst>
-                <a:ext uri="{FF2B5EF4-FFF2-40B4-BE49-F238E27FC236}">
-                  <a16:creationId xmlns:a16="http://schemas.microsoft.com/office/drawing/2014/main" id="{8AA5A6B6-4F71-4CAB-A81F-16ECC8919324}"/>
-                </a:ext>
-              </a:extLst>
-            </p:cNvPr>
-            <p:cNvSpPr/>
-            <p:nvPr/>
-          </p:nvSpPr>
-          <p:spPr>
-            <a:xfrm>
-              <a:off x="9970651" y="6285411"/>
-              <a:ext cx="347472" cy="274320"/>
-            </a:xfrm>
-            <a:prstGeom prst="rect">
-              <a:avLst/>
-            </a:prstGeom>
-            <a:blipFill dpi="0" rotWithShape="1">
-              <a:blip r:embed="rId3">
-                <a:alphaModFix amt="50000"/>
-              </a:blip>
-              <a:srcRect/>
-              <a:stretch>
-                <a:fillRect/>
-              </a:stretch>
-            </a:blipFill>
-            <a:ln>
-              <a:noFill/>
-            </a:ln>
-          </p:spPr>
-          <p:style>
-            <a:lnRef idx="2">
-              <a:schemeClr val="accent1">
-                <a:shade val="50000"/>
-              </a:schemeClr>
-            </a:lnRef>
-            <a:fillRef idx="1">
-              <a:schemeClr val="accent1"/>
-            </a:fillRef>
-            <a:effectRef idx="0">
-              <a:schemeClr val="accent1"/>
-            </a:effectRef>
-            <a:fontRef idx="minor">
-              <a:schemeClr val="lt1"/>
-            </a:fontRef>
-          </p:style>
-          <p:txBody>
-            <a:bodyPr rtlCol="0" anchor="ctr"/>
-            <a:lstStyle/>
-            <a:p>
-              <a:pPr algn="ctr"/>
-              <a:endParaRPr lang="en-US"/>
-            </a:p>
-          </p:txBody>
-        </p:sp>
-      </p:grpSp>
-    </p:spTree>
-    <p:extLst>
-      <p:ext uri="{BB962C8B-B14F-4D97-AF65-F5344CB8AC3E}">
-        <p14:creationId xmlns:p14="http://schemas.microsoft.com/office/powerpoint/2010/main" val="776743380"/>
-      </p:ext>
-    </p:extLst>
-  </p:cSld>
-  <p:clrMapOvr>
-    <a:masterClrMapping/>
-  </p:clrMapOvr>
-</p:sld>
-</file>
-
-<file path=ppt/slides/slide30.xml><?xml version="1.0" encoding="utf-8"?>
+<file path=ppt/slides/slide29.xml><?xml version="1.0" encoding="utf-8"?>
 <p:sld xmlns:a="http://schemas.openxmlformats.org/drawingml/2006/main" xmlns:r="http://schemas.openxmlformats.org/officeDocument/2006/relationships" xmlns:p="http://schemas.openxmlformats.org/presentationml/2006/main">
   <p:cSld>
     <p:spTree>
@@ -21670,7 +20851,452 @@
 </p:sld>
 </file>
 
-<file path=ppt/slides/slide31.xml><?xml version="1.0" encoding="utf-8"?>
+<file path=ppt/slides/slide3.xml><?xml version="1.0" encoding="utf-8"?>
+<p:sld xmlns:a="http://schemas.openxmlformats.org/drawingml/2006/main" xmlns:r="http://schemas.openxmlformats.org/officeDocument/2006/relationships" xmlns:p="http://schemas.openxmlformats.org/presentationml/2006/main">
+  <p:cSld>
+    <p:spTree>
+      <p:nvGrpSpPr>
+        <p:cNvPr id="1" name=""/>
+        <p:cNvGrpSpPr/>
+        <p:nvPr/>
+      </p:nvGrpSpPr>
+      <p:grpSpPr>
+        <a:xfrm>
+          <a:off x="0" y="0"/>
+          <a:ext cx="0" cy="0"/>
+          <a:chOff x="0" y="0"/>
+          <a:chExt cx="0" cy="0"/>
+        </a:xfrm>
+      </p:grpSpPr>
+      <p:sp>
+        <p:nvSpPr>
+          <p:cNvPr id="2" name="Title 1"/>
+          <p:cNvSpPr>
+            <a:spLocks noGrp="1"/>
+          </p:cNvSpPr>
+          <p:nvPr>
+            <p:ph type="title"/>
+          </p:nvPr>
+        </p:nvSpPr>
+        <p:spPr/>
+        <p:txBody>
+          <a:bodyPr/>
+          <a:lstStyle/>
+          <a:p>
+            <a:r>
+              <a:rPr lang="en-US" dirty="0">
+                <a:solidFill>
+                  <a:schemeClr val="bg1">
+                    <a:lumMod val="65000"/>
+                  </a:schemeClr>
+                </a:solidFill>
+              </a:rPr>
+              <a:t>Agenda</a:t>
+            </a:r>
+          </a:p>
+        </p:txBody>
+      </p:sp>
+      <p:sp>
+        <p:nvSpPr>
+          <p:cNvPr id="3" name="Content Placeholder 2"/>
+          <p:cNvSpPr>
+            <a:spLocks noGrp="1"/>
+          </p:cNvSpPr>
+          <p:nvPr>
+            <p:ph idx="1"/>
+          </p:nvPr>
+        </p:nvSpPr>
+        <p:spPr>
+          <a:xfrm>
+            <a:off x="838200" y="1825625"/>
+            <a:ext cx="10515600" cy="4834108"/>
+          </a:xfrm>
+        </p:spPr>
+        <p:txBody>
+          <a:bodyPr>
+            <a:normAutofit lnSpcReduction="10000"/>
+          </a:bodyPr>
+          <a:lstStyle/>
+          <a:p>
+            <a:r>
+              <a:rPr lang="en-US" dirty="0"/>
+              <a:t>What are background tasks/jobs?</a:t>
+            </a:r>
+          </a:p>
+          <a:p>
+            <a:r>
+              <a:rPr lang="en-US" dirty="0"/>
+              <a:t>What type of problems are suitable for a background task/job?</a:t>
+            </a:r>
+          </a:p>
+          <a:p>
+            <a:r>
+              <a:rPr lang="en-US" dirty="0"/>
+              <a:t>What options are out there?</a:t>
+            </a:r>
+          </a:p>
+          <a:p>
+            <a:pPr lvl="1"/>
+            <a:r>
+              <a:rPr lang="en-US" dirty="0" err="1"/>
+              <a:t>IHostedService</a:t>
+            </a:r>
+            <a:endParaRPr lang="en-US" dirty="0"/>
+          </a:p>
+          <a:p>
+            <a:pPr lvl="1"/>
+            <a:r>
+              <a:rPr lang="en-US" dirty="0" err="1"/>
+              <a:t>BackgroundService</a:t>
+            </a:r>
+            <a:endParaRPr lang="en-US" dirty="0"/>
+          </a:p>
+          <a:p>
+            <a:pPr lvl="1"/>
+            <a:r>
+              <a:rPr lang="en-US" dirty="0"/>
+              <a:t>Worker Service</a:t>
+            </a:r>
+          </a:p>
+          <a:p>
+            <a:pPr lvl="1"/>
+            <a:r>
+              <a:rPr lang="en-US" dirty="0" err="1"/>
+              <a:t>Hangfire</a:t>
+            </a:r>
+            <a:endParaRPr lang="en-US" dirty="0"/>
+          </a:p>
+          <a:p>
+            <a:r>
+              <a:rPr lang="en-US" dirty="0"/>
+              <a:t>Why would I choose one over the other?</a:t>
+            </a:r>
+          </a:p>
+          <a:p>
+            <a:r>
+              <a:rPr lang="en-US" dirty="0"/>
+              <a:t>Deep dive into each</a:t>
+            </a:r>
+          </a:p>
+          <a:p>
+            <a:r>
+              <a:rPr lang="en-US" dirty="0"/>
+              <a:t>Demos</a:t>
+            </a:r>
+          </a:p>
+          <a:p>
+            <a:r>
+              <a:rPr lang="en-US" dirty="0"/>
+              <a:t>Questions</a:t>
+            </a:r>
+          </a:p>
+        </p:txBody>
+      </p:sp>
+      <p:grpSp>
+        <p:nvGrpSpPr>
+          <p:cNvPr id="8" name="Group 7">
+            <a:extLst>
+              <a:ext uri="{FF2B5EF4-FFF2-40B4-BE49-F238E27FC236}">
+                <a16:creationId xmlns:a16="http://schemas.microsoft.com/office/drawing/2014/main" id="{E239A9CE-C7EB-4E97-86E4-7038185B0547}"/>
+              </a:ext>
+            </a:extLst>
+          </p:cNvPr>
+          <p:cNvGrpSpPr/>
+          <p:nvPr/>
+        </p:nvGrpSpPr>
+        <p:grpSpPr>
+          <a:xfrm>
+            <a:off x="9970651" y="6185410"/>
+            <a:ext cx="2130724" cy="474323"/>
+            <a:chOff x="9970651" y="6185410"/>
+            <a:chExt cx="2130724" cy="474323"/>
+          </a:xfrm>
+        </p:grpSpPr>
+        <p:sp>
+          <p:nvSpPr>
+            <p:cNvPr id="9" name="Subtitle 2">
+              <a:extLst>
+                <a:ext uri="{FF2B5EF4-FFF2-40B4-BE49-F238E27FC236}">
+                  <a16:creationId xmlns:a16="http://schemas.microsoft.com/office/drawing/2014/main" id="{2229353B-AF80-4FA1-A290-889FFCA819EF}"/>
+                </a:ext>
+              </a:extLst>
+            </p:cNvPr>
+            <p:cNvSpPr txBox="1">
+              <a:spLocks/>
+            </p:cNvSpPr>
+            <p:nvPr/>
+          </p:nvSpPr>
+          <p:spPr>
+            <a:xfrm>
+              <a:off x="10041147" y="6185410"/>
+              <a:ext cx="2060228" cy="474323"/>
+            </a:xfrm>
+            <a:prstGeom prst="rect">
+              <a:avLst/>
+            </a:prstGeom>
+          </p:spPr>
+          <p:txBody>
+            <a:bodyPr vert="horz" lIns="91440" tIns="45720" rIns="91440" bIns="45720" rtlCol="0">
+              <a:normAutofit/>
+            </a:bodyPr>
+            <a:lstStyle>
+              <a:lvl1pPr marL="0" indent="0" algn="ctr" defTabSz="914400" rtl="0" eaLnBrk="1" latinLnBrk="0" hangingPunct="1">
+                <a:lnSpc>
+                  <a:spcPct val="90000"/>
+                </a:lnSpc>
+                <a:spcBef>
+                  <a:spcPts val="1000"/>
+                </a:spcBef>
+                <a:buFont typeface="Arial" panose="020B0604020202020204" pitchFamily="34" charset="0"/>
+                <a:buNone/>
+                <a:defRPr sz="2400" kern="1200">
+                  <a:solidFill>
+                    <a:schemeClr val="tx1"/>
+                  </a:solidFill>
+                  <a:latin typeface="+mn-lt"/>
+                  <a:ea typeface="+mn-ea"/>
+                  <a:cs typeface="+mn-cs"/>
+                </a:defRPr>
+              </a:lvl1pPr>
+              <a:lvl2pPr marL="457200" indent="0" algn="ctr" defTabSz="914400" rtl="0" eaLnBrk="1" latinLnBrk="0" hangingPunct="1">
+                <a:lnSpc>
+                  <a:spcPct val="90000"/>
+                </a:lnSpc>
+                <a:spcBef>
+                  <a:spcPts val="500"/>
+                </a:spcBef>
+                <a:buFont typeface="Arial" panose="020B0604020202020204" pitchFamily="34" charset="0"/>
+                <a:buNone/>
+                <a:defRPr sz="2000" kern="1200">
+                  <a:solidFill>
+                    <a:schemeClr val="tx1"/>
+                  </a:solidFill>
+                  <a:latin typeface="+mn-lt"/>
+                  <a:ea typeface="+mn-ea"/>
+                  <a:cs typeface="+mn-cs"/>
+                </a:defRPr>
+              </a:lvl2pPr>
+              <a:lvl3pPr marL="914400" indent="0" algn="ctr" defTabSz="914400" rtl="0" eaLnBrk="1" latinLnBrk="0" hangingPunct="1">
+                <a:lnSpc>
+                  <a:spcPct val="90000"/>
+                </a:lnSpc>
+                <a:spcBef>
+                  <a:spcPts val="500"/>
+                </a:spcBef>
+                <a:buFont typeface="Arial" panose="020B0604020202020204" pitchFamily="34" charset="0"/>
+                <a:buNone/>
+                <a:defRPr sz="1800" kern="1200">
+                  <a:solidFill>
+                    <a:schemeClr val="tx1"/>
+                  </a:solidFill>
+                  <a:latin typeface="+mn-lt"/>
+                  <a:ea typeface="+mn-ea"/>
+                  <a:cs typeface="+mn-cs"/>
+                </a:defRPr>
+              </a:lvl3pPr>
+              <a:lvl4pPr marL="1371600" indent="0" algn="ctr" defTabSz="914400" rtl="0" eaLnBrk="1" latinLnBrk="0" hangingPunct="1">
+                <a:lnSpc>
+                  <a:spcPct val="90000"/>
+                </a:lnSpc>
+                <a:spcBef>
+                  <a:spcPts val="500"/>
+                </a:spcBef>
+                <a:buFont typeface="Arial" panose="020B0604020202020204" pitchFamily="34" charset="0"/>
+                <a:buNone/>
+                <a:defRPr sz="1600" kern="1200">
+                  <a:solidFill>
+                    <a:schemeClr val="tx1"/>
+                  </a:solidFill>
+                  <a:latin typeface="+mn-lt"/>
+                  <a:ea typeface="+mn-ea"/>
+                  <a:cs typeface="+mn-cs"/>
+                </a:defRPr>
+              </a:lvl4pPr>
+              <a:lvl5pPr marL="1828800" indent="0" algn="ctr" defTabSz="914400" rtl="0" eaLnBrk="1" latinLnBrk="0" hangingPunct="1">
+                <a:lnSpc>
+                  <a:spcPct val="90000"/>
+                </a:lnSpc>
+                <a:spcBef>
+                  <a:spcPts val="500"/>
+                </a:spcBef>
+                <a:buFont typeface="Arial" panose="020B0604020202020204" pitchFamily="34" charset="0"/>
+                <a:buNone/>
+                <a:defRPr sz="1600" kern="1200">
+                  <a:solidFill>
+                    <a:schemeClr val="tx1"/>
+                  </a:solidFill>
+                  <a:latin typeface="+mn-lt"/>
+                  <a:ea typeface="+mn-ea"/>
+                  <a:cs typeface="+mn-cs"/>
+                </a:defRPr>
+              </a:lvl5pPr>
+              <a:lvl6pPr marL="2286000" indent="0" algn="ctr" defTabSz="914400" rtl="0" eaLnBrk="1" latinLnBrk="0" hangingPunct="1">
+                <a:lnSpc>
+                  <a:spcPct val="90000"/>
+                </a:lnSpc>
+                <a:spcBef>
+                  <a:spcPts val="500"/>
+                </a:spcBef>
+                <a:buFont typeface="Arial" panose="020B0604020202020204" pitchFamily="34" charset="0"/>
+                <a:buNone/>
+                <a:defRPr sz="1600" kern="1200">
+                  <a:solidFill>
+                    <a:schemeClr val="tx1"/>
+                  </a:solidFill>
+                  <a:latin typeface="+mn-lt"/>
+                  <a:ea typeface="+mn-ea"/>
+                  <a:cs typeface="+mn-cs"/>
+                </a:defRPr>
+              </a:lvl6pPr>
+              <a:lvl7pPr marL="2743200" indent="0" algn="ctr" defTabSz="914400" rtl="0" eaLnBrk="1" latinLnBrk="0" hangingPunct="1">
+                <a:lnSpc>
+                  <a:spcPct val="90000"/>
+                </a:lnSpc>
+                <a:spcBef>
+                  <a:spcPts val="500"/>
+                </a:spcBef>
+                <a:buFont typeface="Arial" panose="020B0604020202020204" pitchFamily="34" charset="0"/>
+                <a:buNone/>
+                <a:defRPr sz="1600" kern="1200">
+                  <a:solidFill>
+                    <a:schemeClr val="tx1"/>
+                  </a:solidFill>
+                  <a:latin typeface="+mn-lt"/>
+                  <a:ea typeface="+mn-ea"/>
+                  <a:cs typeface="+mn-cs"/>
+                </a:defRPr>
+              </a:lvl7pPr>
+              <a:lvl8pPr marL="3200400" indent="0" algn="ctr" defTabSz="914400" rtl="0" eaLnBrk="1" latinLnBrk="0" hangingPunct="1">
+                <a:lnSpc>
+                  <a:spcPct val="90000"/>
+                </a:lnSpc>
+                <a:spcBef>
+                  <a:spcPts val="500"/>
+                </a:spcBef>
+                <a:buFont typeface="Arial" panose="020B0604020202020204" pitchFamily="34" charset="0"/>
+                <a:buNone/>
+                <a:defRPr sz="1600" kern="1200">
+                  <a:solidFill>
+                    <a:schemeClr val="tx1"/>
+                  </a:solidFill>
+                  <a:latin typeface="+mn-lt"/>
+                  <a:ea typeface="+mn-ea"/>
+                  <a:cs typeface="+mn-cs"/>
+                </a:defRPr>
+              </a:lvl8pPr>
+              <a:lvl9pPr marL="3657600" indent="0" algn="ctr" defTabSz="914400" rtl="0" eaLnBrk="1" latinLnBrk="0" hangingPunct="1">
+                <a:lnSpc>
+                  <a:spcPct val="90000"/>
+                </a:lnSpc>
+                <a:spcBef>
+                  <a:spcPts val="500"/>
+                </a:spcBef>
+                <a:buFont typeface="Arial" panose="020B0604020202020204" pitchFamily="34" charset="0"/>
+                <a:buNone/>
+                <a:defRPr sz="1600" kern="1200">
+                  <a:solidFill>
+                    <a:schemeClr val="tx1"/>
+                  </a:solidFill>
+                  <a:latin typeface="+mn-lt"/>
+                  <a:ea typeface="+mn-ea"/>
+                  <a:cs typeface="+mn-cs"/>
+                </a:defRPr>
+              </a:lvl9pPr>
+            </a:lstStyle>
+            <a:p>
+              <a:r>
+                <a:rPr lang="en-US" dirty="0" err="1">
+                  <a:solidFill>
+                    <a:schemeClr val="bg1">
+                      <a:lumMod val="65000"/>
+                    </a:schemeClr>
+                  </a:solidFill>
+                </a:rPr>
+                <a:t>scottsauber</a:t>
+              </a:r>
+              <a:endParaRPr lang="en-US" dirty="0">
+                <a:solidFill>
+                  <a:schemeClr val="bg1">
+                    <a:lumMod val="65000"/>
+                  </a:schemeClr>
+                </a:solidFill>
+              </a:endParaRPr>
+            </a:p>
+          </p:txBody>
+        </p:sp>
+        <p:sp>
+          <p:nvSpPr>
+            <p:cNvPr id="10" name="Rectangle 9">
+              <a:extLst>
+                <a:ext uri="{FF2B5EF4-FFF2-40B4-BE49-F238E27FC236}">
+                  <a16:creationId xmlns:a16="http://schemas.microsoft.com/office/drawing/2014/main" id="{8AA5A6B6-4F71-4CAB-A81F-16ECC8919324}"/>
+                </a:ext>
+              </a:extLst>
+            </p:cNvPr>
+            <p:cNvSpPr/>
+            <p:nvPr/>
+          </p:nvSpPr>
+          <p:spPr>
+            <a:xfrm>
+              <a:off x="9970651" y="6285411"/>
+              <a:ext cx="347472" cy="274320"/>
+            </a:xfrm>
+            <a:prstGeom prst="rect">
+              <a:avLst/>
+            </a:prstGeom>
+            <a:blipFill dpi="0" rotWithShape="1">
+              <a:blip r:embed="rId3">
+                <a:alphaModFix amt="50000"/>
+              </a:blip>
+              <a:srcRect/>
+              <a:stretch>
+                <a:fillRect/>
+              </a:stretch>
+            </a:blipFill>
+            <a:ln>
+              <a:noFill/>
+            </a:ln>
+          </p:spPr>
+          <p:style>
+            <a:lnRef idx="2">
+              <a:schemeClr val="accent1">
+                <a:shade val="50000"/>
+              </a:schemeClr>
+            </a:lnRef>
+            <a:fillRef idx="1">
+              <a:schemeClr val="accent1"/>
+            </a:fillRef>
+            <a:effectRef idx="0">
+              <a:schemeClr val="accent1"/>
+            </a:effectRef>
+            <a:fontRef idx="minor">
+              <a:schemeClr val="lt1"/>
+            </a:fontRef>
+          </p:style>
+          <p:txBody>
+            <a:bodyPr rtlCol="0" anchor="ctr"/>
+            <a:lstStyle/>
+            <a:p>
+              <a:pPr algn="ctr"/>
+              <a:endParaRPr lang="en-US"/>
+            </a:p>
+          </p:txBody>
+        </p:sp>
+      </p:grpSp>
+    </p:spTree>
+    <p:extLst>
+      <p:ext uri="{BB962C8B-B14F-4D97-AF65-F5344CB8AC3E}">
+        <p14:creationId xmlns:p14="http://schemas.microsoft.com/office/powerpoint/2010/main" val="776743380"/>
+      </p:ext>
+    </p:extLst>
+  </p:cSld>
+  <p:clrMapOvr>
+    <a:masterClrMapping/>
+  </p:clrMapOvr>
+</p:sld>
+</file>
+
+<file path=ppt/slides/slide30.xml><?xml version="1.0" encoding="utf-8"?>
 <p:sld xmlns:a="http://schemas.openxmlformats.org/drawingml/2006/main" xmlns:r="http://schemas.openxmlformats.org/officeDocument/2006/relationships" xmlns:p="http://schemas.openxmlformats.org/presentationml/2006/main">
   <p:cSld>
     <p:spTree>
@@ -22387,7 +22013,7 @@
 </p:sld>
 </file>
 
-<file path=ppt/slides/slide32.xml><?xml version="1.0" encoding="utf-8"?>
+<file path=ppt/slides/slide31.xml><?xml version="1.0" encoding="utf-8"?>
 <p:sld xmlns:a="http://schemas.openxmlformats.org/drawingml/2006/main" xmlns:r="http://schemas.openxmlformats.org/officeDocument/2006/relationships" xmlns:p="http://schemas.openxmlformats.org/presentationml/2006/main">
   <p:cSld>
     <p:spTree>
@@ -22582,7 +22208,7 @@
 </p:sld>
 </file>
 
-<file path=ppt/slides/slide33.xml><?xml version="1.0" encoding="utf-8"?>
+<file path=ppt/slides/slide32.xml><?xml version="1.0" encoding="utf-8"?>
 <p:sld xmlns:a="http://schemas.openxmlformats.org/drawingml/2006/main" xmlns:r="http://schemas.openxmlformats.org/officeDocument/2006/relationships" xmlns:p="http://schemas.openxmlformats.org/presentationml/2006/main">
   <p:cSld>
     <p:spTree>
@@ -22678,7 +22304,15 @@
             <a:pPr lvl="1"/>
             <a:r>
               <a:rPr lang="en-US" dirty="0"/>
-              <a:t>Free for commercial use but paid if you want support</a:t>
+              <a:t>Free for commercial use but paid if you want support ($500-$4500/</a:t>
+            </a:r>
+            <a:r>
+              <a:rPr lang="en-US" dirty="0" err="1"/>
+              <a:t>yr</a:t>
+            </a:r>
+            <a:r>
+              <a:rPr lang="en-US" dirty="0"/>
+              <a:t>)</a:t>
             </a:r>
           </a:p>
           <a:p>
@@ -23686,7 +23320,7 @@
 </p:sld>
 </file>
 
-<file path=ppt/slides/slide34.xml><?xml version="1.0" encoding="utf-8"?>
+<file path=ppt/slides/slide33.xml><?xml version="1.0" encoding="utf-8"?>
 <p:sld xmlns:a="http://schemas.openxmlformats.org/drawingml/2006/main" xmlns:r="http://schemas.openxmlformats.org/officeDocument/2006/relationships" xmlns:p="http://schemas.openxmlformats.org/presentationml/2006/main">
   <p:cSld>
     <p:spTree>
@@ -23858,7 +23492,7 @@
 </p:sld>
 </file>
 
-<file path=ppt/slides/slide35.xml><?xml version="1.0" encoding="utf-8"?>
+<file path=ppt/slides/slide34.xml><?xml version="1.0" encoding="utf-8"?>
 <p:sld xmlns:a="http://schemas.openxmlformats.org/drawingml/2006/main" xmlns:r="http://schemas.openxmlformats.org/officeDocument/2006/relationships" xmlns:p="http://schemas.openxmlformats.org/presentationml/2006/main">
   <p:cSld>
     <p:spTree>
@@ -23965,13 +23599,8 @@
           <a:p>
             <a:r>
               <a:rPr lang="en-US" dirty="0"/>
-              <a:t>Starts background job </a:t>
-            </a:r>
-            <a:r>
-              <a:rPr lang="en-US"/>
-              <a:t>if immediate</a:t>
-            </a:r>
-            <a:endParaRPr lang="en-US" dirty="0"/>
+              <a:t>Starts background job if immediate</a:t>
+            </a:r>
           </a:p>
         </p:txBody>
       </p:sp>
@@ -24556,7 +24185,7 @@
 </p:sld>
 </file>
 
-<file path=ppt/slides/slide36.xml><?xml version="1.0" encoding="utf-8"?>
+<file path=ppt/slides/slide35.xml><?xml version="1.0" encoding="utf-8"?>
 <p:sld xmlns:a="http://schemas.openxmlformats.org/drawingml/2006/main" xmlns:r="http://schemas.openxmlformats.org/officeDocument/2006/relationships" xmlns:p="http://schemas.openxmlformats.org/presentationml/2006/main">
   <p:cSld>
     <p:spTree>
@@ -25345,7 +24974,7 @@
 </p:sld>
 </file>
 
-<file path=ppt/slides/slide37.xml><?xml version="1.0" encoding="utf-8"?>
+<file path=ppt/slides/slide36.xml><?xml version="1.0" encoding="utf-8"?>
 <p:sld xmlns:a="http://schemas.openxmlformats.org/drawingml/2006/main" xmlns:r="http://schemas.openxmlformats.org/officeDocument/2006/relationships" xmlns:p="http://schemas.openxmlformats.org/presentationml/2006/main">
   <p:cSld>
     <p:spTree>
@@ -26067,7 +25696,7 @@
 </p:sld>
 </file>
 
-<file path=ppt/slides/slide38.xml><?xml version="1.0" encoding="utf-8"?>
+<file path=ppt/slides/slide37.xml><?xml version="1.0" encoding="utf-8"?>
 <p:sld xmlns:a="http://schemas.openxmlformats.org/drawingml/2006/main" xmlns:r="http://schemas.openxmlformats.org/officeDocument/2006/relationships" xmlns:p="http://schemas.openxmlformats.org/presentationml/2006/main">
   <p:cSld>
     <p:spTree>
@@ -26474,7 +26103,7 @@
 </p:sld>
 </file>
 
-<file path=ppt/slides/slide39.xml><?xml version="1.0" encoding="utf-8"?>
+<file path=ppt/slides/slide38.xml><?xml version="1.0" encoding="utf-8"?>
 <p:sld xmlns:a="http://schemas.openxmlformats.org/drawingml/2006/main" xmlns:r="http://schemas.openxmlformats.org/officeDocument/2006/relationships" xmlns:p="http://schemas.openxmlformats.org/presentationml/2006/main">
   <p:cSld>
     <p:spTree>
@@ -26858,6 +26487,419 @@
 </p:sld>
 </file>
 
+<file path=ppt/slides/slide39.xml><?xml version="1.0" encoding="utf-8"?>
+<p:sld xmlns:a="http://schemas.openxmlformats.org/drawingml/2006/main" xmlns:r="http://schemas.openxmlformats.org/officeDocument/2006/relationships" xmlns:p="http://schemas.openxmlformats.org/presentationml/2006/main">
+  <p:cSld>
+    <p:spTree>
+      <p:nvGrpSpPr>
+        <p:cNvPr id="1" name=""/>
+        <p:cNvGrpSpPr/>
+        <p:nvPr/>
+      </p:nvGrpSpPr>
+      <p:grpSpPr>
+        <a:xfrm>
+          <a:off x="0" y="0"/>
+          <a:ext cx="0" cy="0"/>
+          <a:chOff x="0" y="0"/>
+          <a:chExt cx="0" cy="0"/>
+        </a:xfrm>
+      </p:grpSpPr>
+      <p:sp>
+        <p:nvSpPr>
+          <p:cNvPr id="2" name="Title 1"/>
+          <p:cNvSpPr>
+            <a:spLocks noGrp="1"/>
+          </p:cNvSpPr>
+          <p:nvPr>
+            <p:ph type="title"/>
+          </p:nvPr>
+        </p:nvSpPr>
+        <p:spPr/>
+        <p:txBody>
+          <a:bodyPr/>
+          <a:lstStyle/>
+          <a:p>
+            <a:r>
+              <a:rPr lang="en-US" dirty="0">
+                <a:solidFill>
+                  <a:schemeClr val="bg1">
+                    <a:lumMod val="65000"/>
+                  </a:schemeClr>
+                </a:solidFill>
+              </a:rPr>
+              <a:t>Resources</a:t>
+            </a:r>
+          </a:p>
+        </p:txBody>
+      </p:sp>
+      <p:sp>
+        <p:nvSpPr>
+          <p:cNvPr id="3" name="Content Placeholder 2"/>
+          <p:cNvSpPr>
+            <a:spLocks noGrp="1"/>
+          </p:cNvSpPr>
+          <p:nvPr>
+            <p:ph idx="1"/>
+          </p:nvPr>
+        </p:nvSpPr>
+        <p:spPr>
+          <a:xfrm>
+            <a:off x="838200" y="1825624"/>
+            <a:ext cx="10515600" cy="4779637"/>
+          </a:xfrm>
+        </p:spPr>
+        <p:txBody>
+          <a:bodyPr>
+            <a:normAutofit/>
+          </a:bodyPr>
+          <a:lstStyle/>
+          <a:p>
+            <a:r>
+              <a:rPr lang="en-US" dirty="0">
+                <a:hlinkClick r:id="rId3"/>
+              </a:rPr>
+              <a:t>https://docs.microsoft.com/en-us/aspnet/core/fundamentals/host/hosted-services?view=aspnetcore-3.1&amp;tabs=visual-studio</a:t>
+            </a:r>
+          </a:p>
+          <a:p>
+            <a:r>
+              <a:rPr lang="en-US" dirty="0">
+                <a:hlinkClick r:id="rId3"/>
+              </a:rPr>
+              <a:t>https://docs.microsoft.com/en-us/dotnet/architecture/microservices/multi-container-microservice-net-applications/background-tasks-with-ihostedservice</a:t>
+            </a:r>
+            <a:endParaRPr lang="en-US" dirty="0"/>
+          </a:p>
+          <a:p>
+            <a:r>
+              <a:rPr lang="en-US" dirty="0">
+                <a:hlinkClick r:id="rId4"/>
+              </a:rPr>
+              <a:t>https://www.hangfire.io/</a:t>
+            </a:r>
+            <a:r>
+              <a:rPr lang="en-US" dirty="0"/>
+              <a:t> </a:t>
+            </a:r>
+          </a:p>
+          <a:p>
+            <a:r>
+              <a:rPr lang="en-US" dirty="0">
+                <a:hlinkClick r:id="rId5"/>
+              </a:rPr>
+              <a:t>https://app.pluralsight.com/library/courses/building-aspnet-core-hosted-services-net-core-worker-services/</a:t>
+            </a:r>
+            <a:endParaRPr lang="en-US" dirty="0"/>
+          </a:p>
+          <a:p>
+            <a:endParaRPr lang="en-US" dirty="0"/>
+          </a:p>
+        </p:txBody>
+      </p:sp>
+      <p:grpSp>
+        <p:nvGrpSpPr>
+          <p:cNvPr id="9" name="Group 8">
+            <a:extLst>
+              <a:ext uri="{FF2B5EF4-FFF2-40B4-BE49-F238E27FC236}">
+                <a16:creationId xmlns:a16="http://schemas.microsoft.com/office/drawing/2014/main" id="{7DE5378A-6FF0-4624-8085-FEF4C35499EF}"/>
+              </a:ext>
+            </a:extLst>
+          </p:cNvPr>
+          <p:cNvGrpSpPr/>
+          <p:nvPr/>
+        </p:nvGrpSpPr>
+        <p:grpSpPr>
+          <a:xfrm>
+            <a:off x="9970651" y="6185410"/>
+            <a:ext cx="2130724" cy="474323"/>
+            <a:chOff x="9970651" y="6185410"/>
+            <a:chExt cx="2130724" cy="474323"/>
+          </a:xfrm>
+        </p:grpSpPr>
+        <p:sp>
+          <p:nvSpPr>
+            <p:cNvPr id="6" name="Subtitle 2">
+              <a:extLst>
+                <a:ext uri="{FF2B5EF4-FFF2-40B4-BE49-F238E27FC236}">
+                  <a16:creationId xmlns:a16="http://schemas.microsoft.com/office/drawing/2014/main" id="{9DA2B4CB-38FE-4C6E-8BEE-075F81D8685C}"/>
+                </a:ext>
+              </a:extLst>
+            </p:cNvPr>
+            <p:cNvSpPr txBox="1">
+              <a:spLocks/>
+            </p:cNvSpPr>
+            <p:nvPr/>
+          </p:nvSpPr>
+          <p:spPr>
+            <a:xfrm>
+              <a:off x="10041147" y="6185410"/>
+              <a:ext cx="2060228" cy="474323"/>
+            </a:xfrm>
+            <a:prstGeom prst="rect">
+              <a:avLst/>
+            </a:prstGeom>
+          </p:spPr>
+          <p:txBody>
+            <a:bodyPr vert="horz" lIns="91440" tIns="45720" rIns="91440" bIns="45720" rtlCol="0">
+              <a:normAutofit/>
+            </a:bodyPr>
+            <a:lstStyle>
+              <a:lvl1pPr marL="0" indent="0" algn="ctr" defTabSz="914400" rtl="0" eaLnBrk="1" latinLnBrk="0" hangingPunct="1">
+                <a:lnSpc>
+                  <a:spcPct val="90000"/>
+                </a:lnSpc>
+                <a:spcBef>
+                  <a:spcPts val="1000"/>
+                </a:spcBef>
+                <a:buFont typeface="Arial" panose="020B0604020202020204" pitchFamily="34" charset="0"/>
+                <a:buNone/>
+                <a:defRPr sz="2400" kern="1200">
+                  <a:solidFill>
+                    <a:schemeClr val="tx1"/>
+                  </a:solidFill>
+                  <a:latin typeface="+mn-lt"/>
+                  <a:ea typeface="+mn-ea"/>
+                  <a:cs typeface="+mn-cs"/>
+                </a:defRPr>
+              </a:lvl1pPr>
+              <a:lvl2pPr marL="457200" indent="0" algn="ctr" defTabSz="914400" rtl="0" eaLnBrk="1" latinLnBrk="0" hangingPunct="1">
+                <a:lnSpc>
+                  <a:spcPct val="90000"/>
+                </a:lnSpc>
+                <a:spcBef>
+                  <a:spcPts val="500"/>
+                </a:spcBef>
+                <a:buFont typeface="Arial" panose="020B0604020202020204" pitchFamily="34" charset="0"/>
+                <a:buNone/>
+                <a:defRPr sz="2000" kern="1200">
+                  <a:solidFill>
+                    <a:schemeClr val="tx1"/>
+                  </a:solidFill>
+                  <a:latin typeface="+mn-lt"/>
+                  <a:ea typeface="+mn-ea"/>
+                  <a:cs typeface="+mn-cs"/>
+                </a:defRPr>
+              </a:lvl2pPr>
+              <a:lvl3pPr marL="914400" indent="0" algn="ctr" defTabSz="914400" rtl="0" eaLnBrk="1" latinLnBrk="0" hangingPunct="1">
+                <a:lnSpc>
+                  <a:spcPct val="90000"/>
+                </a:lnSpc>
+                <a:spcBef>
+                  <a:spcPts val="500"/>
+                </a:spcBef>
+                <a:buFont typeface="Arial" panose="020B0604020202020204" pitchFamily="34" charset="0"/>
+                <a:buNone/>
+                <a:defRPr sz="1800" kern="1200">
+                  <a:solidFill>
+                    <a:schemeClr val="tx1"/>
+                  </a:solidFill>
+                  <a:latin typeface="+mn-lt"/>
+                  <a:ea typeface="+mn-ea"/>
+                  <a:cs typeface="+mn-cs"/>
+                </a:defRPr>
+              </a:lvl3pPr>
+              <a:lvl4pPr marL="1371600" indent="0" algn="ctr" defTabSz="914400" rtl="0" eaLnBrk="1" latinLnBrk="0" hangingPunct="1">
+                <a:lnSpc>
+                  <a:spcPct val="90000"/>
+                </a:lnSpc>
+                <a:spcBef>
+                  <a:spcPts val="500"/>
+                </a:spcBef>
+                <a:buFont typeface="Arial" panose="020B0604020202020204" pitchFamily="34" charset="0"/>
+                <a:buNone/>
+                <a:defRPr sz="1600" kern="1200">
+                  <a:solidFill>
+                    <a:schemeClr val="tx1"/>
+                  </a:solidFill>
+                  <a:latin typeface="+mn-lt"/>
+                  <a:ea typeface="+mn-ea"/>
+                  <a:cs typeface="+mn-cs"/>
+                </a:defRPr>
+              </a:lvl4pPr>
+              <a:lvl5pPr marL="1828800" indent="0" algn="ctr" defTabSz="914400" rtl="0" eaLnBrk="1" latinLnBrk="0" hangingPunct="1">
+                <a:lnSpc>
+                  <a:spcPct val="90000"/>
+                </a:lnSpc>
+                <a:spcBef>
+                  <a:spcPts val="500"/>
+                </a:spcBef>
+                <a:buFont typeface="Arial" panose="020B0604020202020204" pitchFamily="34" charset="0"/>
+                <a:buNone/>
+                <a:defRPr sz="1600" kern="1200">
+                  <a:solidFill>
+                    <a:schemeClr val="tx1"/>
+                  </a:solidFill>
+                  <a:latin typeface="+mn-lt"/>
+                  <a:ea typeface="+mn-ea"/>
+                  <a:cs typeface="+mn-cs"/>
+                </a:defRPr>
+              </a:lvl5pPr>
+              <a:lvl6pPr marL="2286000" indent="0" algn="ctr" defTabSz="914400" rtl="0" eaLnBrk="1" latinLnBrk="0" hangingPunct="1">
+                <a:lnSpc>
+                  <a:spcPct val="90000"/>
+                </a:lnSpc>
+                <a:spcBef>
+                  <a:spcPts val="500"/>
+                </a:spcBef>
+                <a:buFont typeface="Arial" panose="020B0604020202020204" pitchFamily="34" charset="0"/>
+                <a:buNone/>
+                <a:defRPr sz="1600" kern="1200">
+                  <a:solidFill>
+                    <a:schemeClr val="tx1"/>
+                  </a:solidFill>
+                  <a:latin typeface="+mn-lt"/>
+                  <a:ea typeface="+mn-ea"/>
+                  <a:cs typeface="+mn-cs"/>
+                </a:defRPr>
+              </a:lvl6pPr>
+              <a:lvl7pPr marL="2743200" indent="0" algn="ctr" defTabSz="914400" rtl="0" eaLnBrk="1" latinLnBrk="0" hangingPunct="1">
+                <a:lnSpc>
+                  <a:spcPct val="90000"/>
+                </a:lnSpc>
+                <a:spcBef>
+                  <a:spcPts val="500"/>
+                </a:spcBef>
+                <a:buFont typeface="Arial" panose="020B0604020202020204" pitchFamily="34" charset="0"/>
+                <a:buNone/>
+                <a:defRPr sz="1600" kern="1200">
+                  <a:solidFill>
+                    <a:schemeClr val="tx1"/>
+                  </a:solidFill>
+                  <a:latin typeface="+mn-lt"/>
+                  <a:ea typeface="+mn-ea"/>
+                  <a:cs typeface="+mn-cs"/>
+                </a:defRPr>
+              </a:lvl7pPr>
+              <a:lvl8pPr marL="3200400" indent="0" algn="ctr" defTabSz="914400" rtl="0" eaLnBrk="1" latinLnBrk="0" hangingPunct="1">
+                <a:lnSpc>
+                  <a:spcPct val="90000"/>
+                </a:lnSpc>
+                <a:spcBef>
+                  <a:spcPts val="500"/>
+                </a:spcBef>
+                <a:buFont typeface="Arial" panose="020B0604020202020204" pitchFamily="34" charset="0"/>
+                <a:buNone/>
+                <a:defRPr sz="1600" kern="1200">
+                  <a:solidFill>
+                    <a:schemeClr val="tx1"/>
+                  </a:solidFill>
+                  <a:latin typeface="+mn-lt"/>
+                  <a:ea typeface="+mn-ea"/>
+                  <a:cs typeface="+mn-cs"/>
+                </a:defRPr>
+              </a:lvl8pPr>
+              <a:lvl9pPr marL="3657600" indent="0" algn="ctr" defTabSz="914400" rtl="0" eaLnBrk="1" latinLnBrk="0" hangingPunct="1">
+                <a:lnSpc>
+                  <a:spcPct val="90000"/>
+                </a:lnSpc>
+                <a:spcBef>
+                  <a:spcPts val="500"/>
+                </a:spcBef>
+                <a:buFont typeface="Arial" panose="020B0604020202020204" pitchFamily="34" charset="0"/>
+                <a:buNone/>
+                <a:defRPr sz="1600" kern="1200">
+                  <a:solidFill>
+                    <a:schemeClr val="tx1"/>
+                  </a:solidFill>
+                  <a:latin typeface="+mn-lt"/>
+                  <a:ea typeface="+mn-ea"/>
+                  <a:cs typeface="+mn-cs"/>
+                </a:defRPr>
+              </a:lvl9pPr>
+            </a:lstStyle>
+            <a:p>
+              <a:r>
+                <a:rPr lang="en-US" dirty="0" err="1">
+                  <a:solidFill>
+                    <a:schemeClr val="bg1">
+                      <a:lumMod val="65000"/>
+                    </a:schemeClr>
+                  </a:solidFill>
+                </a:rPr>
+                <a:t>scottsauber</a:t>
+              </a:r>
+              <a:endParaRPr lang="en-US" dirty="0">
+                <a:solidFill>
+                  <a:schemeClr val="bg1">
+                    <a:lumMod val="65000"/>
+                  </a:schemeClr>
+                </a:solidFill>
+              </a:endParaRPr>
+            </a:p>
+          </p:txBody>
+        </p:sp>
+        <p:sp>
+          <p:nvSpPr>
+            <p:cNvPr id="8" name="Rectangle 7">
+              <a:extLst>
+                <a:ext uri="{FF2B5EF4-FFF2-40B4-BE49-F238E27FC236}">
+                  <a16:creationId xmlns:a16="http://schemas.microsoft.com/office/drawing/2014/main" id="{2CC1E2DB-378E-4A94-AC9A-4A7142A30669}"/>
+                </a:ext>
+              </a:extLst>
+            </p:cNvPr>
+            <p:cNvSpPr/>
+            <p:nvPr/>
+          </p:nvSpPr>
+          <p:spPr>
+            <a:xfrm>
+              <a:off x="9970651" y="6285411"/>
+              <a:ext cx="347472" cy="274320"/>
+            </a:xfrm>
+            <a:prstGeom prst="rect">
+              <a:avLst/>
+            </a:prstGeom>
+            <a:blipFill dpi="0" rotWithShape="1">
+              <a:blip r:embed="rId6">
+                <a:alphaModFix amt="50000"/>
+              </a:blip>
+              <a:srcRect/>
+              <a:stretch>
+                <a:fillRect/>
+              </a:stretch>
+            </a:blipFill>
+            <a:ln>
+              <a:noFill/>
+            </a:ln>
+          </p:spPr>
+          <p:style>
+            <a:lnRef idx="2">
+              <a:schemeClr val="accent1">
+                <a:shade val="50000"/>
+              </a:schemeClr>
+            </a:lnRef>
+            <a:fillRef idx="1">
+              <a:schemeClr val="accent1"/>
+            </a:fillRef>
+            <a:effectRef idx="0">
+              <a:schemeClr val="accent1"/>
+            </a:effectRef>
+            <a:fontRef idx="minor">
+              <a:schemeClr val="lt1"/>
+            </a:fontRef>
+          </p:style>
+          <p:txBody>
+            <a:bodyPr rtlCol="0" anchor="ctr"/>
+            <a:lstStyle/>
+            <a:p>
+              <a:pPr algn="ctr"/>
+              <a:endParaRPr lang="en-US"/>
+            </a:p>
+          </p:txBody>
+        </p:sp>
+      </p:grpSp>
+    </p:spTree>
+    <p:extLst>
+      <p:ext uri="{BB962C8B-B14F-4D97-AF65-F5344CB8AC3E}">
+        <p14:creationId xmlns:p14="http://schemas.microsoft.com/office/powerpoint/2010/main" val="2078969345"/>
+      </p:ext>
+    </p:extLst>
+  </p:cSld>
+  <p:clrMapOvr>
+    <a:masterClrMapping/>
+  </p:clrMapOvr>
+</p:sld>
+</file>
+
 <file path=ppt/slides/slide4.xml><?xml version="1.0" encoding="utf-8"?>
 <p:sld xmlns:a="http://schemas.openxmlformats.org/drawingml/2006/main" xmlns:r="http://schemas.openxmlformats.org/officeDocument/2006/relationships" xmlns:p="http://schemas.openxmlformats.org/presentationml/2006/main">
   <p:cSld>
@@ -26927,13 +26969,13 @@
           <a:p>
             <a:r>
               <a:rPr lang="en-US" dirty="0"/>
-              <a:t>Know all your options</a:t>
+              <a:t>Know all your options for running background tasks</a:t>
             </a:r>
           </a:p>
           <a:p>
             <a:r>
               <a:rPr lang="en-US" dirty="0"/>
-              <a:t>Know why to choose an option over another</a:t>
+              <a:t>Why choose one over another</a:t>
             </a:r>
           </a:p>
         </p:txBody>
@@ -27245,395 +27287,6 @@
 <file path=ppt/slides/slide40.xml><?xml version="1.0" encoding="utf-8"?>
 <p:sld xmlns:a="http://schemas.openxmlformats.org/drawingml/2006/main" xmlns:r="http://schemas.openxmlformats.org/officeDocument/2006/relationships" xmlns:p="http://schemas.openxmlformats.org/presentationml/2006/main">
   <p:cSld>
-    <p:spTree>
-      <p:nvGrpSpPr>
-        <p:cNvPr id="1" name=""/>
-        <p:cNvGrpSpPr/>
-        <p:nvPr/>
-      </p:nvGrpSpPr>
-      <p:grpSpPr>
-        <a:xfrm>
-          <a:off x="0" y="0"/>
-          <a:ext cx="0" cy="0"/>
-          <a:chOff x="0" y="0"/>
-          <a:chExt cx="0" cy="0"/>
-        </a:xfrm>
-      </p:grpSpPr>
-      <p:sp>
-        <p:nvSpPr>
-          <p:cNvPr id="2" name="Title 1"/>
-          <p:cNvSpPr>
-            <a:spLocks noGrp="1"/>
-          </p:cNvSpPr>
-          <p:nvPr>
-            <p:ph type="title"/>
-          </p:nvPr>
-        </p:nvSpPr>
-        <p:spPr/>
-        <p:txBody>
-          <a:bodyPr/>
-          <a:lstStyle/>
-          <a:p>
-            <a:r>
-              <a:rPr lang="en-US" dirty="0">
-                <a:solidFill>
-                  <a:schemeClr val="bg1">
-                    <a:lumMod val="65000"/>
-                  </a:schemeClr>
-                </a:solidFill>
-              </a:rPr>
-              <a:t>Resources</a:t>
-            </a:r>
-          </a:p>
-        </p:txBody>
-      </p:sp>
-      <p:sp>
-        <p:nvSpPr>
-          <p:cNvPr id="3" name="Content Placeholder 2"/>
-          <p:cNvSpPr>
-            <a:spLocks noGrp="1"/>
-          </p:cNvSpPr>
-          <p:nvPr>
-            <p:ph idx="1"/>
-          </p:nvPr>
-        </p:nvSpPr>
-        <p:spPr>
-          <a:xfrm>
-            <a:off x="838200" y="1825624"/>
-            <a:ext cx="10515600" cy="4779637"/>
-          </a:xfrm>
-        </p:spPr>
-        <p:txBody>
-          <a:bodyPr>
-            <a:normAutofit/>
-          </a:bodyPr>
-          <a:lstStyle/>
-          <a:p>
-            <a:r>
-              <a:rPr lang="en-US" dirty="0">
-                <a:hlinkClick r:id="rId3"/>
-              </a:rPr>
-              <a:t>https://docs.microsoft.com/en-us/aspnet/core/fundamentals/host/hosted-services?view=aspnetcore-3.1&amp;tabs=visual-studio</a:t>
-            </a:r>
-          </a:p>
-          <a:p>
-            <a:r>
-              <a:rPr lang="en-US" dirty="0">
-                <a:hlinkClick r:id="rId3"/>
-              </a:rPr>
-              <a:t>https://docs.microsoft.com/en-us/dotnet/architecture/microservices/multi-container-microservice-net-applications/background-tasks-with-ihostedservice</a:t>
-            </a:r>
-            <a:endParaRPr lang="en-US" dirty="0"/>
-          </a:p>
-        </p:txBody>
-      </p:sp>
-      <p:grpSp>
-        <p:nvGrpSpPr>
-          <p:cNvPr id="9" name="Group 8">
-            <a:extLst>
-              <a:ext uri="{FF2B5EF4-FFF2-40B4-BE49-F238E27FC236}">
-                <a16:creationId xmlns:a16="http://schemas.microsoft.com/office/drawing/2014/main" id="{7DE5378A-6FF0-4624-8085-FEF4C35499EF}"/>
-              </a:ext>
-            </a:extLst>
-          </p:cNvPr>
-          <p:cNvGrpSpPr/>
-          <p:nvPr/>
-        </p:nvGrpSpPr>
-        <p:grpSpPr>
-          <a:xfrm>
-            <a:off x="9970651" y="6185410"/>
-            <a:ext cx="2130724" cy="474323"/>
-            <a:chOff x="9970651" y="6185410"/>
-            <a:chExt cx="2130724" cy="474323"/>
-          </a:xfrm>
-        </p:grpSpPr>
-        <p:sp>
-          <p:nvSpPr>
-            <p:cNvPr id="6" name="Subtitle 2">
-              <a:extLst>
-                <a:ext uri="{FF2B5EF4-FFF2-40B4-BE49-F238E27FC236}">
-                  <a16:creationId xmlns:a16="http://schemas.microsoft.com/office/drawing/2014/main" id="{9DA2B4CB-38FE-4C6E-8BEE-075F81D8685C}"/>
-                </a:ext>
-              </a:extLst>
-            </p:cNvPr>
-            <p:cNvSpPr txBox="1">
-              <a:spLocks/>
-            </p:cNvSpPr>
-            <p:nvPr/>
-          </p:nvSpPr>
-          <p:spPr>
-            <a:xfrm>
-              <a:off x="10041147" y="6185410"/>
-              <a:ext cx="2060228" cy="474323"/>
-            </a:xfrm>
-            <a:prstGeom prst="rect">
-              <a:avLst/>
-            </a:prstGeom>
-          </p:spPr>
-          <p:txBody>
-            <a:bodyPr vert="horz" lIns="91440" tIns="45720" rIns="91440" bIns="45720" rtlCol="0">
-              <a:normAutofit/>
-            </a:bodyPr>
-            <a:lstStyle>
-              <a:lvl1pPr marL="0" indent="0" algn="ctr" defTabSz="914400" rtl="0" eaLnBrk="1" latinLnBrk="0" hangingPunct="1">
-                <a:lnSpc>
-                  <a:spcPct val="90000"/>
-                </a:lnSpc>
-                <a:spcBef>
-                  <a:spcPts val="1000"/>
-                </a:spcBef>
-                <a:buFont typeface="Arial" panose="020B0604020202020204" pitchFamily="34" charset="0"/>
-                <a:buNone/>
-                <a:defRPr sz="2400" kern="1200">
-                  <a:solidFill>
-                    <a:schemeClr val="tx1"/>
-                  </a:solidFill>
-                  <a:latin typeface="+mn-lt"/>
-                  <a:ea typeface="+mn-ea"/>
-                  <a:cs typeface="+mn-cs"/>
-                </a:defRPr>
-              </a:lvl1pPr>
-              <a:lvl2pPr marL="457200" indent="0" algn="ctr" defTabSz="914400" rtl="0" eaLnBrk="1" latinLnBrk="0" hangingPunct="1">
-                <a:lnSpc>
-                  <a:spcPct val="90000"/>
-                </a:lnSpc>
-                <a:spcBef>
-                  <a:spcPts val="500"/>
-                </a:spcBef>
-                <a:buFont typeface="Arial" panose="020B0604020202020204" pitchFamily="34" charset="0"/>
-                <a:buNone/>
-                <a:defRPr sz="2000" kern="1200">
-                  <a:solidFill>
-                    <a:schemeClr val="tx1"/>
-                  </a:solidFill>
-                  <a:latin typeface="+mn-lt"/>
-                  <a:ea typeface="+mn-ea"/>
-                  <a:cs typeface="+mn-cs"/>
-                </a:defRPr>
-              </a:lvl2pPr>
-              <a:lvl3pPr marL="914400" indent="0" algn="ctr" defTabSz="914400" rtl="0" eaLnBrk="1" latinLnBrk="0" hangingPunct="1">
-                <a:lnSpc>
-                  <a:spcPct val="90000"/>
-                </a:lnSpc>
-                <a:spcBef>
-                  <a:spcPts val="500"/>
-                </a:spcBef>
-                <a:buFont typeface="Arial" panose="020B0604020202020204" pitchFamily="34" charset="0"/>
-                <a:buNone/>
-                <a:defRPr sz="1800" kern="1200">
-                  <a:solidFill>
-                    <a:schemeClr val="tx1"/>
-                  </a:solidFill>
-                  <a:latin typeface="+mn-lt"/>
-                  <a:ea typeface="+mn-ea"/>
-                  <a:cs typeface="+mn-cs"/>
-                </a:defRPr>
-              </a:lvl3pPr>
-              <a:lvl4pPr marL="1371600" indent="0" algn="ctr" defTabSz="914400" rtl="0" eaLnBrk="1" latinLnBrk="0" hangingPunct="1">
-                <a:lnSpc>
-                  <a:spcPct val="90000"/>
-                </a:lnSpc>
-                <a:spcBef>
-                  <a:spcPts val="500"/>
-                </a:spcBef>
-                <a:buFont typeface="Arial" panose="020B0604020202020204" pitchFamily="34" charset="0"/>
-                <a:buNone/>
-                <a:defRPr sz="1600" kern="1200">
-                  <a:solidFill>
-                    <a:schemeClr val="tx1"/>
-                  </a:solidFill>
-                  <a:latin typeface="+mn-lt"/>
-                  <a:ea typeface="+mn-ea"/>
-                  <a:cs typeface="+mn-cs"/>
-                </a:defRPr>
-              </a:lvl4pPr>
-              <a:lvl5pPr marL="1828800" indent="0" algn="ctr" defTabSz="914400" rtl="0" eaLnBrk="1" latinLnBrk="0" hangingPunct="1">
-                <a:lnSpc>
-                  <a:spcPct val="90000"/>
-                </a:lnSpc>
-                <a:spcBef>
-                  <a:spcPts val="500"/>
-                </a:spcBef>
-                <a:buFont typeface="Arial" panose="020B0604020202020204" pitchFamily="34" charset="0"/>
-                <a:buNone/>
-                <a:defRPr sz="1600" kern="1200">
-                  <a:solidFill>
-                    <a:schemeClr val="tx1"/>
-                  </a:solidFill>
-                  <a:latin typeface="+mn-lt"/>
-                  <a:ea typeface="+mn-ea"/>
-                  <a:cs typeface="+mn-cs"/>
-                </a:defRPr>
-              </a:lvl5pPr>
-              <a:lvl6pPr marL="2286000" indent="0" algn="ctr" defTabSz="914400" rtl="0" eaLnBrk="1" latinLnBrk="0" hangingPunct="1">
-                <a:lnSpc>
-                  <a:spcPct val="90000"/>
-                </a:lnSpc>
-                <a:spcBef>
-                  <a:spcPts val="500"/>
-                </a:spcBef>
-                <a:buFont typeface="Arial" panose="020B0604020202020204" pitchFamily="34" charset="0"/>
-                <a:buNone/>
-                <a:defRPr sz="1600" kern="1200">
-                  <a:solidFill>
-                    <a:schemeClr val="tx1"/>
-                  </a:solidFill>
-                  <a:latin typeface="+mn-lt"/>
-                  <a:ea typeface="+mn-ea"/>
-                  <a:cs typeface="+mn-cs"/>
-                </a:defRPr>
-              </a:lvl6pPr>
-              <a:lvl7pPr marL="2743200" indent="0" algn="ctr" defTabSz="914400" rtl="0" eaLnBrk="1" latinLnBrk="0" hangingPunct="1">
-                <a:lnSpc>
-                  <a:spcPct val="90000"/>
-                </a:lnSpc>
-                <a:spcBef>
-                  <a:spcPts val="500"/>
-                </a:spcBef>
-                <a:buFont typeface="Arial" panose="020B0604020202020204" pitchFamily="34" charset="0"/>
-                <a:buNone/>
-                <a:defRPr sz="1600" kern="1200">
-                  <a:solidFill>
-                    <a:schemeClr val="tx1"/>
-                  </a:solidFill>
-                  <a:latin typeface="+mn-lt"/>
-                  <a:ea typeface="+mn-ea"/>
-                  <a:cs typeface="+mn-cs"/>
-                </a:defRPr>
-              </a:lvl7pPr>
-              <a:lvl8pPr marL="3200400" indent="0" algn="ctr" defTabSz="914400" rtl="0" eaLnBrk="1" latinLnBrk="0" hangingPunct="1">
-                <a:lnSpc>
-                  <a:spcPct val="90000"/>
-                </a:lnSpc>
-                <a:spcBef>
-                  <a:spcPts val="500"/>
-                </a:spcBef>
-                <a:buFont typeface="Arial" panose="020B0604020202020204" pitchFamily="34" charset="0"/>
-                <a:buNone/>
-                <a:defRPr sz="1600" kern="1200">
-                  <a:solidFill>
-                    <a:schemeClr val="tx1"/>
-                  </a:solidFill>
-                  <a:latin typeface="+mn-lt"/>
-                  <a:ea typeface="+mn-ea"/>
-                  <a:cs typeface="+mn-cs"/>
-                </a:defRPr>
-              </a:lvl8pPr>
-              <a:lvl9pPr marL="3657600" indent="0" algn="ctr" defTabSz="914400" rtl="0" eaLnBrk="1" latinLnBrk="0" hangingPunct="1">
-                <a:lnSpc>
-                  <a:spcPct val="90000"/>
-                </a:lnSpc>
-                <a:spcBef>
-                  <a:spcPts val="500"/>
-                </a:spcBef>
-                <a:buFont typeface="Arial" panose="020B0604020202020204" pitchFamily="34" charset="0"/>
-                <a:buNone/>
-                <a:defRPr sz="1600" kern="1200">
-                  <a:solidFill>
-                    <a:schemeClr val="tx1"/>
-                  </a:solidFill>
-                  <a:latin typeface="+mn-lt"/>
-                  <a:ea typeface="+mn-ea"/>
-                  <a:cs typeface="+mn-cs"/>
-                </a:defRPr>
-              </a:lvl9pPr>
-            </a:lstStyle>
-            <a:p>
-              <a:r>
-                <a:rPr lang="en-US" dirty="0" err="1">
-                  <a:solidFill>
-                    <a:schemeClr val="bg1">
-                      <a:lumMod val="65000"/>
-                    </a:schemeClr>
-                  </a:solidFill>
-                </a:rPr>
-                <a:t>scottsauber</a:t>
-              </a:r>
-              <a:endParaRPr lang="en-US" dirty="0">
-                <a:solidFill>
-                  <a:schemeClr val="bg1">
-                    <a:lumMod val="65000"/>
-                  </a:schemeClr>
-                </a:solidFill>
-              </a:endParaRPr>
-            </a:p>
-          </p:txBody>
-        </p:sp>
-        <p:sp>
-          <p:nvSpPr>
-            <p:cNvPr id="8" name="Rectangle 7">
-              <a:extLst>
-                <a:ext uri="{FF2B5EF4-FFF2-40B4-BE49-F238E27FC236}">
-                  <a16:creationId xmlns:a16="http://schemas.microsoft.com/office/drawing/2014/main" id="{2CC1E2DB-378E-4A94-AC9A-4A7142A30669}"/>
-                </a:ext>
-              </a:extLst>
-            </p:cNvPr>
-            <p:cNvSpPr/>
-            <p:nvPr/>
-          </p:nvSpPr>
-          <p:spPr>
-            <a:xfrm>
-              <a:off x="9970651" y="6285411"/>
-              <a:ext cx="347472" cy="274320"/>
-            </a:xfrm>
-            <a:prstGeom prst="rect">
-              <a:avLst/>
-            </a:prstGeom>
-            <a:blipFill dpi="0" rotWithShape="1">
-              <a:blip r:embed="rId4">
-                <a:alphaModFix amt="50000"/>
-              </a:blip>
-              <a:srcRect/>
-              <a:stretch>
-                <a:fillRect/>
-              </a:stretch>
-            </a:blipFill>
-            <a:ln>
-              <a:noFill/>
-            </a:ln>
-          </p:spPr>
-          <p:style>
-            <a:lnRef idx="2">
-              <a:schemeClr val="accent1">
-                <a:shade val="50000"/>
-              </a:schemeClr>
-            </a:lnRef>
-            <a:fillRef idx="1">
-              <a:schemeClr val="accent1"/>
-            </a:fillRef>
-            <a:effectRef idx="0">
-              <a:schemeClr val="accent1"/>
-            </a:effectRef>
-            <a:fontRef idx="minor">
-              <a:schemeClr val="lt1"/>
-            </a:fontRef>
-          </p:style>
-          <p:txBody>
-            <a:bodyPr rtlCol="0" anchor="ctr"/>
-            <a:lstStyle/>
-            <a:p>
-              <a:pPr algn="ctr"/>
-              <a:endParaRPr lang="en-US"/>
-            </a:p>
-          </p:txBody>
-        </p:sp>
-      </p:grpSp>
-    </p:spTree>
-    <p:extLst>
-      <p:ext uri="{BB962C8B-B14F-4D97-AF65-F5344CB8AC3E}">
-        <p14:creationId xmlns:p14="http://schemas.microsoft.com/office/powerpoint/2010/main" val="2078969345"/>
-      </p:ext>
-    </p:extLst>
-  </p:cSld>
-  <p:clrMapOvr>
-    <a:masterClrMapping/>
-  </p:clrMapOvr>
-</p:sld>
-</file>
-
-<file path=ppt/slides/slide41.xml><?xml version="1.0" encoding="utf-8"?>
-<p:sld xmlns:a="http://schemas.openxmlformats.org/drawingml/2006/main" xmlns:r="http://schemas.openxmlformats.org/officeDocument/2006/relationships" xmlns:p="http://schemas.openxmlformats.org/presentationml/2006/main">
-  <p:cSld>
     <p:bg>
       <p:bgPr>
         <a:solidFill>
@@ -27984,6 +27637,265 @@
           </p:txBody>
         </p:sp>
       </p:grpSp>
+      <p:sp>
+        <p:nvSpPr>
+          <p:cNvPr id="8" name="Subtitle 2">
+            <a:extLst>
+              <a:ext uri="{FF2B5EF4-FFF2-40B4-BE49-F238E27FC236}">
+                <a16:creationId xmlns:a16="http://schemas.microsoft.com/office/drawing/2014/main" id="{097882A2-4820-4881-9C23-D09EE5DE1AF4}"/>
+              </a:ext>
+            </a:extLst>
+          </p:cNvPr>
+          <p:cNvSpPr txBox="1">
+            <a:spLocks/>
+          </p:cNvSpPr>
+          <p:nvPr/>
+        </p:nvSpPr>
+        <p:spPr>
+          <a:xfrm>
+            <a:off x="90625" y="3418380"/>
+            <a:ext cx="12192000" cy="3371040"/>
+          </a:xfrm>
+          <a:prstGeom prst="rect">
+            <a:avLst/>
+          </a:prstGeom>
+        </p:spPr>
+        <p:txBody>
+          <a:bodyPr vert="horz" lIns="91440" tIns="45720" rIns="91440" bIns="45720" rtlCol="0">
+            <a:normAutofit/>
+          </a:bodyPr>
+          <a:lstStyle>
+            <a:lvl1pPr marL="228600" indent="-228600" algn="l" defTabSz="914400" rtl="0" eaLnBrk="1" latinLnBrk="0" hangingPunct="1">
+              <a:lnSpc>
+                <a:spcPct val="90000"/>
+              </a:lnSpc>
+              <a:spcBef>
+                <a:spcPts val="1000"/>
+              </a:spcBef>
+              <a:buFont typeface="Arial" panose="020B0604020202020204" pitchFamily="34" charset="0"/>
+              <a:buChar char="•"/>
+              <a:defRPr sz="2800" kern="1200">
+                <a:solidFill>
+                  <a:schemeClr val="tx1"/>
+                </a:solidFill>
+                <a:latin typeface="+mn-lt"/>
+                <a:ea typeface="+mn-ea"/>
+                <a:cs typeface="+mn-cs"/>
+              </a:defRPr>
+            </a:lvl1pPr>
+            <a:lvl2pPr marL="685800" indent="-228600" algn="l" defTabSz="914400" rtl="0" eaLnBrk="1" latinLnBrk="0" hangingPunct="1">
+              <a:lnSpc>
+                <a:spcPct val="90000"/>
+              </a:lnSpc>
+              <a:spcBef>
+                <a:spcPts val="500"/>
+              </a:spcBef>
+              <a:buFont typeface="Arial" panose="020B0604020202020204" pitchFamily="34" charset="0"/>
+              <a:buChar char="•"/>
+              <a:defRPr sz="2400" kern="1200">
+                <a:solidFill>
+                  <a:schemeClr val="tx1"/>
+                </a:solidFill>
+                <a:latin typeface="+mn-lt"/>
+                <a:ea typeface="+mn-ea"/>
+                <a:cs typeface="+mn-cs"/>
+              </a:defRPr>
+            </a:lvl2pPr>
+            <a:lvl3pPr marL="1143000" indent="-228600" algn="l" defTabSz="914400" rtl="0" eaLnBrk="1" latinLnBrk="0" hangingPunct="1">
+              <a:lnSpc>
+                <a:spcPct val="90000"/>
+              </a:lnSpc>
+              <a:spcBef>
+                <a:spcPts val="500"/>
+              </a:spcBef>
+              <a:buFont typeface="Arial" panose="020B0604020202020204" pitchFamily="34" charset="0"/>
+              <a:buChar char="•"/>
+              <a:defRPr sz="2000" kern="1200">
+                <a:solidFill>
+                  <a:schemeClr val="tx1"/>
+                </a:solidFill>
+                <a:latin typeface="+mn-lt"/>
+                <a:ea typeface="+mn-ea"/>
+                <a:cs typeface="+mn-cs"/>
+              </a:defRPr>
+            </a:lvl3pPr>
+            <a:lvl4pPr marL="1600200" indent="-228600" algn="l" defTabSz="914400" rtl="0" eaLnBrk="1" latinLnBrk="0" hangingPunct="1">
+              <a:lnSpc>
+                <a:spcPct val="90000"/>
+              </a:lnSpc>
+              <a:spcBef>
+                <a:spcPts val="500"/>
+              </a:spcBef>
+              <a:buFont typeface="Arial" panose="020B0604020202020204" pitchFamily="34" charset="0"/>
+              <a:buChar char="•"/>
+              <a:defRPr sz="1800" kern="1200">
+                <a:solidFill>
+                  <a:schemeClr val="tx1"/>
+                </a:solidFill>
+                <a:latin typeface="+mn-lt"/>
+                <a:ea typeface="+mn-ea"/>
+                <a:cs typeface="+mn-cs"/>
+              </a:defRPr>
+            </a:lvl4pPr>
+            <a:lvl5pPr marL="2057400" indent="-228600" algn="l" defTabSz="914400" rtl="0" eaLnBrk="1" latinLnBrk="0" hangingPunct="1">
+              <a:lnSpc>
+                <a:spcPct val="90000"/>
+              </a:lnSpc>
+              <a:spcBef>
+                <a:spcPts val="500"/>
+              </a:spcBef>
+              <a:buFont typeface="Arial" panose="020B0604020202020204" pitchFamily="34" charset="0"/>
+              <a:buChar char="•"/>
+              <a:defRPr sz="1800" kern="1200">
+                <a:solidFill>
+                  <a:schemeClr val="tx1"/>
+                </a:solidFill>
+                <a:latin typeface="+mn-lt"/>
+                <a:ea typeface="+mn-ea"/>
+                <a:cs typeface="+mn-cs"/>
+              </a:defRPr>
+            </a:lvl5pPr>
+            <a:lvl6pPr marL="2514600" indent="-228600" algn="l" defTabSz="914400" rtl="0" eaLnBrk="1" latinLnBrk="0" hangingPunct="1">
+              <a:lnSpc>
+                <a:spcPct val="90000"/>
+              </a:lnSpc>
+              <a:spcBef>
+                <a:spcPts val="500"/>
+              </a:spcBef>
+              <a:buFont typeface="Arial" panose="020B0604020202020204" pitchFamily="34" charset="0"/>
+              <a:buChar char="•"/>
+              <a:defRPr sz="1800" kern="1200">
+                <a:solidFill>
+                  <a:schemeClr val="tx1"/>
+                </a:solidFill>
+                <a:latin typeface="+mn-lt"/>
+                <a:ea typeface="+mn-ea"/>
+                <a:cs typeface="+mn-cs"/>
+              </a:defRPr>
+            </a:lvl6pPr>
+            <a:lvl7pPr marL="2971800" indent="-228600" algn="l" defTabSz="914400" rtl="0" eaLnBrk="1" latinLnBrk="0" hangingPunct="1">
+              <a:lnSpc>
+                <a:spcPct val="90000"/>
+              </a:lnSpc>
+              <a:spcBef>
+                <a:spcPts val="500"/>
+              </a:spcBef>
+              <a:buFont typeface="Arial" panose="020B0604020202020204" pitchFamily="34" charset="0"/>
+              <a:buChar char="•"/>
+              <a:defRPr sz="1800" kern="1200">
+                <a:solidFill>
+                  <a:schemeClr val="tx1"/>
+                </a:solidFill>
+                <a:latin typeface="+mn-lt"/>
+                <a:ea typeface="+mn-ea"/>
+                <a:cs typeface="+mn-cs"/>
+              </a:defRPr>
+            </a:lvl7pPr>
+            <a:lvl8pPr marL="3429000" indent="-228600" algn="l" defTabSz="914400" rtl="0" eaLnBrk="1" latinLnBrk="0" hangingPunct="1">
+              <a:lnSpc>
+                <a:spcPct val="90000"/>
+              </a:lnSpc>
+              <a:spcBef>
+                <a:spcPts val="500"/>
+              </a:spcBef>
+              <a:buFont typeface="Arial" panose="020B0604020202020204" pitchFamily="34" charset="0"/>
+              <a:buChar char="•"/>
+              <a:defRPr sz="1800" kern="1200">
+                <a:solidFill>
+                  <a:schemeClr val="tx1"/>
+                </a:solidFill>
+                <a:latin typeface="+mn-lt"/>
+                <a:ea typeface="+mn-ea"/>
+                <a:cs typeface="+mn-cs"/>
+              </a:defRPr>
+            </a:lvl8pPr>
+            <a:lvl9pPr marL="3886200" indent="-228600" algn="l" defTabSz="914400" rtl="0" eaLnBrk="1" latinLnBrk="0" hangingPunct="1">
+              <a:lnSpc>
+                <a:spcPct val="90000"/>
+              </a:lnSpc>
+              <a:spcBef>
+                <a:spcPts val="500"/>
+              </a:spcBef>
+              <a:buFont typeface="Arial" panose="020B0604020202020204" pitchFamily="34" charset="0"/>
+              <a:buChar char="•"/>
+              <a:defRPr sz="1800" kern="1200">
+                <a:solidFill>
+                  <a:schemeClr val="tx1"/>
+                </a:solidFill>
+                <a:latin typeface="+mn-lt"/>
+                <a:ea typeface="+mn-ea"/>
+                <a:cs typeface="+mn-cs"/>
+              </a:defRPr>
+            </a:lvl9pPr>
+          </a:lstStyle>
+          <a:p>
+            <a:pPr marL="0" indent="0">
+              <a:buNone/>
+            </a:pPr>
+            <a:endParaRPr lang="en-US" sz="3600" dirty="0">
+              <a:solidFill>
+                <a:schemeClr val="bg1"/>
+              </a:solidFill>
+              <a:ea typeface="Open Sans" panose="020B0606030504020204" pitchFamily="34" charset="0"/>
+              <a:cs typeface="Open Sans" panose="020B0606030504020204" pitchFamily="34" charset="0"/>
+            </a:endParaRPr>
+          </a:p>
+          <a:p>
+            <a:endParaRPr lang="en-US" sz="4000" dirty="0">
+              <a:solidFill>
+                <a:schemeClr val="bg1"/>
+              </a:solidFill>
+              <a:ea typeface="Open Sans" panose="020B0606030504020204" pitchFamily="34" charset="0"/>
+              <a:cs typeface="Open Sans" panose="020B0606030504020204" pitchFamily="34" charset="0"/>
+            </a:endParaRPr>
+          </a:p>
+          <a:p>
+            <a:endParaRPr lang="en-US" dirty="0">
+              <a:solidFill>
+                <a:schemeClr val="bg1"/>
+              </a:solidFill>
+              <a:ea typeface="Open Sans" panose="020B0606030504020204" pitchFamily="34" charset="0"/>
+              <a:cs typeface="Open Sans" panose="020B0606030504020204" pitchFamily="34" charset="0"/>
+            </a:endParaRPr>
+          </a:p>
+          <a:p>
+            <a:endParaRPr lang="en-US" dirty="0">
+              <a:solidFill>
+                <a:schemeClr val="bg1"/>
+              </a:solidFill>
+              <a:ea typeface="Open Sans" panose="020B0606030504020204" pitchFamily="34" charset="0"/>
+              <a:cs typeface="Open Sans" panose="020B0606030504020204" pitchFamily="34" charset="0"/>
+            </a:endParaRPr>
+          </a:p>
+          <a:p>
+            <a:pPr marL="0" indent="0">
+              <a:buNone/>
+            </a:pPr>
+            <a:endParaRPr lang="en-US" dirty="0">
+              <a:solidFill>
+                <a:schemeClr val="bg1"/>
+              </a:solidFill>
+              <a:ea typeface="Open Sans" panose="020B0606030504020204" pitchFamily="34" charset="0"/>
+              <a:cs typeface="Open Sans" panose="020B0606030504020204" pitchFamily="34" charset="0"/>
+            </a:endParaRPr>
+          </a:p>
+          <a:p>
+            <a:pPr marL="0" indent="0">
+              <a:buNone/>
+            </a:pPr>
+            <a:r>
+              <a:rPr lang="en-US" dirty="0">
+                <a:solidFill>
+                  <a:schemeClr val="bg1"/>
+                </a:solidFill>
+                <a:ea typeface="Open Sans" panose="020B0606030504020204" pitchFamily="34" charset="0"/>
+                <a:cs typeface="Open Sans" panose="020B0606030504020204" pitchFamily="34" charset="0"/>
+              </a:rPr>
+              <a:t>Slides up at scottsauber.com</a:t>
+            </a:r>
+          </a:p>
+        </p:txBody>
+      </p:sp>
     </p:spTree>
     <p:extLst>
       <p:ext uri="{BB962C8B-B14F-4D97-AF65-F5344CB8AC3E}">
@@ -27997,7 +27909,7 @@
 </p:sld>
 </file>
 
-<file path=ppt/slides/slide42.xml><?xml version="1.0" encoding="utf-8"?>
+<file path=ppt/slides/slide41.xml><?xml version="1.0" encoding="utf-8"?>
 <p:sld xmlns:a="http://schemas.openxmlformats.org/drawingml/2006/main" xmlns:r="http://schemas.openxmlformats.org/officeDocument/2006/relationships" xmlns:p="http://schemas.openxmlformats.org/presentationml/2006/main">
   <p:cSld>
     <p:bg>
@@ -28350,6 +28262,265 @@
           </p:txBody>
         </p:sp>
       </p:grpSp>
+      <p:sp>
+        <p:nvSpPr>
+          <p:cNvPr id="7" name="Subtitle 2">
+            <a:extLst>
+              <a:ext uri="{FF2B5EF4-FFF2-40B4-BE49-F238E27FC236}">
+                <a16:creationId xmlns:a16="http://schemas.microsoft.com/office/drawing/2014/main" id="{FD62362D-55B2-4103-A7AF-54CC41B415B4}"/>
+              </a:ext>
+            </a:extLst>
+          </p:cNvPr>
+          <p:cNvSpPr txBox="1">
+            <a:spLocks/>
+          </p:cNvSpPr>
+          <p:nvPr/>
+        </p:nvSpPr>
+        <p:spPr>
+          <a:xfrm>
+            <a:off x="90625" y="3418380"/>
+            <a:ext cx="12192000" cy="3371040"/>
+          </a:xfrm>
+          <a:prstGeom prst="rect">
+            <a:avLst/>
+          </a:prstGeom>
+        </p:spPr>
+        <p:txBody>
+          <a:bodyPr vert="horz" lIns="91440" tIns="45720" rIns="91440" bIns="45720" rtlCol="0">
+            <a:normAutofit/>
+          </a:bodyPr>
+          <a:lstStyle>
+            <a:lvl1pPr marL="228600" indent="-228600" algn="l" defTabSz="914400" rtl="0" eaLnBrk="1" latinLnBrk="0" hangingPunct="1">
+              <a:lnSpc>
+                <a:spcPct val="90000"/>
+              </a:lnSpc>
+              <a:spcBef>
+                <a:spcPts val="1000"/>
+              </a:spcBef>
+              <a:buFont typeface="Arial" panose="020B0604020202020204" pitchFamily="34" charset="0"/>
+              <a:buChar char="•"/>
+              <a:defRPr sz="2800" kern="1200">
+                <a:solidFill>
+                  <a:schemeClr val="tx1"/>
+                </a:solidFill>
+                <a:latin typeface="+mn-lt"/>
+                <a:ea typeface="+mn-ea"/>
+                <a:cs typeface="+mn-cs"/>
+              </a:defRPr>
+            </a:lvl1pPr>
+            <a:lvl2pPr marL="685800" indent="-228600" algn="l" defTabSz="914400" rtl="0" eaLnBrk="1" latinLnBrk="0" hangingPunct="1">
+              <a:lnSpc>
+                <a:spcPct val="90000"/>
+              </a:lnSpc>
+              <a:spcBef>
+                <a:spcPts val="500"/>
+              </a:spcBef>
+              <a:buFont typeface="Arial" panose="020B0604020202020204" pitchFamily="34" charset="0"/>
+              <a:buChar char="•"/>
+              <a:defRPr sz="2400" kern="1200">
+                <a:solidFill>
+                  <a:schemeClr val="tx1"/>
+                </a:solidFill>
+                <a:latin typeface="+mn-lt"/>
+                <a:ea typeface="+mn-ea"/>
+                <a:cs typeface="+mn-cs"/>
+              </a:defRPr>
+            </a:lvl2pPr>
+            <a:lvl3pPr marL="1143000" indent="-228600" algn="l" defTabSz="914400" rtl="0" eaLnBrk="1" latinLnBrk="0" hangingPunct="1">
+              <a:lnSpc>
+                <a:spcPct val="90000"/>
+              </a:lnSpc>
+              <a:spcBef>
+                <a:spcPts val="500"/>
+              </a:spcBef>
+              <a:buFont typeface="Arial" panose="020B0604020202020204" pitchFamily="34" charset="0"/>
+              <a:buChar char="•"/>
+              <a:defRPr sz="2000" kern="1200">
+                <a:solidFill>
+                  <a:schemeClr val="tx1"/>
+                </a:solidFill>
+                <a:latin typeface="+mn-lt"/>
+                <a:ea typeface="+mn-ea"/>
+                <a:cs typeface="+mn-cs"/>
+              </a:defRPr>
+            </a:lvl3pPr>
+            <a:lvl4pPr marL="1600200" indent="-228600" algn="l" defTabSz="914400" rtl="0" eaLnBrk="1" latinLnBrk="0" hangingPunct="1">
+              <a:lnSpc>
+                <a:spcPct val="90000"/>
+              </a:lnSpc>
+              <a:spcBef>
+                <a:spcPts val="500"/>
+              </a:spcBef>
+              <a:buFont typeface="Arial" panose="020B0604020202020204" pitchFamily="34" charset="0"/>
+              <a:buChar char="•"/>
+              <a:defRPr sz="1800" kern="1200">
+                <a:solidFill>
+                  <a:schemeClr val="tx1"/>
+                </a:solidFill>
+                <a:latin typeface="+mn-lt"/>
+                <a:ea typeface="+mn-ea"/>
+                <a:cs typeface="+mn-cs"/>
+              </a:defRPr>
+            </a:lvl4pPr>
+            <a:lvl5pPr marL="2057400" indent="-228600" algn="l" defTabSz="914400" rtl="0" eaLnBrk="1" latinLnBrk="0" hangingPunct="1">
+              <a:lnSpc>
+                <a:spcPct val="90000"/>
+              </a:lnSpc>
+              <a:spcBef>
+                <a:spcPts val="500"/>
+              </a:spcBef>
+              <a:buFont typeface="Arial" panose="020B0604020202020204" pitchFamily="34" charset="0"/>
+              <a:buChar char="•"/>
+              <a:defRPr sz="1800" kern="1200">
+                <a:solidFill>
+                  <a:schemeClr val="tx1"/>
+                </a:solidFill>
+                <a:latin typeface="+mn-lt"/>
+                <a:ea typeface="+mn-ea"/>
+                <a:cs typeface="+mn-cs"/>
+              </a:defRPr>
+            </a:lvl5pPr>
+            <a:lvl6pPr marL="2514600" indent="-228600" algn="l" defTabSz="914400" rtl="0" eaLnBrk="1" latinLnBrk="0" hangingPunct="1">
+              <a:lnSpc>
+                <a:spcPct val="90000"/>
+              </a:lnSpc>
+              <a:spcBef>
+                <a:spcPts val="500"/>
+              </a:spcBef>
+              <a:buFont typeface="Arial" panose="020B0604020202020204" pitchFamily="34" charset="0"/>
+              <a:buChar char="•"/>
+              <a:defRPr sz="1800" kern="1200">
+                <a:solidFill>
+                  <a:schemeClr val="tx1"/>
+                </a:solidFill>
+                <a:latin typeface="+mn-lt"/>
+                <a:ea typeface="+mn-ea"/>
+                <a:cs typeface="+mn-cs"/>
+              </a:defRPr>
+            </a:lvl6pPr>
+            <a:lvl7pPr marL="2971800" indent="-228600" algn="l" defTabSz="914400" rtl="0" eaLnBrk="1" latinLnBrk="0" hangingPunct="1">
+              <a:lnSpc>
+                <a:spcPct val="90000"/>
+              </a:lnSpc>
+              <a:spcBef>
+                <a:spcPts val="500"/>
+              </a:spcBef>
+              <a:buFont typeface="Arial" panose="020B0604020202020204" pitchFamily="34" charset="0"/>
+              <a:buChar char="•"/>
+              <a:defRPr sz="1800" kern="1200">
+                <a:solidFill>
+                  <a:schemeClr val="tx1"/>
+                </a:solidFill>
+                <a:latin typeface="+mn-lt"/>
+                <a:ea typeface="+mn-ea"/>
+                <a:cs typeface="+mn-cs"/>
+              </a:defRPr>
+            </a:lvl7pPr>
+            <a:lvl8pPr marL="3429000" indent="-228600" algn="l" defTabSz="914400" rtl="0" eaLnBrk="1" latinLnBrk="0" hangingPunct="1">
+              <a:lnSpc>
+                <a:spcPct val="90000"/>
+              </a:lnSpc>
+              <a:spcBef>
+                <a:spcPts val="500"/>
+              </a:spcBef>
+              <a:buFont typeface="Arial" panose="020B0604020202020204" pitchFamily="34" charset="0"/>
+              <a:buChar char="•"/>
+              <a:defRPr sz="1800" kern="1200">
+                <a:solidFill>
+                  <a:schemeClr val="tx1"/>
+                </a:solidFill>
+                <a:latin typeface="+mn-lt"/>
+                <a:ea typeface="+mn-ea"/>
+                <a:cs typeface="+mn-cs"/>
+              </a:defRPr>
+            </a:lvl8pPr>
+            <a:lvl9pPr marL="3886200" indent="-228600" algn="l" defTabSz="914400" rtl="0" eaLnBrk="1" latinLnBrk="0" hangingPunct="1">
+              <a:lnSpc>
+                <a:spcPct val="90000"/>
+              </a:lnSpc>
+              <a:spcBef>
+                <a:spcPts val="500"/>
+              </a:spcBef>
+              <a:buFont typeface="Arial" panose="020B0604020202020204" pitchFamily="34" charset="0"/>
+              <a:buChar char="•"/>
+              <a:defRPr sz="1800" kern="1200">
+                <a:solidFill>
+                  <a:schemeClr val="tx1"/>
+                </a:solidFill>
+                <a:latin typeface="+mn-lt"/>
+                <a:ea typeface="+mn-ea"/>
+                <a:cs typeface="+mn-cs"/>
+              </a:defRPr>
+            </a:lvl9pPr>
+          </a:lstStyle>
+          <a:p>
+            <a:pPr marL="0" indent="0">
+              <a:buNone/>
+            </a:pPr>
+            <a:endParaRPr lang="en-US" sz="3600" dirty="0">
+              <a:solidFill>
+                <a:schemeClr val="bg1"/>
+              </a:solidFill>
+              <a:ea typeface="Open Sans" panose="020B0606030504020204" pitchFamily="34" charset="0"/>
+              <a:cs typeface="Open Sans" panose="020B0606030504020204" pitchFamily="34" charset="0"/>
+            </a:endParaRPr>
+          </a:p>
+          <a:p>
+            <a:endParaRPr lang="en-US" sz="4000" dirty="0">
+              <a:solidFill>
+                <a:schemeClr val="bg1"/>
+              </a:solidFill>
+              <a:ea typeface="Open Sans" panose="020B0606030504020204" pitchFamily="34" charset="0"/>
+              <a:cs typeface="Open Sans" panose="020B0606030504020204" pitchFamily="34" charset="0"/>
+            </a:endParaRPr>
+          </a:p>
+          <a:p>
+            <a:endParaRPr lang="en-US" dirty="0">
+              <a:solidFill>
+                <a:schemeClr val="bg1"/>
+              </a:solidFill>
+              <a:ea typeface="Open Sans" panose="020B0606030504020204" pitchFamily="34" charset="0"/>
+              <a:cs typeface="Open Sans" panose="020B0606030504020204" pitchFamily="34" charset="0"/>
+            </a:endParaRPr>
+          </a:p>
+          <a:p>
+            <a:endParaRPr lang="en-US" dirty="0">
+              <a:solidFill>
+                <a:schemeClr val="bg1"/>
+              </a:solidFill>
+              <a:ea typeface="Open Sans" panose="020B0606030504020204" pitchFamily="34" charset="0"/>
+              <a:cs typeface="Open Sans" panose="020B0606030504020204" pitchFamily="34" charset="0"/>
+            </a:endParaRPr>
+          </a:p>
+          <a:p>
+            <a:pPr marL="0" indent="0">
+              <a:buNone/>
+            </a:pPr>
+            <a:endParaRPr lang="en-US" dirty="0">
+              <a:solidFill>
+                <a:schemeClr val="bg1"/>
+              </a:solidFill>
+              <a:ea typeface="Open Sans" panose="020B0606030504020204" pitchFamily="34" charset="0"/>
+              <a:cs typeface="Open Sans" panose="020B0606030504020204" pitchFamily="34" charset="0"/>
+            </a:endParaRPr>
+          </a:p>
+          <a:p>
+            <a:pPr marL="0" indent="0">
+              <a:buNone/>
+            </a:pPr>
+            <a:r>
+              <a:rPr lang="en-US" dirty="0">
+                <a:solidFill>
+                  <a:schemeClr val="bg1"/>
+                </a:solidFill>
+                <a:ea typeface="Open Sans" panose="020B0606030504020204" pitchFamily="34" charset="0"/>
+                <a:cs typeface="Open Sans" panose="020B0606030504020204" pitchFamily="34" charset="0"/>
+              </a:rPr>
+              <a:t>Slides up at scottsauber.com</a:t>
+            </a:r>
+          </a:p>
+        </p:txBody>
+      </p:sp>
     </p:spTree>
     <p:extLst>
       <p:ext uri="{BB962C8B-B14F-4D97-AF65-F5344CB8AC3E}">
@@ -28364,377 +28535,6 @@
 </file>
 
 <file path=ppt/slides/slide5.xml><?xml version="1.0" encoding="utf-8"?>
-<p:sld xmlns:a="http://schemas.openxmlformats.org/drawingml/2006/main" xmlns:r="http://schemas.openxmlformats.org/officeDocument/2006/relationships" xmlns:p="http://schemas.openxmlformats.org/presentationml/2006/main">
-  <p:cSld>
-    <p:spTree>
-      <p:nvGrpSpPr>
-        <p:cNvPr id="1" name=""/>
-        <p:cNvGrpSpPr/>
-        <p:nvPr/>
-      </p:nvGrpSpPr>
-      <p:grpSpPr>
-        <a:xfrm>
-          <a:off x="0" y="0"/>
-          <a:ext cx="0" cy="0"/>
-          <a:chOff x="0" y="0"/>
-          <a:chExt cx="0" cy="0"/>
-        </a:xfrm>
-      </p:grpSpPr>
-      <p:sp>
-        <p:nvSpPr>
-          <p:cNvPr id="2" name="Title 1"/>
-          <p:cNvSpPr>
-            <a:spLocks noGrp="1"/>
-          </p:cNvSpPr>
-          <p:nvPr>
-            <p:ph type="title"/>
-          </p:nvPr>
-        </p:nvSpPr>
-        <p:spPr/>
-        <p:txBody>
-          <a:bodyPr/>
-          <a:lstStyle/>
-          <a:p>
-            <a:r>
-              <a:rPr lang="en-US" dirty="0">
-                <a:solidFill>
-                  <a:schemeClr val="bg1">
-                    <a:lumMod val="65000"/>
-                  </a:schemeClr>
-                </a:solidFill>
-              </a:rPr>
-              <a:t>Goal</a:t>
-            </a:r>
-          </a:p>
-        </p:txBody>
-      </p:sp>
-      <p:sp>
-        <p:nvSpPr>
-          <p:cNvPr id="3" name="Content Placeholder 2"/>
-          <p:cNvSpPr>
-            <a:spLocks noGrp="1"/>
-          </p:cNvSpPr>
-          <p:nvPr>
-            <p:ph idx="1"/>
-          </p:nvPr>
-        </p:nvSpPr>
-        <p:spPr/>
-        <p:txBody>
-          <a:bodyPr/>
-          <a:lstStyle/>
-          <a:p>
-            <a:r>
-              <a:rPr lang="en-US" dirty="0"/>
-              <a:t>Learn the options and tradeoffs of each option</a:t>
-            </a:r>
-          </a:p>
-        </p:txBody>
-      </p:sp>
-      <p:grpSp>
-        <p:nvGrpSpPr>
-          <p:cNvPr id="12" name="Group 11">
-            <a:extLst>
-              <a:ext uri="{FF2B5EF4-FFF2-40B4-BE49-F238E27FC236}">
-                <a16:creationId xmlns:a16="http://schemas.microsoft.com/office/drawing/2014/main" id="{EED78399-2C07-4C03-AFE3-BAF8819A0F5E}"/>
-              </a:ext>
-            </a:extLst>
-          </p:cNvPr>
-          <p:cNvGrpSpPr/>
-          <p:nvPr/>
-        </p:nvGrpSpPr>
-        <p:grpSpPr>
-          <a:xfrm>
-            <a:off x="9970651" y="6185410"/>
-            <a:ext cx="2130724" cy="474323"/>
-            <a:chOff x="9970651" y="6185410"/>
-            <a:chExt cx="2130724" cy="474323"/>
-          </a:xfrm>
-        </p:grpSpPr>
-        <p:sp>
-          <p:nvSpPr>
-            <p:cNvPr id="13" name="Subtitle 2">
-              <a:extLst>
-                <a:ext uri="{FF2B5EF4-FFF2-40B4-BE49-F238E27FC236}">
-                  <a16:creationId xmlns:a16="http://schemas.microsoft.com/office/drawing/2014/main" id="{2A5EFB3A-0D3B-49D2-A6EF-45953786F026}"/>
-                </a:ext>
-              </a:extLst>
-            </p:cNvPr>
-            <p:cNvSpPr txBox="1">
-              <a:spLocks/>
-            </p:cNvSpPr>
-            <p:nvPr/>
-          </p:nvSpPr>
-          <p:spPr>
-            <a:xfrm>
-              <a:off x="10041147" y="6185410"/>
-              <a:ext cx="2060228" cy="474323"/>
-            </a:xfrm>
-            <a:prstGeom prst="rect">
-              <a:avLst/>
-            </a:prstGeom>
-          </p:spPr>
-          <p:txBody>
-            <a:bodyPr vert="horz" lIns="91440" tIns="45720" rIns="91440" bIns="45720" rtlCol="0">
-              <a:normAutofit/>
-            </a:bodyPr>
-            <a:lstStyle>
-              <a:lvl1pPr marL="0" indent="0" algn="ctr" defTabSz="914400" rtl="0" eaLnBrk="1" latinLnBrk="0" hangingPunct="1">
-                <a:lnSpc>
-                  <a:spcPct val="90000"/>
-                </a:lnSpc>
-                <a:spcBef>
-                  <a:spcPts val="1000"/>
-                </a:spcBef>
-                <a:buFont typeface="Arial" panose="020B0604020202020204" pitchFamily="34" charset="0"/>
-                <a:buNone/>
-                <a:defRPr sz="2400" kern="1200">
-                  <a:solidFill>
-                    <a:schemeClr val="tx1"/>
-                  </a:solidFill>
-                  <a:latin typeface="+mn-lt"/>
-                  <a:ea typeface="+mn-ea"/>
-                  <a:cs typeface="+mn-cs"/>
-                </a:defRPr>
-              </a:lvl1pPr>
-              <a:lvl2pPr marL="457200" indent="0" algn="ctr" defTabSz="914400" rtl="0" eaLnBrk="1" latinLnBrk="0" hangingPunct="1">
-                <a:lnSpc>
-                  <a:spcPct val="90000"/>
-                </a:lnSpc>
-                <a:spcBef>
-                  <a:spcPts val="500"/>
-                </a:spcBef>
-                <a:buFont typeface="Arial" panose="020B0604020202020204" pitchFamily="34" charset="0"/>
-                <a:buNone/>
-                <a:defRPr sz="2000" kern="1200">
-                  <a:solidFill>
-                    <a:schemeClr val="tx1"/>
-                  </a:solidFill>
-                  <a:latin typeface="+mn-lt"/>
-                  <a:ea typeface="+mn-ea"/>
-                  <a:cs typeface="+mn-cs"/>
-                </a:defRPr>
-              </a:lvl2pPr>
-              <a:lvl3pPr marL="914400" indent="0" algn="ctr" defTabSz="914400" rtl="0" eaLnBrk="1" latinLnBrk="0" hangingPunct="1">
-                <a:lnSpc>
-                  <a:spcPct val="90000"/>
-                </a:lnSpc>
-                <a:spcBef>
-                  <a:spcPts val="500"/>
-                </a:spcBef>
-                <a:buFont typeface="Arial" panose="020B0604020202020204" pitchFamily="34" charset="0"/>
-                <a:buNone/>
-                <a:defRPr sz="1800" kern="1200">
-                  <a:solidFill>
-                    <a:schemeClr val="tx1"/>
-                  </a:solidFill>
-                  <a:latin typeface="+mn-lt"/>
-                  <a:ea typeface="+mn-ea"/>
-                  <a:cs typeface="+mn-cs"/>
-                </a:defRPr>
-              </a:lvl3pPr>
-              <a:lvl4pPr marL="1371600" indent="0" algn="ctr" defTabSz="914400" rtl="0" eaLnBrk="1" latinLnBrk="0" hangingPunct="1">
-                <a:lnSpc>
-                  <a:spcPct val="90000"/>
-                </a:lnSpc>
-                <a:spcBef>
-                  <a:spcPts val="500"/>
-                </a:spcBef>
-                <a:buFont typeface="Arial" panose="020B0604020202020204" pitchFamily="34" charset="0"/>
-                <a:buNone/>
-                <a:defRPr sz="1600" kern="1200">
-                  <a:solidFill>
-                    <a:schemeClr val="tx1"/>
-                  </a:solidFill>
-                  <a:latin typeface="+mn-lt"/>
-                  <a:ea typeface="+mn-ea"/>
-                  <a:cs typeface="+mn-cs"/>
-                </a:defRPr>
-              </a:lvl4pPr>
-              <a:lvl5pPr marL="1828800" indent="0" algn="ctr" defTabSz="914400" rtl="0" eaLnBrk="1" latinLnBrk="0" hangingPunct="1">
-                <a:lnSpc>
-                  <a:spcPct val="90000"/>
-                </a:lnSpc>
-                <a:spcBef>
-                  <a:spcPts val="500"/>
-                </a:spcBef>
-                <a:buFont typeface="Arial" panose="020B0604020202020204" pitchFamily="34" charset="0"/>
-                <a:buNone/>
-                <a:defRPr sz="1600" kern="1200">
-                  <a:solidFill>
-                    <a:schemeClr val="tx1"/>
-                  </a:solidFill>
-                  <a:latin typeface="+mn-lt"/>
-                  <a:ea typeface="+mn-ea"/>
-                  <a:cs typeface="+mn-cs"/>
-                </a:defRPr>
-              </a:lvl5pPr>
-              <a:lvl6pPr marL="2286000" indent="0" algn="ctr" defTabSz="914400" rtl="0" eaLnBrk="1" latinLnBrk="0" hangingPunct="1">
-                <a:lnSpc>
-                  <a:spcPct val="90000"/>
-                </a:lnSpc>
-                <a:spcBef>
-                  <a:spcPts val="500"/>
-                </a:spcBef>
-                <a:buFont typeface="Arial" panose="020B0604020202020204" pitchFamily="34" charset="0"/>
-                <a:buNone/>
-                <a:defRPr sz="1600" kern="1200">
-                  <a:solidFill>
-                    <a:schemeClr val="tx1"/>
-                  </a:solidFill>
-                  <a:latin typeface="+mn-lt"/>
-                  <a:ea typeface="+mn-ea"/>
-                  <a:cs typeface="+mn-cs"/>
-                </a:defRPr>
-              </a:lvl6pPr>
-              <a:lvl7pPr marL="2743200" indent="0" algn="ctr" defTabSz="914400" rtl="0" eaLnBrk="1" latinLnBrk="0" hangingPunct="1">
-                <a:lnSpc>
-                  <a:spcPct val="90000"/>
-                </a:lnSpc>
-                <a:spcBef>
-                  <a:spcPts val="500"/>
-                </a:spcBef>
-                <a:buFont typeface="Arial" panose="020B0604020202020204" pitchFamily="34" charset="0"/>
-                <a:buNone/>
-                <a:defRPr sz="1600" kern="1200">
-                  <a:solidFill>
-                    <a:schemeClr val="tx1"/>
-                  </a:solidFill>
-                  <a:latin typeface="+mn-lt"/>
-                  <a:ea typeface="+mn-ea"/>
-                  <a:cs typeface="+mn-cs"/>
-                </a:defRPr>
-              </a:lvl7pPr>
-              <a:lvl8pPr marL="3200400" indent="0" algn="ctr" defTabSz="914400" rtl="0" eaLnBrk="1" latinLnBrk="0" hangingPunct="1">
-                <a:lnSpc>
-                  <a:spcPct val="90000"/>
-                </a:lnSpc>
-                <a:spcBef>
-                  <a:spcPts val="500"/>
-                </a:spcBef>
-                <a:buFont typeface="Arial" panose="020B0604020202020204" pitchFamily="34" charset="0"/>
-                <a:buNone/>
-                <a:defRPr sz="1600" kern="1200">
-                  <a:solidFill>
-                    <a:schemeClr val="tx1"/>
-                  </a:solidFill>
-                  <a:latin typeface="+mn-lt"/>
-                  <a:ea typeface="+mn-ea"/>
-                  <a:cs typeface="+mn-cs"/>
-                </a:defRPr>
-              </a:lvl8pPr>
-              <a:lvl9pPr marL="3657600" indent="0" algn="ctr" defTabSz="914400" rtl="0" eaLnBrk="1" latinLnBrk="0" hangingPunct="1">
-                <a:lnSpc>
-                  <a:spcPct val="90000"/>
-                </a:lnSpc>
-                <a:spcBef>
-                  <a:spcPts val="500"/>
-                </a:spcBef>
-                <a:buFont typeface="Arial" panose="020B0604020202020204" pitchFamily="34" charset="0"/>
-                <a:buNone/>
-                <a:defRPr sz="1600" kern="1200">
-                  <a:solidFill>
-                    <a:schemeClr val="tx1"/>
-                  </a:solidFill>
-                  <a:latin typeface="+mn-lt"/>
-                  <a:ea typeface="+mn-ea"/>
-                  <a:cs typeface="+mn-cs"/>
-                </a:defRPr>
-              </a:lvl9pPr>
-            </a:lstStyle>
-            <a:p>
-              <a:r>
-                <a:rPr lang="en-US" dirty="0" err="1">
-                  <a:solidFill>
-                    <a:schemeClr val="bg1">
-                      <a:lumMod val="65000"/>
-                    </a:schemeClr>
-                  </a:solidFill>
-                </a:rPr>
-                <a:t>scottsauber</a:t>
-              </a:r>
-              <a:endParaRPr lang="en-US" dirty="0">
-                <a:solidFill>
-                  <a:schemeClr val="bg1">
-                    <a:lumMod val="65000"/>
-                  </a:schemeClr>
-                </a:solidFill>
-              </a:endParaRPr>
-            </a:p>
-          </p:txBody>
-        </p:sp>
-        <p:sp>
-          <p:nvSpPr>
-            <p:cNvPr id="14" name="Rectangle 13">
-              <a:extLst>
-                <a:ext uri="{FF2B5EF4-FFF2-40B4-BE49-F238E27FC236}">
-                  <a16:creationId xmlns:a16="http://schemas.microsoft.com/office/drawing/2014/main" id="{10908455-D573-485A-9978-A83E03823E4D}"/>
-                </a:ext>
-              </a:extLst>
-            </p:cNvPr>
-            <p:cNvSpPr/>
-            <p:nvPr/>
-          </p:nvSpPr>
-          <p:spPr>
-            <a:xfrm>
-              <a:off x="9970651" y="6285411"/>
-              <a:ext cx="347472" cy="274320"/>
-            </a:xfrm>
-            <a:prstGeom prst="rect">
-              <a:avLst/>
-            </a:prstGeom>
-            <a:blipFill dpi="0" rotWithShape="1">
-              <a:blip r:embed="rId3">
-                <a:alphaModFix amt="50000"/>
-              </a:blip>
-              <a:srcRect/>
-              <a:stretch>
-                <a:fillRect/>
-              </a:stretch>
-            </a:blipFill>
-            <a:ln>
-              <a:noFill/>
-            </a:ln>
-          </p:spPr>
-          <p:style>
-            <a:lnRef idx="2">
-              <a:schemeClr val="accent1">
-                <a:shade val="50000"/>
-              </a:schemeClr>
-            </a:lnRef>
-            <a:fillRef idx="1">
-              <a:schemeClr val="accent1"/>
-            </a:fillRef>
-            <a:effectRef idx="0">
-              <a:schemeClr val="accent1"/>
-            </a:effectRef>
-            <a:fontRef idx="minor">
-              <a:schemeClr val="lt1"/>
-            </a:fontRef>
-          </p:style>
-          <p:txBody>
-            <a:bodyPr rtlCol="0" anchor="ctr"/>
-            <a:lstStyle/>
-            <a:p>
-              <a:pPr algn="ctr"/>
-              <a:endParaRPr lang="en-US"/>
-            </a:p>
-          </p:txBody>
-        </p:sp>
-      </p:grpSp>
-    </p:spTree>
-    <p:extLst>
-      <p:ext uri="{BB962C8B-B14F-4D97-AF65-F5344CB8AC3E}">
-        <p14:creationId xmlns:p14="http://schemas.microsoft.com/office/powerpoint/2010/main" val="3641153631"/>
-      </p:ext>
-    </p:extLst>
-  </p:cSld>
-  <p:clrMapOvr>
-    <a:masterClrMapping/>
-  </p:clrMapOvr>
-</p:sld>
-</file>
-
-<file path=ppt/slides/slide6.xml><?xml version="1.0" encoding="utf-8"?>
 <p:sld xmlns:a="http://schemas.openxmlformats.org/drawingml/2006/main" xmlns:r="http://schemas.openxmlformats.org/officeDocument/2006/relationships" xmlns:p="http://schemas.openxmlformats.org/presentationml/2006/main">
   <p:cSld>
     <p:spTree>
@@ -29582,7 +29382,7 @@
 </p:sld>
 </file>
 
-<file path=ppt/slides/slide7.xml><?xml version="1.0" encoding="utf-8"?>
+<file path=ppt/slides/slide6.xml><?xml version="1.0" encoding="utf-8"?>
 <p:sld xmlns:a="http://schemas.openxmlformats.org/drawingml/2006/main" xmlns:r="http://schemas.openxmlformats.org/officeDocument/2006/relationships" xmlns:p="http://schemas.openxmlformats.org/presentationml/2006/main">
   <p:cSld>
     <p:spTree>
@@ -30603,7 +30403,7 @@
 </p:sld>
 </file>
 
-<file path=ppt/slides/slide8.xml><?xml version="1.0" encoding="utf-8"?>
+<file path=ppt/slides/slide7.xml><?xml version="1.0" encoding="utf-8"?>
 <p:sld xmlns:a="http://schemas.openxmlformats.org/drawingml/2006/main" xmlns:r="http://schemas.openxmlformats.org/officeDocument/2006/relationships" xmlns:p="http://schemas.openxmlformats.org/presentationml/2006/main">
   <p:cSld>
     <p:spTree>
@@ -31006,448 +30806,10 @@
   <p:clrMapOvr>
     <a:masterClrMapping/>
   </p:clrMapOvr>
-  <p:timing>
-    <p:tnLst>
-      <p:par>
-        <p:cTn id="1" dur="indefinite" restart="never" nodeType="tmRoot">
-          <p:childTnLst>
-            <p:seq concurrent="1" nextAc="seek">
-              <p:cTn id="2" dur="indefinite" nodeType="mainSeq">
-                <p:childTnLst>
-                  <p:par>
-                    <p:cTn id="3" fill="hold">
-                      <p:stCondLst>
-                        <p:cond delay="indefinite"/>
-                      </p:stCondLst>
-                      <p:childTnLst>
-                        <p:par>
-                          <p:cTn id="4" fill="hold">
-                            <p:stCondLst>
-                              <p:cond delay="0"/>
-                            </p:stCondLst>
-                            <p:childTnLst>
-                              <p:par>
-                                <p:cTn id="5" presetID="10" presetClass="entr" presetSubtype="0" fill="hold" grpId="0" nodeType="clickEffect">
-                                  <p:stCondLst>
-                                    <p:cond delay="0"/>
-                                  </p:stCondLst>
-                                  <p:childTnLst>
-                                    <p:set>
-                                      <p:cBhvr>
-                                        <p:cTn id="6" dur="1" fill="hold">
-                                          <p:stCondLst>
-                                            <p:cond delay="0"/>
-                                          </p:stCondLst>
-                                        </p:cTn>
-                                        <p:tgtEl>
-                                          <p:spTgt spid="3">
-                                            <p:txEl>
-                                              <p:pRg st="0" end="0"/>
-                                            </p:txEl>
-                                          </p:spTgt>
-                                        </p:tgtEl>
-                                        <p:attrNameLst>
-                                          <p:attrName>style.visibility</p:attrName>
-                                        </p:attrNameLst>
-                                      </p:cBhvr>
-                                      <p:to>
-                                        <p:strVal val="visible"/>
-                                      </p:to>
-                                    </p:set>
-                                    <p:animEffect transition="in" filter="fade">
-                                      <p:cBhvr>
-                                        <p:cTn id="7" dur="500"/>
-                                        <p:tgtEl>
-                                          <p:spTgt spid="3">
-                                            <p:txEl>
-                                              <p:pRg st="0" end="0"/>
-                                            </p:txEl>
-                                          </p:spTgt>
-                                        </p:tgtEl>
-                                      </p:cBhvr>
-                                    </p:animEffect>
-                                  </p:childTnLst>
-                                  <p:subTnLst>
-                                    <p:animClr clrSpc="rgb" dir="cw">
-                                      <p:cBhvr override="childStyle">
-                                        <p:cTn dur="1" fill="hold" display="0" masterRel="nextClick" afterEffect="1"/>
-                                        <p:tgtEl>
-                                          <p:spTgt spid="3">
-                                            <p:txEl>
-                                              <p:pRg st="0" end="0"/>
-                                            </p:txEl>
-                                          </p:spTgt>
-                                        </p:tgtEl>
-                                        <p:attrNameLst>
-                                          <p:attrName>ppt_c</p:attrName>
-                                        </p:attrNameLst>
-                                      </p:cBhvr>
-                                      <p:to>
-                                        <a:srgbClr val="B2B2B2"/>
-                                      </p:to>
-                                    </p:animClr>
-                                  </p:subTnLst>
-                                </p:cTn>
-                              </p:par>
-                            </p:childTnLst>
-                          </p:cTn>
-                        </p:par>
-                      </p:childTnLst>
-                    </p:cTn>
-                  </p:par>
-                  <p:par>
-                    <p:cTn id="8" fill="hold">
-                      <p:stCondLst>
-                        <p:cond delay="indefinite"/>
-                      </p:stCondLst>
-                      <p:childTnLst>
-                        <p:par>
-                          <p:cTn id="9" fill="hold">
-                            <p:stCondLst>
-                              <p:cond delay="0"/>
-                            </p:stCondLst>
-                            <p:childTnLst>
-                              <p:par>
-                                <p:cTn id="10" presetID="10" presetClass="entr" presetSubtype="0" fill="hold" grpId="0" nodeType="clickEffect">
-                                  <p:stCondLst>
-                                    <p:cond delay="0"/>
-                                  </p:stCondLst>
-                                  <p:childTnLst>
-                                    <p:set>
-                                      <p:cBhvr>
-                                        <p:cTn id="11" dur="1" fill="hold">
-                                          <p:stCondLst>
-                                            <p:cond delay="0"/>
-                                          </p:stCondLst>
-                                        </p:cTn>
-                                        <p:tgtEl>
-                                          <p:spTgt spid="3">
-                                            <p:txEl>
-                                              <p:pRg st="1" end="1"/>
-                                            </p:txEl>
-                                          </p:spTgt>
-                                        </p:tgtEl>
-                                        <p:attrNameLst>
-                                          <p:attrName>style.visibility</p:attrName>
-                                        </p:attrNameLst>
-                                      </p:cBhvr>
-                                      <p:to>
-                                        <p:strVal val="visible"/>
-                                      </p:to>
-                                    </p:set>
-                                    <p:animEffect transition="in" filter="fade">
-                                      <p:cBhvr>
-                                        <p:cTn id="12" dur="500"/>
-                                        <p:tgtEl>
-                                          <p:spTgt spid="3">
-                                            <p:txEl>
-                                              <p:pRg st="1" end="1"/>
-                                            </p:txEl>
-                                          </p:spTgt>
-                                        </p:tgtEl>
-                                      </p:cBhvr>
-                                    </p:animEffect>
-                                  </p:childTnLst>
-                                  <p:subTnLst>
-                                    <p:animClr clrSpc="rgb" dir="cw">
-                                      <p:cBhvr override="childStyle">
-                                        <p:cTn dur="1" fill="hold" display="0" masterRel="nextClick" afterEffect="1"/>
-                                        <p:tgtEl>
-                                          <p:spTgt spid="3">
-                                            <p:txEl>
-                                              <p:pRg st="1" end="1"/>
-                                            </p:txEl>
-                                          </p:spTgt>
-                                        </p:tgtEl>
-                                        <p:attrNameLst>
-                                          <p:attrName>ppt_c</p:attrName>
-                                        </p:attrNameLst>
-                                      </p:cBhvr>
-                                      <p:to>
-                                        <a:srgbClr val="B2B2B2"/>
-                                      </p:to>
-                                    </p:animClr>
-                                  </p:subTnLst>
-                                </p:cTn>
-                              </p:par>
-                            </p:childTnLst>
-                          </p:cTn>
-                        </p:par>
-                      </p:childTnLst>
-                    </p:cTn>
-                  </p:par>
-                  <p:par>
-                    <p:cTn id="13" fill="hold">
-                      <p:stCondLst>
-                        <p:cond delay="indefinite"/>
-                      </p:stCondLst>
-                      <p:childTnLst>
-                        <p:par>
-                          <p:cTn id="14" fill="hold">
-                            <p:stCondLst>
-                              <p:cond delay="0"/>
-                            </p:stCondLst>
-                            <p:childTnLst>
-                              <p:par>
-                                <p:cTn id="15" presetID="10" presetClass="entr" presetSubtype="0" fill="hold" grpId="0" nodeType="clickEffect">
-                                  <p:stCondLst>
-                                    <p:cond delay="0"/>
-                                  </p:stCondLst>
-                                  <p:childTnLst>
-                                    <p:set>
-                                      <p:cBhvr>
-                                        <p:cTn id="16" dur="1" fill="hold">
-                                          <p:stCondLst>
-                                            <p:cond delay="0"/>
-                                          </p:stCondLst>
-                                        </p:cTn>
-                                        <p:tgtEl>
-                                          <p:spTgt spid="3">
-                                            <p:txEl>
-                                              <p:pRg st="2" end="2"/>
-                                            </p:txEl>
-                                          </p:spTgt>
-                                        </p:tgtEl>
-                                        <p:attrNameLst>
-                                          <p:attrName>style.visibility</p:attrName>
-                                        </p:attrNameLst>
-                                      </p:cBhvr>
-                                      <p:to>
-                                        <p:strVal val="visible"/>
-                                      </p:to>
-                                    </p:set>
-                                    <p:animEffect transition="in" filter="fade">
-                                      <p:cBhvr>
-                                        <p:cTn id="17" dur="500"/>
-                                        <p:tgtEl>
-                                          <p:spTgt spid="3">
-                                            <p:txEl>
-                                              <p:pRg st="2" end="2"/>
-                                            </p:txEl>
-                                          </p:spTgt>
-                                        </p:tgtEl>
-                                      </p:cBhvr>
-                                    </p:animEffect>
-                                  </p:childTnLst>
-                                  <p:subTnLst>
-                                    <p:animClr clrSpc="rgb" dir="cw">
-                                      <p:cBhvr override="childStyle">
-                                        <p:cTn dur="1" fill="hold" display="0" masterRel="nextClick" afterEffect="1"/>
-                                        <p:tgtEl>
-                                          <p:spTgt spid="3">
-                                            <p:txEl>
-                                              <p:pRg st="2" end="2"/>
-                                            </p:txEl>
-                                          </p:spTgt>
-                                        </p:tgtEl>
-                                        <p:attrNameLst>
-                                          <p:attrName>ppt_c</p:attrName>
-                                        </p:attrNameLst>
-                                      </p:cBhvr>
-                                      <p:to>
-                                        <a:srgbClr val="B2B2B2"/>
-                                      </p:to>
-                                    </p:animClr>
-                                  </p:subTnLst>
-                                </p:cTn>
-                              </p:par>
-                            </p:childTnLst>
-                          </p:cTn>
-                        </p:par>
-                      </p:childTnLst>
-                    </p:cTn>
-                  </p:par>
-                  <p:par>
-                    <p:cTn id="18" fill="hold">
-                      <p:stCondLst>
-                        <p:cond delay="indefinite"/>
-                      </p:stCondLst>
-                      <p:childTnLst>
-                        <p:par>
-                          <p:cTn id="19" fill="hold">
-                            <p:stCondLst>
-                              <p:cond delay="0"/>
-                            </p:stCondLst>
-                            <p:childTnLst>
-                              <p:par>
-                                <p:cTn id="20" presetID="10" presetClass="entr" presetSubtype="0" fill="hold" grpId="0" nodeType="clickEffect">
-                                  <p:stCondLst>
-                                    <p:cond delay="0"/>
-                                  </p:stCondLst>
-                                  <p:childTnLst>
-                                    <p:set>
-                                      <p:cBhvr>
-                                        <p:cTn id="21" dur="1" fill="hold">
-                                          <p:stCondLst>
-                                            <p:cond delay="0"/>
-                                          </p:stCondLst>
-                                        </p:cTn>
-                                        <p:tgtEl>
-                                          <p:spTgt spid="3">
-                                            <p:txEl>
-                                              <p:pRg st="3" end="3"/>
-                                            </p:txEl>
-                                          </p:spTgt>
-                                        </p:tgtEl>
-                                        <p:attrNameLst>
-                                          <p:attrName>style.visibility</p:attrName>
-                                        </p:attrNameLst>
-                                      </p:cBhvr>
-                                      <p:to>
-                                        <p:strVal val="visible"/>
-                                      </p:to>
-                                    </p:set>
-                                    <p:animEffect transition="in" filter="fade">
-                                      <p:cBhvr>
-                                        <p:cTn id="22" dur="500"/>
-                                        <p:tgtEl>
-                                          <p:spTgt spid="3">
-                                            <p:txEl>
-                                              <p:pRg st="3" end="3"/>
-                                            </p:txEl>
-                                          </p:spTgt>
-                                        </p:tgtEl>
-                                      </p:cBhvr>
-                                    </p:animEffect>
-                                  </p:childTnLst>
-                                  <p:subTnLst>
-                                    <p:animClr clrSpc="rgb" dir="cw">
-                                      <p:cBhvr override="childStyle">
-                                        <p:cTn dur="1" fill="hold" display="0" masterRel="nextClick" afterEffect="1"/>
-                                        <p:tgtEl>
-                                          <p:spTgt spid="3">
-                                            <p:txEl>
-                                              <p:pRg st="3" end="3"/>
-                                            </p:txEl>
-                                          </p:spTgt>
-                                        </p:tgtEl>
-                                        <p:attrNameLst>
-                                          <p:attrName>ppt_c</p:attrName>
-                                        </p:attrNameLst>
-                                      </p:cBhvr>
-                                      <p:to>
-                                        <a:srgbClr val="B2B2B2"/>
-                                      </p:to>
-                                    </p:animClr>
-                                  </p:subTnLst>
-                                </p:cTn>
-                              </p:par>
-                            </p:childTnLst>
-                          </p:cTn>
-                        </p:par>
-                      </p:childTnLst>
-                    </p:cTn>
-                  </p:par>
-                  <p:par>
-                    <p:cTn id="23" fill="hold">
-                      <p:stCondLst>
-                        <p:cond delay="indefinite"/>
-                      </p:stCondLst>
-                      <p:childTnLst>
-                        <p:par>
-                          <p:cTn id="24" fill="hold">
-                            <p:stCondLst>
-                              <p:cond delay="0"/>
-                            </p:stCondLst>
-                            <p:childTnLst>
-                              <p:par>
-                                <p:cTn id="25" presetID="10" presetClass="entr" presetSubtype="0" fill="hold" grpId="0" nodeType="clickEffect">
-                                  <p:stCondLst>
-                                    <p:cond delay="0"/>
-                                  </p:stCondLst>
-                                  <p:childTnLst>
-                                    <p:set>
-                                      <p:cBhvr>
-                                        <p:cTn id="26" dur="1" fill="hold">
-                                          <p:stCondLst>
-                                            <p:cond delay="0"/>
-                                          </p:stCondLst>
-                                        </p:cTn>
-                                        <p:tgtEl>
-                                          <p:spTgt spid="3">
-                                            <p:txEl>
-                                              <p:pRg st="4" end="4"/>
-                                            </p:txEl>
-                                          </p:spTgt>
-                                        </p:tgtEl>
-                                        <p:attrNameLst>
-                                          <p:attrName>style.visibility</p:attrName>
-                                        </p:attrNameLst>
-                                      </p:cBhvr>
-                                      <p:to>
-                                        <p:strVal val="visible"/>
-                                      </p:to>
-                                    </p:set>
-                                    <p:animEffect transition="in" filter="fade">
-                                      <p:cBhvr>
-                                        <p:cTn id="27" dur="500"/>
-                                        <p:tgtEl>
-                                          <p:spTgt spid="3">
-                                            <p:txEl>
-                                              <p:pRg st="4" end="4"/>
-                                            </p:txEl>
-                                          </p:spTgt>
-                                        </p:tgtEl>
-                                      </p:cBhvr>
-                                    </p:animEffect>
-                                  </p:childTnLst>
-                                  <p:subTnLst>
-                                    <p:animClr clrSpc="rgb" dir="cw">
-                                      <p:cBhvr override="childStyle">
-                                        <p:cTn dur="1" fill="hold" display="0" masterRel="nextClick" afterEffect="1"/>
-                                        <p:tgtEl>
-                                          <p:spTgt spid="3">
-                                            <p:txEl>
-                                              <p:pRg st="4" end="4"/>
-                                            </p:txEl>
-                                          </p:spTgt>
-                                        </p:tgtEl>
-                                        <p:attrNameLst>
-                                          <p:attrName>ppt_c</p:attrName>
-                                        </p:attrNameLst>
-                                      </p:cBhvr>
-                                      <p:to>
-                                        <a:srgbClr val="B2B2B2"/>
-                                      </p:to>
-                                    </p:animClr>
-                                  </p:subTnLst>
-                                </p:cTn>
-                              </p:par>
-                            </p:childTnLst>
-                          </p:cTn>
-                        </p:par>
-                      </p:childTnLst>
-                    </p:cTn>
-                  </p:par>
-                </p:childTnLst>
-              </p:cTn>
-              <p:prevCondLst>
-                <p:cond evt="onPrev" delay="0">
-                  <p:tgtEl>
-                    <p:sldTgt/>
-                  </p:tgtEl>
-                </p:cond>
-              </p:prevCondLst>
-              <p:nextCondLst>
-                <p:cond evt="onNext" delay="0">
-                  <p:tgtEl>
-                    <p:sldTgt/>
-                  </p:tgtEl>
-                </p:cond>
-              </p:nextCondLst>
-            </p:seq>
-          </p:childTnLst>
-        </p:cTn>
-      </p:par>
-    </p:tnLst>
-    <p:bldLst>
-      <p:bldP spid="3" grpId="0" build="p"/>
-    </p:bldLst>
-  </p:timing>
 </p:sld>
 </file>
 
-<file path=ppt/slides/slide9.xml><?xml version="1.0" encoding="utf-8"?>
+<file path=ppt/slides/slide8.xml><?xml version="1.0" encoding="utf-8"?>
 <p:sld xmlns:a="http://schemas.openxmlformats.org/drawingml/2006/main" xmlns:r="http://schemas.openxmlformats.org/officeDocument/2006/relationships" xmlns:p="http://schemas.openxmlformats.org/presentationml/2006/main">
   <p:cSld>
     <p:bg>
@@ -31635,6 +30997,220 @@
     <p:extLst>
       <p:ext uri="{BB962C8B-B14F-4D97-AF65-F5344CB8AC3E}">
         <p14:creationId xmlns:p14="http://schemas.microsoft.com/office/powerpoint/2010/main" val="1640549804"/>
+      </p:ext>
+    </p:extLst>
+  </p:cSld>
+  <p:clrMapOvr>
+    <a:masterClrMapping/>
+  </p:clrMapOvr>
+</p:sld>
+</file>
+
+<file path=ppt/slides/slide9.xml><?xml version="1.0" encoding="utf-8"?>
+<p:sld xmlns:a="http://schemas.openxmlformats.org/drawingml/2006/main" xmlns:r="http://schemas.openxmlformats.org/officeDocument/2006/relationships" xmlns:p="http://schemas.openxmlformats.org/presentationml/2006/main">
+  <p:cSld>
+    <p:bg>
+      <p:bgPr>
+        <a:solidFill>
+          <a:schemeClr val="bg1"/>
+        </a:solidFill>
+        <a:effectLst/>
+      </p:bgPr>
+    </p:bg>
+    <p:spTree>
+      <p:nvGrpSpPr>
+        <p:cNvPr id="1" name=""/>
+        <p:cNvGrpSpPr/>
+        <p:nvPr/>
+      </p:nvGrpSpPr>
+      <p:grpSpPr>
+        <a:xfrm>
+          <a:off x="0" y="0"/>
+          <a:ext cx="0" cy="0"/>
+          <a:chOff x="0" y="0"/>
+          <a:chExt cx="0" cy="0"/>
+        </a:xfrm>
+      </p:grpSpPr>
+      <p:pic>
+        <p:nvPicPr>
+          <p:cNvPr id="3" name="Picture 2" descr="Texas Cowboy Cookies - Rachel Hollis">
+            <a:extLst>
+              <a:ext uri="{FF2B5EF4-FFF2-40B4-BE49-F238E27FC236}">
+                <a16:creationId xmlns:a16="http://schemas.microsoft.com/office/drawing/2014/main" id="{9A48CDD7-56F2-4CE9-97EA-7B27FCD6AD9F}"/>
+              </a:ext>
+            </a:extLst>
+          </p:cNvPr>
+          <p:cNvPicPr>
+            <a:picLocks noChangeAspect="1" noChangeArrowheads="1"/>
+          </p:cNvPicPr>
+          <p:nvPr/>
+        </p:nvPicPr>
+        <p:blipFill>
+          <a:blip r:embed="rId3">
+            <a:extLst>
+              <a:ext uri="{28A0092B-C50C-407E-A947-70E740481C1C}">
+                <a14:useLocalDpi xmlns:a14="http://schemas.microsoft.com/office/drawing/2010/main" val="0"/>
+              </a:ext>
+            </a:extLst>
+          </a:blip>
+          <a:srcRect/>
+          <a:stretch>
+            <a:fillRect/>
+          </a:stretch>
+        </p:blipFill>
+        <p:spPr bwMode="auto">
+          <a:xfrm>
+            <a:off x="0" y="0"/>
+            <a:ext cx="12192000" cy="6858000"/>
+          </a:xfrm>
+          <a:prstGeom prst="rect">
+            <a:avLst/>
+          </a:prstGeom>
+          <a:noFill/>
+          <a:extLst>
+            <a:ext uri="{909E8E84-426E-40DD-AFC4-6F175D3DCCD1}">
+              <a14:hiddenFill xmlns:a14="http://schemas.microsoft.com/office/drawing/2010/main">
+                <a:solidFill>
+                  <a:srgbClr val="FFFFFF"/>
+                </a:solidFill>
+              </a14:hiddenFill>
+            </a:ext>
+          </a:extLst>
+        </p:spPr>
+      </p:pic>
+      <p:sp>
+        <p:nvSpPr>
+          <p:cNvPr id="5" name="Rectangle 4">
+            <a:extLst>
+              <a:ext uri="{FF2B5EF4-FFF2-40B4-BE49-F238E27FC236}">
+                <a16:creationId xmlns:a16="http://schemas.microsoft.com/office/drawing/2014/main" id="{277F39DA-5BD4-4DA7-A0D2-9E94D0895756}"/>
+              </a:ext>
+            </a:extLst>
+          </p:cNvPr>
+          <p:cNvSpPr/>
+          <p:nvPr/>
+        </p:nvSpPr>
+        <p:spPr>
+          <a:xfrm>
+            <a:off x="0" y="0"/>
+            <a:ext cx="12192000" cy="6864059"/>
+          </a:xfrm>
+          <a:prstGeom prst="rect">
+            <a:avLst/>
+          </a:prstGeom>
+          <a:solidFill>
+            <a:srgbClr val="0F69B6">
+              <a:alpha val="75000"/>
+            </a:srgbClr>
+          </a:solidFill>
+          <a:ln>
+            <a:noFill/>
+          </a:ln>
+        </p:spPr>
+        <p:style>
+          <a:lnRef idx="2">
+            <a:schemeClr val="accent1">
+              <a:shade val="50000"/>
+            </a:schemeClr>
+          </a:lnRef>
+          <a:fillRef idx="1">
+            <a:schemeClr val="accent1"/>
+          </a:fillRef>
+          <a:effectRef idx="0">
+            <a:schemeClr val="accent1"/>
+          </a:effectRef>
+          <a:fontRef idx="minor">
+            <a:schemeClr val="lt1"/>
+          </a:fontRef>
+        </p:style>
+        <p:txBody>
+          <a:bodyPr rtlCol="0" anchor="ctr"/>
+          <a:lstStyle/>
+          <a:p>
+            <a:pPr algn="ctr"/>
+            <a:endParaRPr lang="en-GB"/>
+          </a:p>
+        </p:txBody>
+      </p:sp>
+      <p:sp>
+        <p:nvSpPr>
+          <p:cNvPr id="2" name="Title 1">
+            <a:extLst>
+              <a:ext uri="{FF2B5EF4-FFF2-40B4-BE49-F238E27FC236}">
+                <a16:creationId xmlns:a16="http://schemas.microsoft.com/office/drawing/2014/main" id="{23961254-86DC-4239-85AC-F87EEB565B01}"/>
+              </a:ext>
+            </a:extLst>
+          </p:cNvPr>
+          <p:cNvSpPr>
+            <a:spLocks noGrp="1"/>
+          </p:cNvSpPr>
+          <p:nvPr>
+            <p:ph type="title"/>
+          </p:nvPr>
+        </p:nvSpPr>
+        <p:spPr>
+          <a:xfrm>
+            <a:off x="0" y="365125"/>
+            <a:ext cx="12192000" cy="6027511"/>
+          </a:xfrm>
+        </p:spPr>
+        <p:txBody>
+          <a:bodyPr>
+            <a:normAutofit/>
+          </a:bodyPr>
+          <a:lstStyle/>
+          <a:p>
+            <a:pPr algn="ctr"/>
+            <a:r>
+              <a:rPr lang="en-US" sz="12000" dirty="0" err="1">
+                <a:solidFill>
+                  <a:schemeClr val="bg1"/>
+                </a:solidFill>
+                <a:latin typeface="+mn-lt"/>
+              </a:rPr>
+              <a:t>IHostedService</a:t>
+            </a:r>
+            <a:br>
+              <a:rPr lang="en-US" sz="7200" dirty="0">
+                <a:solidFill>
+                  <a:schemeClr val="bg1"/>
+                </a:solidFill>
+                <a:latin typeface="+mn-lt"/>
+              </a:rPr>
+            </a:br>
+            <a:r>
+              <a:rPr lang="en-US" sz="7200" dirty="0">
+                <a:solidFill>
+                  <a:schemeClr val="bg1"/>
+                </a:solidFill>
+                <a:latin typeface="+mn-lt"/>
+              </a:rPr>
+              <a:t>“Make Your Own Recipe”</a:t>
+            </a:r>
+            <a:br>
+              <a:rPr lang="en-US" sz="7200" dirty="0">
+                <a:solidFill>
+                  <a:schemeClr val="bg1"/>
+                </a:solidFill>
+                <a:latin typeface="+mn-lt"/>
+              </a:rPr>
+            </a:br>
+            <a:r>
+              <a:rPr lang="en-US" sz="6000" dirty="0">
+                <a:solidFill>
+                  <a:schemeClr val="bg1"/>
+                </a:solidFill>
+                <a:latin typeface="+mn-lt"/>
+              </a:rPr>
+              <a:t>(Cookie Jar Included)</a:t>
+            </a:r>
+          </a:p>
+        </p:txBody>
+      </p:sp>
+    </p:spTree>
+    <p:extLst>
+      <p:ext uri="{BB962C8B-B14F-4D97-AF65-F5344CB8AC3E}">
+        <p14:creationId xmlns:p14="http://schemas.microsoft.com/office/powerpoint/2010/main" val="653363895"/>
       </p:ext>
     </p:extLst>
   </p:cSld>

--- a/2020-10-16 - NDC Sydney - The Background on Background Tasks in .NET Core/The Background on Background Tasks.pptx
+++ b/2020-10-16 - NDC Sydney - The Background on Background Tasks in .NET Core/The Background on Background Tasks.pptx
@@ -237,7 +237,7 @@
           <a:p>
             <a:fld id="{8EBF47D1-607F-45EE-AE63-C10CF3AC8DD9}" type="datetimeFigureOut">
               <a:rPr lang="en-US" smtClean="0"/>
-              <a:t>10/8/2020</a:t>
+              <a:t>10/11/2020</a:t>
             </a:fld>
             <a:endParaRPr lang="en-US"/>
           </a:p>
@@ -1598,7 +1598,10 @@
           <a:bodyPr/>
           <a:lstStyle/>
           <a:p>
-            <a:endParaRPr lang="en-US" dirty="0"/>
+            <a:r>
+              <a:rPr lang="en-US" dirty="0"/>
+              <a:t>When I made this talk, I had a certain audience in mind, so hopefully this is lines up with you, so that you can get the most out of this talk.  This talk targets existing .NET Core Developers who are familiar with the .NET Core/ASP.NET Core ecosystem and need to run a background task, but are maybe unsure of their options and which one to choose.</a:t>
+            </a:r>
           </a:p>
         </p:txBody>
       </p:sp>
@@ -3236,6 +3239,51 @@
               <a:t>Throw exception and show retry</a:t>
             </a:r>
           </a:p>
+          <a:p>
+            <a:pPr marL="0" indent="0">
+              <a:buFontTx/>
+              <a:buNone/>
+            </a:pPr>
+            <a:endParaRPr lang="en-US" dirty="0"/>
+          </a:p>
+          <a:p>
+            <a:pPr marL="0" indent="0">
+              <a:buFontTx/>
+              <a:buNone/>
+            </a:pPr>
+            <a:endParaRPr lang="en-US" dirty="0"/>
+          </a:p>
+          <a:p>
+            <a:pPr marL="0" indent="0">
+              <a:buFontTx/>
+              <a:buNone/>
+            </a:pPr>
+            <a:r>
+              <a:rPr lang="en-US" dirty="0"/>
+              <a:t>Note: </a:t>
+            </a:r>
+            <a:r>
+              <a:rPr lang="en-US" dirty="0" err="1"/>
+              <a:t>BackgroundJobService</a:t>
+            </a:r>
+            <a:r>
+              <a:rPr lang="en-US" dirty="0"/>
+              <a:t> is a </a:t>
+            </a:r>
+            <a:r>
+              <a:rPr lang="en-US" dirty="0" err="1"/>
+              <a:t>Hangfire</a:t>
+            </a:r>
+            <a:r>
+              <a:rPr lang="en-US" dirty="0"/>
+              <a:t> thing NOT a </a:t>
+            </a:r>
+            <a:r>
+              <a:rPr lang="en-US" dirty="0" err="1"/>
+              <a:t>BackgroundService</a:t>
+            </a:r>
+            <a:endParaRPr lang="en-US" dirty="0"/>
+          </a:p>
         </p:txBody>
       </p:sp>
       <p:sp>
@@ -3990,29 +4038,6 @@
           <a:bodyPr/>
           <a:lstStyle/>
           <a:p>
-            <a:pPr marL="0" marR="0" lvl="0" indent="0" algn="l" defTabSz="914400" rtl="0" eaLnBrk="1" fontAlgn="auto" latinLnBrk="0" hangingPunct="1">
-              <a:lnSpc>
-                <a:spcPct val="100000"/>
-              </a:lnSpc>
-              <a:spcBef>
-                <a:spcPts val="0"/>
-              </a:spcBef>
-              <a:spcAft>
-                <a:spcPts val="0"/>
-              </a:spcAft>
-              <a:buClrTx/>
-              <a:buSzTx/>
-              <a:buFontTx/>
-              <a:buNone/>
-              <a:tabLst/>
-              <a:defRPr/>
-            </a:pPr>
-            <a:r>
-              <a:rPr lang="en-US" dirty="0"/>
-              <a:t>25 year old DB that was multi-tenant where each customer had their own DB instances, each DB had thousands of DB objects, stored procedures that used Linked Servers, dead stored procedures referencing removed columns, etc.</a:t>
-            </a:r>
-          </a:p>
-          <a:p>
             <a:endParaRPr lang="en-US" dirty="0"/>
           </a:p>
         </p:txBody>
@@ -4270,7 +4295,7 @@
           <a:p>
             <a:r>
               <a:rPr lang="en-US" dirty="0"/>
-              <a:t>These options are kind of like baking cookies.  It goes from a make your own recipe to buying pre-packaged cookies.  Depending on what your requirements are, sometimes you might just reach for building your own recipe because you actually need to make a cookie cake and not individual cookies.  Other times you may just want to go to the store and buy cookies already pre-made in the box so you don’t have to worry about getting all the ingredients just right.</a:t>
+              <a:t>These options are kind of like baking cookies.  On one end of the spectrum, you have making your own recipe, where you have the raw ingredients, but it’s up to you how you want to assemble them and cook them and you have full control.  On the other end of the spectrum, you have going to the store and buying cookies off the shelf.  Obviously it’s way more convenient, but you have a lot less control over how the cookies are made and packaged.  Depending on what your requirements are, sometimes you may reach for one or the other depending on your scenario.</a:t>
             </a:r>
           </a:p>
         </p:txBody>
@@ -4542,7 +4567,7 @@
           <a:p>
             <a:fld id="{A4BF2526-C75C-47BE-928B-0135A92A66BE}" type="datetimeFigureOut">
               <a:rPr lang="en-US" smtClean="0"/>
-              <a:t>10/8/2020</a:t>
+              <a:t>10/11/2020</a:t>
             </a:fld>
             <a:endParaRPr lang="en-US"/>
           </a:p>
@@ -4740,7 +4765,7 @@
           <a:p>
             <a:fld id="{A4BF2526-C75C-47BE-928B-0135A92A66BE}" type="datetimeFigureOut">
               <a:rPr lang="en-US" smtClean="0"/>
-              <a:t>10/8/2020</a:t>
+              <a:t>10/11/2020</a:t>
             </a:fld>
             <a:endParaRPr lang="en-US"/>
           </a:p>
@@ -4948,7 +4973,7 @@
           <a:p>
             <a:fld id="{A4BF2526-C75C-47BE-928B-0135A92A66BE}" type="datetimeFigureOut">
               <a:rPr lang="en-US" smtClean="0"/>
-              <a:t>10/8/2020</a:t>
+              <a:t>10/11/2020</a:t>
             </a:fld>
             <a:endParaRPr lang="en-US"/>
           </a:p>
@@ -5146,7 +5171,7 @@
           <a:p>
             <a:fld id="{A4BF2526-C75C-47BE-928B-0135A92A66BE}" type="datetimeFigureOut">
               <a:rPr lang="en-US" smtClean="0"/>
-              <a:t>10/8/2020</a:t>
+              <a:t>10/11/2020</a:t>
             </a:fld>
             <a:endParaRPr lang="en-US"/>
           </a:p>
@@ -5421,7 +5446,7 @@
           <a:p>
             <a:fld id="{A4BF2526-C75C-47BE-928B-0135A92A66BE}" type="datetimeFigureOut">
               <a:rPr lang="en-US" smtClean="0"/>
-              <a:t>10/8/2020</a:t>
+              <a:t>10/11/2020</a:t>
             </a:fld>
             <a:endParaRPr lang="en-US"/>
           </a:p>
@@ -5686,7 +5711,7 @@
           <a:p>
             <a:fld id="{A4BF2526-C75C-47BE-928B-0135A92A66BE}" type="datetimeFigureOut">
               <a:rPr lang="en-US" smtClean="0"/>
-              <a:t>10/8/2020</a:t>
+              <a:t>10/11/2020</a:t>
             </a:fld>
             <a:endParaRPr lang="en-US"/>
           </a:p>
@@ -6098,7 +6123,7 @@
           <a:p>
             <a:fld id="{A4BF2526-C75C-47BE-928B-0135A92A66BE}" type="datetimeFigureOut">
               <a:rPr lang="en-US" smtClean="0"/>
-              <a:t>10/8/2020</a:t>
+              <a:t>10/11/2020</a:t>
             </a:fld>
             <a:endParaRPr lang="en-US"/>
           </a:p>
@@ -6239,7 +6264,7 @@
           <a:p>
             <a:fld id="{A4BF2526-C75C-47BE-928B-0135A92A66BE}" type="datetimeFigureOut">
               <a:rPr lang="en-US" smtClean="0"/>
-              <a:t>10/8/2020</a:t>
+              <a:t>10/11/2020</a:t>
             </a:fld>
             <a:endParaRPr lang="en-US"/>
           </a:p>
@@ -6352,7 +6377,7 @@
           <a:p>
             <a:fld id="{A4BF2526-C75C-47BE-928B-0135A92A66BE}" type="datetimeFigureOut">
               <a:rPr lang="en-US" smtClean="0"/>
-              <a:t>10/8/2020</a:t>
+              <a:t>10/11/2020</a:t>
             </a:fld>
             <a:endParaRPr lang="en-US"/>
           </a:p>
@@ -6663,7 +6688,7 @@
           <a:p>
             <a:fld id="{A4BF2526-C75C-47BE-928B-0135A92A66BE}" type="datetimeFigureOut">
               <a:rPr lang="en-US" smtClean="0"/>
-              <a:t>10/8/2020</a:t>
+              <a:t>10/11/2020</a:t>
             </a:fld>
             <a:endParaRPr lang="en-US"/>
           </a:p>
@@ -6951,7 +6976,7 @@
           <a:p>
             <a:fld id="{A4BF2526-C75C-47BE-928B-0135A92A66BE}" type="datetimeFigureOut">
               <a:rPr lang="en-US" smtClean="0"/>
-              <a:t>10/8/2020</a:t>
+              <a:t>10/11/2020</a:t>
             </a:fld>
             <a:endParaRPr lang="en-US"/>
           </a:p>
@@ -7192,7 +7217,7 @@
           <a:p>
             <a:fld id="{A4BF2526-C75C-47BE-928B-0135A92A66BE}" type="datetimeFigureOut">
               <a:rPr lang="en-US" smtClean="0"/>
-              <a:t>10/8/2020</a:t>
+              <a:t>10/11/2020</a:t>
             </a:fld>
             <a:endParaRPr lang="en-US"/>
           </a:p>
@@ -8214,12 +8239,6 @@
           <a:p>
             <a:r>
               <a:rPr lang="en-US" dirty="0"/>
-              <a:t>Raw, fundamental building block for other options</a:t>
-            </a:r>
-          </a:p>
-          <a:p>
-            <a:r>
-              <a:rPr lang="en-US" dirty="0"/>
               <a:t>Interface with </a:t>
             </a:r>
             <a:r>
@@ -8231,10 +8250,15 @@
               <a:t> and </a:t>
             </a:r>
             <a:r>
-              <a:rPr lang="en-US" dirty="0" err="1"/>
+              <a:rPr lang="en-US"/>
               <a:t>StopAsync</a:t>
             </a:r>
-            <a:endParaRPr lang="en-US" dirty="0"/>
+          </a:p>
+          <a:p>
+            <a:r>
+              <a:rPr lang="en-US" dirty="0"/>
+              <a:t>Raw, fundamental building block for other options</a:t>
+            </a:r>
           </a:p>
           <a:p>
             <a:r>
@@ -12149,7 +12173,7 @@
             </a:r>
             <a:r>
               <a:rPr lang="en-US" dirty="0"/>
-              <a:t> (more later)</a:t>
+              <a:t> (next)</a:t>
             </a:r>
           </a:p>
         </p:txBody>
@@ -14018,15 +14042,6 @@
               <a:t>In need of running a background task</a:t>
             </a:r>
           </a:p>
-          <a:p>
-            <a:r>
-              <a:rPr lang="en-US" dirty="0">
-                <a:ea typeface="Open Sans" panose="020B0606030504020204" pitchFamily="34" charset="0"/>
-                <a:cs typeface="Open Sans" panose="020B0606030504020204" pitchFamily="34" charset="0"/>
-              </a:rPr>
-              <a:t>Unaware of their options</a:t>
-            </a:r>
-          </a:p>
         </p:txBody>
       </p:sp>
       <p:grpSp>
@@ -14480,87 +14495,6 @@
                                           <p:spTgt spid="3">
                                             <p:txEl>
                                               <p:pRg st="1" end="1"/>
-                                            </p:txEl>
-                                          </p:spTgt>
-                                        </p:tgtEl>
-                                        <p:attrNameLst>
-                                          <p:attrName>ppt_c</p:attrName>
-                                        </p:attrNameLst>
-                                      </p:cBhvr>
-                                      <p:to>
-                                        <a:srgbClr val="B2B2B2"/>
-                                      </p:to>
-                                    </p:animClr>
-                                  </p:subTnLst>
-                                </p:cTn>
-                              </p:par>
-                            </p:childTnLst>
-                          </p:cTn>
-                        </p:par>
-                      </p:childTnLst>
-                    </p:cTn>
-                  </p:par>
-                  <p:par>
-                    <p:cTn id="13" fill="hold">
-                      <p:stCondLst>
-                        <p:cond delay="indefinite"/>
-                      </p:stCondLst>
-                      <p:childTnLst>
-                        <p:par>
-                          <p:cTn id="14" fill="hold">
-                            <p:stCondLst>
-                              <p:cond delay="0"/>
-                            </p:stCondLst>
-                            <p:childTnLst>
-                              <p:par>
-                                <p:cTn id="15" presetID="10" presetClass="entr" presetSubtype="0" fill="hold" grpId="0" nodeType="clickEffect">
-                                  <p:stCondLst>
-                                    <p:cond delay="0"/>
-                                  </p:stCondLst>
-                                  <p:childTnLst>
-                                    <p:set>
-                                      <p:cBhvr>
-                                        <p:cTn id="16" dur="1" fill="hold">
-                                          <p:stCondLst>
-                                            <p:cond delay="0"/>
-                                          </p:stCondLst>
-                                        </p:cTn>
-                                        <p:tgtEl>
-                                          <p:spTgt spid="3">
-                                            <p:txEl>
-                                              <p:pRg st="2" end="2"/>
-                                            </p:txEl>
-                                          </p:spTgt>
-                                        </p:tgtEl>
-                                        <p:attrNameLst>
-                                          <p:attrName>style.visibility</p:attrName>
-                                        </p:attrNameLst>
-                                      </p:cBhvr>
-                                      <p:to>
-                                        <p:strVal val="visible"/>
-                                      </p:to>
-                                    </p:set>
-                                    <p:animEffect transition="in" filter="fade">
-                                      <p:cBhvr>
-                                        <p:cTn id="17" dur="500"/>
-                                        <p:tgtEl>
-                                          <p:spTgt spid="3">
-                                            <p:txEl>
-                                              <p:pRg st="2" end="2"/>
-                                            </p:txEl>
-                                          </p:spTgt>
-                                        </p:tgtEl>
-                                      </p:cBhvr>
-                                    </p:animEffect>
-                                  </p:childTnLst>
-                                  <p:subTnLst>
-                                    <p:animClr clrSpc="rgb" dir="cw">
-                                      <p:cBhvr override="childStyle">
-                                        <p:cTn dur="1" fill="hold" display="0" masterRel="nextClick" afterEffect="1"/>
-                                        <p:tgtEl>
-                                          <p:spTgt spid="3">
-                                            <p:txEl>
-                                              <p:pRg st="2" end="2"/>
                                             </p:txEl>
                                           </p:spTgt>
                                         </p:tgtEl>
@@ -20287,6 +20221,12 @@
               <a:t>Avoid app pool recycles</a:t>
             </a:r>
           </a:p>
+          <a:p>
+            <a:r>
+              <a:rPr lang="en-US" dirty="0"/>
+              <a:t>Natural migration for a full .NET framework Windows Service</a:t>
+            </a:r>
+          </a:p>
         </p:txBody>
       </p:sp>
       <p:grpSp>
@@ -20803,6 +20743,87 @@
                                           <p:spTgt spid="3">
                                             <p:txEl>
                                               <p:pRg st="2" end="2"/>
+                                            </p:txEl>
+                                          </p:spTgt>
+                                        </p:tgtEl>
+                                        <p:attrNameLst>
+                                          <p:attrName>ppt_c</p:attrName>
+                                        </p:attrNameLst>
+                                      </p:cBhvr>
+                                      <p:to>
+                                        <a:srgbClr val="B2B2B2"/>
+                                      </p:to>
+                                    </p:animClr>
+                                  </p:subTnLst>
+                                </p:cTn>
+                              </p:par>
+                            </p:childTnLst>
+                          </p:cTn>
+                        </p:par>
+                      </p:childTnLst>
+                    </p:cTn>
+                  </p:par>
+                  <p:par>
+                    <p:cTn id="16" fill="hold">
+                      <p:stCondLst>
+                        <p:cond delay="indefinite"/>
+                      </p:stCondLst>
+                      <p:childTnLst>
+                        <p:par>
+                          <p:cTn id="17" fill="hold">
+                            <p:stCondLst>
+                              <p:cond delay="0"/>
+                            </p:stCondLst>
+                            <p:childTnLst>
+                              <p:par>
+                                <p:cTn id="18" presetID="10" presetClass="entr" presetSubtype="0" fill="hold" grpId="0" nodeType="clickEffect">
+                                  <p:stCondLst>
+                                    <p:cond delay="0"/>
+                                  </p:stCondLst>
+                                  <p:childTnLst>
+                                    <p:set>
+                                      <p:cBhvr>
+                                        <p:cTn id="19" dur="1" fill="hold">
+                                          <p:stCondLst>
+                                            <p:cond delay="0"/>
+                                          </p:stCondLst>
+                                        </p:cTn>
+                                        <p:tgtEl>
+                                          <p:spTgt spid="3">
+                                            <p:txEl>
+                                              <p:pRg st="3" end="3"/>
+                                            </p:txEl>
+                                          </p:spTgt>
+                                        </p:tgtEl>
+                                        <p:attrNameLst>
+                                          <p:attrName>style.visibility</p:attrName>
+                                        </p:attrNameLst>
+                                      </p:cBhvr>
+                                      <p:to>
+                                        <p:strVal val="visible"/>
+                                      </p:to>
+                                    </p:set>
+                                    <p:animEffect transition="in" filter="fade">
+                                      <p:cBhvr>
+                                        <p:cTn id="20" dur="500"/>
+                                        <p:tgtEl>
+                                          <p:spTgt spid="3">
+                                            <p:txEl>
+                                              <p:pRg st="3" end="3"/>
+                                            </p:txEl>
+                                          </p:spTgt>
+                                        </p:tgtEl>
+                                      </p:cBhvr>
+                                    </p:animEffect>
+                                  </p:childTnLst>
+                                  <p:subTnLst>
+                                    <p:animClr clrSpc="rgb" dir="cw">
+                                      <p:cBhvr override="childStyle">
+                                        <p:cTn dur="1" fill="hold" display="0" masterRel="nextClick" afterEffect="1"/>
+                                        <p:tgtEl>
+                                          <p:spTgt spid="3">
+                                            <p:txEl>
+                                              <p:pRg st="3" end="3"/>
                                             </p:txEl>
                                           </p:spTgt>
                                         </p:tgtEl>
@@ -29503,7 +29524,7 @@
           <a:p>
             <a:r>
               <a:rPr lang="en-US" dirty="0"/>
-              <a:t>Update ML datasets</a:t>
+              <a:t>Re-train ML datasets</a:t>
             </a:r>
           </a:p>
         </p:txBody>

--- a/2020-10-16 - NDC Sydney - The Background on Background Tasks in .NET Core/The Background on Background Tasks.pptx
+++ b/2020-10-16 - NDC Sydney - The Background on Background Tasks in .NET Core/The Background on Background Tasks.pptx
@@ -237,7 +237,7 @@
           <a:p>
             <a:fld id="{8EBF47D1-607F-45EE-AE63-C10CF3AC8DD9}" type="datetimeFigureOut">
               <a:rPr lang="en-US" smtClean="0"/>
-              <a:t>10/11/2020</a:t>
+              <a:t>10/12/2020</a:t>
             </a:fld>
             <a:endParaRPr lang="en-US"/>
           </a:p>
@@ -4567,7 +4567,7 @@
           <a:p>
             <a:fld id="{A4BF2526-C75C-47BE-928B-0135A92A66BE}" type="datetimeFigureOut">
               <a:rPr lang="en-US" smtClean="0"/>
-              <a:t>10/11/2020</a:t>
+              <a:t>10/12/2020</a:t>
             </a:fld>
             <a:endParaRPr lang="en-US"/>
           </a:p>
@@ -4765,7 +4765,7 @@
           <a:p>
             <a:fld id="{A4BF2526-C75C-47BE-928B-0135A92A66BE}" type="datetimeFigureOut">
               <a:rPr lang="en-US" smtClean="0"/>
-              <a:t>10/11/2020</a:t>
+              <a:t>10/12/2020</a:t>
             </a:fld>
             <a:endParaRPr lang="en-US"/>
           </a:p>
@@ -4973,7 +4973,7 @@
           <a:p>
             <a:fld id="{A4BF2526-C75C-47BE-928B-0135A92A66BE}" type="datetimeFigureOut">
               <a:rPr lang="en-US" smtClean="0"/>
-              <a:t>10/11/2020</a:t>
+              <a:t>10/12/2020</a:t>
             </a:fld>
             <a:endParaRPr lang="en-US"/>
           </a:p>
@@ -5171,7 +5171,7 @@
           <a:p>
             <a:fld id="{A4BF2526-C75C-47BE-928B-0135A92A66BE}" type="datetimeFigureOut">
               <a:rPr lang="en-US" smtClean="0"/>
-              <a:t>10/11/2020</a:t>
+              <a:t>10/12/2020</a:t>
             </a:fld>
             <a:endParaRPr lang="en-US"/>
           </a:p>
@@ -5446,7 +5446,7 @@
           <a:p>
             <a:fld id="{A4BF2526-C75C-47BE-928B-0135A92A66BE}" type="datetimeFigureOut">
               <a:rPr lang="en-US" smtClean="0"/>
-              <a:t>10/11/2020</a:t>
+              <a:t>10/12/2020</a:t>
             </a:fld>
             <a:endParaRPr lang="en-US"/>
           </a:p>
@@ -5711,7 +5711,7 @@
           <a:p>
             <a:fld id="{A4BF2526-C75C-47BE-928B-0135A92A66BE}" type="datetimeFigureOut">
               <a:rPr lang="en-US" smtClean="0"/>
-              <a:t>10/11/2020</a:t>
+              <a:t>10/12/2020</a:t>
             </a:fld>
             <a:endParaRPr lang="en-US"/>
           </a:p>
@@ -6123,7 +6123,7 @@
           <a:p>
             <a:fld id="{A4BF2526-C75C-47BE-928B-0135A92A66BE}" type="datetimeFigureOut">
               <a:rPr lang="en-US" smtClean="0"/>
-              <a:t>10/11/2020</a:t>
+              <a:t>10/12/2020</a:t>
             </a:fld>
             <a:endParaRPr lang="en-US"/>
           </a:p>
@@ -6264,7 +6264,7 @@
           <a:p>
             <a:fld id="{A4BF2526-C75C-47BE-928B-0135A92A66BE}" type="datetimeFigureOut">
               <a:rPr lang="en-US" smtClean="0"/>
-              <a:t>10/11/2020</a:t>
+              <a:t>10/12/2020</a:t>
             </a:fld>
             <a:endParaRPr lang="en-US"/>
           </a:p>
@@ -6377,7 +6377,7 @@
           <a:p>
             <a:fld id="{A4BF2526-C75C-47BE-928B-0135A92A66BE}" type="datetimeFigureOut">
               <a:rPr lang="en-US" smtClean="0"/>
-              <a:t>10/11/2020</a:t>
+              <a:t>10/12/2020</a:t>
             </a:fld>
             <a:endParaRPr lang="en-US"/>
           </a:p>
@@ -6688,7 +6688,7 @@
           <a:p>
             <a:fld id="{A4BF2526-C75C-47BE-928B-0135A92A66BE}" type="datetimeFigureOut">
               <a:rPr lang="en-US" smtClean="0"/>
-              <a:t>10/11/2020</a:t>
+              <a:t>10/12/2020</a:t>
             </a:fld>
             <a:endParaRPr lang="en-US"/>
           </a:p>
@@ -6976,7 +6976,7 @@
           <a:p>
             <a:fld id="{A4BF2526-C75C-47BE-928B-0135A92A66BE}" type="datetimeFigureOut">
               <a:rPr lang="en-US" smtClean="0"/>
-              <a:t>10/11/2020</a:t>
+              <a:t>10/12/2020</a:t>
             </a:fld>
             <a:endParaRPr lang="en-US"/>
           </a:p>
@@ -7217,7 +7217,7 @@
           <a:p>
             <a:fld id="{A4BF2526-C75C-47BE-928B-0135A92A66BE}" type="datetimeFigureOut">
               <a:rPr lang="en-US" smtClean="0"/>
-              <a:t>10/11/2020</a:t>
+              <a:t>10/12/2020</a:t>
             </a:fld>
             <a:endParaRPr lang="en-US"/>
           </a:p>
@@ -12800,8 +12800,8 @@
         </p:nvSpPr>
         <p:spPr>
           <a:xfrm>
-            <a:off x="10836" y="19633"/>
-            <a:ext cx="12192000" cy="6998425"/>
+            <a:off x="0" y="1"/>
+            <a:ext cx="12202836" cy="7018058"/>
           </a:xfrm>
           <a:prstGeom prst="rect">
             <a:avLst/>
@@ -17725,6 +17725,18 @@
             </a:r>
           </a:p>
           <a:p>
+            <a:pPr lvl="1"/>
+            <a:r>
+              <a:rPr lang="en-US" dirty="0"/>
+              <a:t>dotnet new worker –</a:t>
+            </a:r>
+            <a:r>
+              <a:rPr lang="en-US"/>
+              <a:t>o my-custom-worker</a:t>
+            </a:r>
+            <a:endParaRPr lang="en-US" dirty="0"/>
+          </a:p>
+          <a:p>
             <a:r>
               <a:rPr lang="en-US" dirty="0"/>
               <a:t>Allows you to have an </a:t>
@@ -18174,33 +18186,15 @@
                                   </p:subTnLst>
                                 </p:cTn>
                               </p:par>
-                            </p:childTnLst>
-                          </p:cTn>
-                        </p:par>
-                      </p:childTnLst>
-                    </p:cTn>
-                  </p:par>
-                  <p:par>
-                    <p:cTn id="8" fill="hold">
-                      <p:stCondLst>
-                        <p:cond delay="indefinite"/>
-                      </p:stCondLst>
-                      <p:childTnLst>
-                        <p:par>
-                          <p:cTn id="9" fill="hold">
-                            <p:stCondLst>
-                              <p:cond delay="0"/>
-                            </p:stCondLst>
-                            <p:childTnLst>
                               <p:par>
-                                <p:cTn id="10" presetID="10" presetClass="entr" presetSubtype="0" fill="hold" grpId="0" nodeType="clickEffect">
+                                <p:cTn id="8" presetID="10" presetClass="entr" presetSubtype="0" fill="hold" grpId="0" nodeType="withEffect">
                                   <p:stCondLst>
                                     <p:cond delay="0"/>
                                   </p:stCondLst>
                                   <p:childTnLst>
                                     <p:set>
                                       <p:cBhvr>
-                                        <p:cTn id="11" dur="1" fill="hold">
+                                        <p:cTn id="9" dur="1" fill="hold">
                                           <p:stCondLst>
                                             <p:cond delay="0"/>
                                           </p:stCondLst>
@@ -18222,7 +18216,7 @@
                                     </p:set>
                                     <p:animEffect transition="in" filter="fade">
                                       <p:cBhvr>
-                                        <p:cTn id="12" dur="500"/>
+                                        <p:cTn id="10" dur="500"/>
                                         <p:tgtEl>
                                           <p:spTgt spid="3">
                                             <p:txEl>
@@ -18255,8 +18249,26 @@
                                   </p:subTnLst>
                                 </p:cTn>
                               </p:par>
+                            </p:childTnLst>
+                          </p:cTn>
+                        </p:par>
+                      </p:childTnLst>
+                    </p:cTn>
+                  </p:par>
+                  <p:par>
+                    <p:cTn id="11" fill="hold">
+                      <p:stCondLst>
+                        <p:cond delay="indefinite"/>
+                      </p:stCondLst>
+                      <p:childTnLst>
+                        <p:par>
+                          <p:cTn id="12" fill="hold">
+                            <p:stCondLst>
+                              <p:cond delay="0"/>
+                            </p:stCondLst>
+                            <p:childTnLst>
                               <p:par>
-                                <p:cTn id="13" presetID="10" presetClass="entr" presetSubtype="0" fill="hold" grpId="0" nodeType="withEffect">
+                                <p:cTn id="13" presetID="10" presetClass="entr" presetSubtype="0" fill="hold" grpId="0" nodeType="clickEffect">
                                   <p:stCondLst>
                                     <p:cond delay="0"/>
                                   </p:stCondLst>
@@ -18318,33 +18330,15 @@
                                   </p:subTnLst>
                                 </p:cTn>
                               </p:par>
-                            </p:childTnLst>
-                          </p:cTn>
-                        </p:par>
-                      </p:childTnLst>
-                    </p:cTn>
-                  </p:par>
-                  <p:par>
-                    <p:cTn id="16" fill="hold">
-                      <p:stCondLst>
-                        <p:cond delay="indefinite"/>
-                      </p:stCondLst>
-                      <p:childTnLst>
-                        <p:par>
-                          <p:cTn id="17" fill="hold">
-                            <p:stCondLst>
-                              <p:cond delay="0"/>
-                            </p:stCondLst>
-                            <p:childTnLst>
                               <p:par>
-                                <p:cTn id="18" presetID="10" presetClass="entr" presetSubtype="0" fill="hold" grpId="0" nodeType="clickEffect">
+                                <p:cTn id="16" presetID="10" presetClass="entr" presetSubtype="0" fill="hold" grpId="0" nodeType="withEffect">
                                   <p:stCondLst>
                                     <p:cond delay="0"/>
                                   </p:stCondLst>
                                   <p:childTnLst>
                                     <p:set>
                                       <p:cBhvr>
-                                        <p:cTn id="19" dur="1" fill="hold">
+                                        <p:cTn id="17" dur="1" fill="hold">
                                           <p:stCondLst>
                                             <p:cond delay="0"/>
                                           </p:stCondLst>
@@ -18366,7 +18360,7 @@
                                     </p:set>
                                     <p:animEffect transition="in" filter="fade">
                                       <p:cBhvr>
-                                        <p:cTn id="20" dur="500"/>
+                                        <p:cTn id="18" dur="500"/>
                                         <p:tgtEl>
                                           <p:spTgt spid="3">
                                             <p:txEl>
@@ -18406,26 +18400,26 @@
                     </p:cTn>
                   </p:par>
                   <p:par>
-                    <p:cTn id="21" fill="hold">
+                    <p:cTn id="19" fill="hold">
                       <p:stCondLst>
                         <p:cond delay="indefinite"/>
                       </p:stCondLst>
                       <p:childTnLst>
                         <p:par>
-                          <p:cTn id="22" fill="hold">
+                          <p:cTn id="20" fill="hold">
                             <p:stCondLst>
                               <p:cond delay="0"/>
                             </p:stCondLst>
                             <p:childTnLst>
                               <p:par>
-                                <p:cTn id="23" presetID="10" presetClass="entr" presetSubtype="0" fill="hold" grpId="0" nodeType="clickEffect">
+                                <p:cTn id="21" presetID="10" presetClass="entr" presetSubtype="0" fill="hold" grpId="0" nodeType="clickEffect">
                                   <p:stCondLst>
                                     <p:cond delay="0"/>
                                   </p:stCondLst>
                                   <p:childTnLst>
                                     <p:set>
                                       <p:cBhvr>
-                                        <p:cTn id="24" dur="1" fill="hold">
+                                        <p:cTn id="22" dur="1" fill="hold">
                                           <p:stCondLst>
                                             <p:cond delay="0"/>
                                           </p:stCondLst>
@@ -18447,7 +18441,7 @@
                                     </p:set>
                                     <p:animEffect transition="in" filter="fade">
                                       <p:cBhvr>
-                                        <p:cTn id="25" dur="500"/>
+                                        <p:cTn id="23" dur="500"/>
                                         <p:tgtEl>
                                           <p:spTgt spid="3">
                                             <p:txEl>
@@ -18480,8 +18474,26 @@
                                   </p:subTnLst>
                                 </p:cTn>
                               </p:par>
+                            </p:childTnLst>
+                          </p:cTn>
+                        </p:par>
+                      </p:childTnLst>
+                    </p:cTn>
+                  </p:par>
+                  <p:par>
+                    <p:cTn id="24" fill="hold">
+                      <p:stCondLst>
+                        <p:cond delay="indefinite"/>
+                      </p:stCondLst>
+                      <p:childTnLst>
+                        <p:par>
+                          <p:cTn id="25" fill="hold">
+                            <p:stCondLst>
+                              <p:cond delay="0"/>
+                            </p:stCondLst>
+                            <p:childTnLst>
                               <p:par>
-                                <p:cTn id="26" presetID="10" presetClass="entr" presetSubtype="0" fill="hold" grpId="0" nodeType="withEffect">
+                                <p:cTn id="26" presetID="10" presetClass="entr" presetSubtype="0" fill="hold" grpId="0" nodeType="clickEffect">
                                   <p:stCondLst>
                                     <p:cond delay="0"/>
                                   </p:stCondLst>
@@ -18718,6 +18730,69 @@
                                           <p:spTgt spid="3">
                                             <p:txEl>
                                               <p:pRg st="8" end="8"/>
+                                            </p:txEl>
+                                          </p:spTgt>
+                                        </p:tgtEl>
+                                        <p:attrNameLst>
+                                          <p:attrName>ppt_c</p:attrName>
+                                        </p:attrNameLst>
+                                      </p:cBhvr>
+                                      <p:to>
+                                        <a:srgbClr val="B2B2B2"/>
+                                      </p:to>
+                                    </p:animClr>
+                                  </p:subTnLst>
+                                </p:cTn>
+                              </p:par>
+                              <p:par>
+                                <p:cTn id="38" presetID="10" presetClass="entr" presetSubtype="0" fill="hold" grpId="0" nodeType="withEffect">
+                                  <p:stCondLst>
+                                    <p:cond delay="0"/>
+                                  </p:stCondLst>
+                                  <p:childTnLst>
+                                    <p:set>
+                                      <p:cBhvr>
+                                        <p:cTn id="39" dur="1" fill="hold">
+                                          <p:stCondLst>
+                                            <p:cond delay="0"/>
+                                          </p:stCondLst>
+                                        </p:cTn>
+                                        <p:tgtEl>
+                                          <p:spTgt spid="3">
+                                            <p:txEl>
+                                              <p:pRg st="9" end="9"/>
+                                            </p:txEl>
+                                          </p:spTgt>
+                                        </p:tgtEl>
+                                        <p:attrNameLst>
+                                          <p:attrName>style.visibility</p:attrName>
+                                        </p:attrNameLst>
+                                      </p:cBhvr>
+                                      <p:to>
+                                        <p:strVal val="visible"/>
+                                      </p:to>
+                                    </p:set>
+                                    <p:animEffect transition="in" filter="fade">
+                                      <p:cBhvr>
+                                        <p:cTn id="40" dur="500"/>
+                                        <p:tgtEl>
+                                          <p:spTgt spid="3">
+                                            <p:txEl>
+                                              <p:pRg st="9" end="9"/>
+                                            </p:txEl>
+                                          </p:spTgt>
+                                        </p:tgtEl>
+                                      </p:cBhvr>
+                                    </p:animEffect>
+                                  </p:childTnLst>
+                                  <p:subTnLst>
+                                    <p:animClr clrSpc="rgb" dir="cw">
+                                      <p:cBhvr override="childStyle">
+                                        <p:cTn dur="1" fill="hold" display="0" masterRel="nextClick" afterEffect="1"/>
+                                        <p:tgtEl>
+                                          <p:spTgt spid="3">
+                                            <p:txEl>
+                                              <p:pRg st="9" end="9"/>
                                             </p:txEl>
                                           </p:spTgt>
                                         </p:tgtEl>

--- a/2020-10-16 - NDC Sydney - The Background on Background Tasks in .NET Core/The Background on Background Tasks.pptx
+++ b/2020-10-16 - NDC Sydney - The Background on Background Tasks in .NET Core/The Background on Background Tasks.pptx
@@ -237,7 +237,7 @@
           <a:p>
             <a:fld id="{8EBF47D1-607F-45EE-AE63-C10CF3AC8DD9}" type="datetimeFigureOut">
               <a:rPr lang="en-US" smtClean="0"/>
-              <a:t>10/12/2020</a:t>
+              <a:t>10/13/2020</a:t>
             </a:fld>
             <a:endParaRPr lang="en-US"/>
           </a:p>
@@ -1600,7 +1600,15 @@
           <a:p>
             <a:r>
               <a:rPr lang="en-US" dirty="0"/>
-              <a:t>When I made this talk, I had a certain audience in mind, so hopefully this is lines up with you, so that you can get the most out of this talk.  This talk targets existing .NET Core Developers who are familiar with the .NET Core/ASP.NET Core ecosystem and need to run a background task, but are maybe unsure of their options and which one to choose.</a:t>
+              <a:t>Just to level set expectations and some assumptions I had when I made this talk.  I had a very particular audience in mind, so hopefully this is lines up with you, so that you can get the most out of </a:t>
+            </a:r>
+            <a:r>
+              <a:rPr lang="en-US"/>
+              <a:t>this session.  </a:t>
+            </a:r>
+            <a:r>
+              <a:rPr lang="en-US" dirty="0"/>
+              <a:t>This talk targets existing .NET Core Developers who are familiar with the .NET Core/ASP.NET Core ecosystem and need to run a background task, but are maybe unsure of their options and which one to choose.  Or maybe they know all the options but aren’t quite sure when you should use which one.  Those are all things we are going to talk about today and get those questions answered.</a:t>
             </a:r>
           </a:p>
         </p:txBody>
@@ -4567,7 +4575,7 @@
           <a:p>
             <a:fld id="{A4BF2526-C75C-47BE-928B-0135A92A66BE}" type="datetimeFigureOut">
               <a:rPr lang="en-US" smtClean="0"/>
-              <a:t>10/12/2020</a:t>
+              <a:t>10/13/2020</a:t>
             </a:fld>
             <a:endParaRPr lang="en-US"/>
           </a:p>
@@ -4765,7 +4773,7 @@
           <a:p>
             <a:fld id="{A4BF2526-C75C-47BE-928B-0135A92A66BE}" type="datetimeFigureOut">
               <a:rPr lang="en-US" smtClean="0"/>
-              <a:t>10/12/2020</a:t>
+              <a:t>10/13/2020</a:t>
             </a:fld>
             <a:endParaRPr lang="en-US"/>
           </a:p>
@@ -4973,7 +4981,7 @@
           <a:p>
             <a:fld id="{A4BF2526-C75C-47BE-928B-0135A92A66BE}" type="datetimeFigureOut">
               <a:rPr lang="en-US" smtClean="0"/>
-              <a:t>10/12/2020</a:t>
+              <a:t>10/13/2020</a:t>
             </a:fld>
             <a:endParaRPr lang="en-US"/>
           </a:p>
@@ -5171,7 +5179,7 @@
           <a:p>
             <a:fld id="{A4BF2526-C75C-47BE-928B-0135A92A66BE}" type="datetimeFigureOut">
               <a:rPr lang="en-US" smtClean="0"/>
-              <a:t>10/12/2020</a:t>
+              <a:t>10/13/2020</a:t>
             </a:fld>
             <a:endParaRPr lang="en-US"/>
           </a:p>
@@ -5446,7 +5454,7 @@
           <a:p>
             <a:fld id="{A4BF2526-C75C-47BE-928B-0135A92A66BE}" type="datetimeFigureOut">
               <a:rPr lang="en-US" smtClean="0"/>
-              <a:t>10/12/2020</a:t>
+              <a:t>10/13/2020</a:t>
             </a:fld>
             <a:endParaRPr lang="en-US"/>
           </a:p>
@@ -5711,7 +5719,7 @@
           <a:p>
             <a:fld id="{A4BF2526-C75C-47BE-928B-0135A92A66BE}" type="datetimeFigureOut">
               <a:rPr lang="en-US" smtClean="0"/>
-              <a:t>10/12/2020</a:t>
+              <a:t>10/13/2020</a:t>
             </a:fld>
             <a:endParaRPr lang="en-US"/>
           </a:p>
@@ -6123,7 +6131,7 @@
           <a:p>
             <a:fld id="{A4BF2526-C75C-47BE-928B-0135A92A66BE}" type="datetimeFigureOut">
               <a:rPr lang="en-US" smtClean="0"/>
-              <a:t>10/12/2020</a:t>
+              <a:t>10/13/2020</a:t>
             </a:fld>
             <a:endParaRPr lang="en-US"/>
           </a:p>
@@ -6264,7 +6272,7 @@
           <a:p>
             <a:fld id="{A4BF2526-C75C-47BE-928B-0135A92A66BE}" type="datetimeFigureOut">
               <a:rPr lang="en-US" smtClean="0"/>
-              <a:t>10/12/2020</a:t>
+              <a:t>10/13/2020</a:t>
             </a:fld>
             <a:endParaRPr lang="en-US"/>
           </a:p>
@@ -6377,7 +6385,7 @@
           <a:p>
             <a:fld id="{A4BF2526-C75C-47BE-928B-0135A92A66BE}" type="datetimeFigureOut">
               <a:rPr lang="en-US" smtClean="0"/>
-              <a:t>10/12/2020</a:t>
+              <a:t>10/13/2020</a:t>
             </a:fld>
             <a:endParaRPr lang="en-US"/>
           </a:p>
@@ -6688,7 +6696,7 @@
           <a:p>
             <a:fld id="{A4BF2526-C75C-47BE-928B-0135A92A66BE}" type="datetimeFigureOut">
               <a:rPr lang="en-US" smtClean="0"/>
-              <a:t>10/12/2020</a:t>
+              <a:t>10/13/2020</a:t>
             </a:fld>
             <a:endParaRPr lang="en-US"/>
           </a:p>
@@ -6976,7 +6984,7 @@
           <a:p>
             <a:fld id="{A4BF2526-C75C-47BE-928B-0135A92A66BE}" type="datetimeFigureOut">
               <a:rPr lang="en-US" smtClean="0"/>
-              <a:t>10/12/2020</a:t>
+              <a:t>10/13/2020</a:t>
             </a:fld>
             <a:endParaRPr lang="en-US"/>
           </a:p>
@@ -7217,7 +7225,7 @@
           <a:p>
             <a:fld id="{A4BF2526-C75C-47BE-928B-0135A92A66BE}" type="datetimeFigureOut">
               <a:rPr lang="en-US" smtClean="0"/>
-              <a:t>10/12/2020</a:t>
+              <a:t>10/13/2020</a:t>
             </a:fld>
             <a:endParaRPr lang="en-US"/>
           </a:p>
@@ -26688,6 +26696,13 @@
             <a:endParaRPr lang="en-US" dirty="0"/>
           </a:p>
           <a:p>
+            <a:pPr lvl="1"/>
+            <a:r>
+              <a:rPr lang="en-US" dirty="0"/>
+              <a:t>Free this week!</a:t>
+            </a:r>
+          </a:p>
+          <a:p>
             <a:endParaRPr lang="en-US" dirty="0"/>
           </a:p>
         </p:txBody>
